--- a/doc/Projet ENT.pptx
+++ b/doc/Projet ENT.pptx
@@ -8,6 +8,10 @@
     <p:sldId id="256" r:id="rId2"/>
     <p:sldId id="257" r:id="rId3"/>
     <p:sldId id="258" r:id="rId4"/>
+    <p:sldId id="259" r:id="rId5"/>
+    <p:sldId id="260" r:id="rId6"/>
+    <p:sldId id="261" r:id="rId7"/>
+    <p:sldId id="262" r:id="rId8"/>
   </p:sldIdLst>
   <p:sldSz cx="9144000" cy="6858000" type="screen4x3"/>
   <p:notesSz cx="6858000" cy="9144000"/>
@@ -734,6 +738,7 @@
           <a:p>
             <a:fld id="{75B4757C-C7A5-4E81-A2BC-567DC8130868}" type="datetimeFigureOut">
               <a:rPr lang="en-US" smtClean="0"/>
+              <a:pPr/>
               <a:t>2/19/2014</a:t>
             </a:fld>
             <a:endParaRPr lang="en-US"/>
@@ -796,6 +801,7 @@
           <a:p>
             <a:fld id="{976C03F8-4E4B-43B6-8FC7-B0F1B4D64FA2}" type="slidenum">
               <a:rPr lang="en-US" smtClean="0"/>
+              <a:pPr/>
               <a:t>‹N°›</a:t>
             </a:fld>
             <a:endParaRPr lang="en-US"/>
@@ -930,6 +936,7 @@
           <a:p>
             <a:fld id="{75B4757C-C7A5-4E81-A2BC-567DC8130868}" type="datetimeFigureOut">
               <a:rPr lang="en-US" smtClean="0"/>
+              <a:pPr/>
               <a:t>2/19/2014</a:t>
             </a:fld>
             <a:endParaRPr lang="en-US"/>
@@ -976,6 +983,7 @@
           <a:p>
             <a:fld id="{976C03F8-4E4B-43B6-8FC7-B0F1B4D64FA2}" type="slidenum">
               <a:rPr lang="en-US" smtClean="0"/>
+              <a:pPr/>
               <a:t>‹N°›</a:t>
             </a:fld>
             <a:endParaRPr lang="en-US"/>
@@ -1115,6 +1123,7 @@
           <a:p>
             <a:fld id="{75B4757C-C7A5-4E81-A2BC-567DC8130868}" type="datetimeFigureOut">
               <a:rPr lang="en-US" smtClean="0"/>
+              <a:pPr/>
               <a:t>2/19/2014</a:t>
             </a:fld>
             <a:endParaRPr lang="en-US"/>
@@ -1161,6 +1170,7 @@
           <a:p>
             <a:fld id="{976C03F8-4E4B-43B6-8FC7-B0F1B4D64FA2}" type="slidenum">
               <a:rPr lang="en-US" smtClean="0"/>
+              <a:pPr/>
               <a:t>‹N°›</a:t>
             </a:fld>
             <a:endParaRPr lang="en-US"/>
@@ -1265,6 +1275,7 @@
           <a:p>
             <a:fld id="{75B4757C-C7A5-4E81-A2BC-567DC8130868}" type="datetimeFigureOut">
               <a:rPr lang="en-US" smtClean="0"/>
+              <a:pPr/>
               <a:t>2/19/2014</a:t>
             </a:fld>
             <a:endParaRPr lang="en-US"/>
@@ -1311,6 +1322,7 @@
           <a:p>
             <a:fld id="{976C03F8-4E4B-43B6-8FC7-B0F1B4D64FA2}" type="slidenum">
               <a:rPr lang="en-US" smtClean="0"/>
+              <a:pPr/>
               <a:t>‹N°›</a:t>
             </a:fld>
             <a:endParaRPr lang="en-US"/>
@@ -1520,6 +1532,7 @@
           <a:p>
             <a:fld id="{75B4757C-C7A5-4E81-A2BC-567DC8130868}" type="datetimeFigureOut">
               <a:rPr lang="en-US" smtClean="0"/>
+              <a:pPr/>
               <a:t>2/19/2014</a:t>
             </a:fld>
             <a:endParaRPr lang="en-US"/>
@@ -1566,6 +1579,7 @@
           <a:p>
             <a:fld id="{976C03F8-4E4B-43B6-8FC7-B0F1B4D64FA2}" type="slidenum">
               <a:rPr lang="en-US" smtClean="0"/>
+              <a:pPr/>
               <a:t>‹N°›</a:t>
             </a:fld>
             <a:endParaRPr lang="en-US"/>
@@ -1929,6 +1943,7 @@
           <a:p>
             <a:fld id="{75B4757C-C7A5-4E81-A2BC-567DC8130868}" type="datetimeFigureOut">
               <a:rPr lang="en-US" smtClean="0"/>
+              <a:pPr/>
               <a:t>2/19/2014</a:t>
             </a:fld>
             <a:endParaRPr lang="en-US"/>
@@ -1975,6 +1990,7 @@
           <a:p>
             <a:fld id="{976C03F8-4E4B-43B6-8FC7-B0F1B4D64FA2}" type="slidenum">
               <a:rPr lang="en-US" smtClean="0"/>
+              <a:pPr/>
               <a:t>‹N°›</a:t>
             </a:fld>
             <a:endParaRPr lang="en-US"/>
@@ -2375,6 +2391,7 @@
           <a:p>
             <a:fld id="{75B4757C-C7A5-4E81-A2BC-567DC8130868}" type="datetimeFigureOut">
               <a:rPr lang="en-US" smtClean="0"/>
+              <a:pPr/>
               <a:t>2/19/2014</a:t>
             </a:fld>
             <a:endParaRPr lang="en-US"/>
@@ -2421,6 +2438,7 @@
           <a:p>
             <a:fld id="{976C03F8-4E4B-43B6-8FC7-B0F1B4D64FA2}" type="slidenum">
               <a:rPr lang="en-US" smtClean="0"/>
+              <a:pPr/>
               <a:t>‹N°›</a:t>
             </a:fld>
             <a:endParaRPr lang="en-US"/>
@@ -2476,6 +2494,7 @@
           <a:p>
             <a:fld id="{75B4757C-C7A5-4E81-A2BC-567DC8130868}" type="datetimeFigureOut">
               <a:rPr lang="en-US" smtClean="0"/>
+              <a:pPr/>
               <a:t>2/19/2014</a:t>
             </a:fld>
             <a:endParaRPr lang="en-US"/>
@@ -2522,6 +2541,7 @@
           <a:p>
             <a:fld id="{976C03F8-4E4B-43B6-8FC7-B0F1B4D64FA2}" type="slidenum">
               <a:rPr lang="en-US" smtClean="0"/>
+              <a:pPr/>
               <a:t>‹N°›</a:t>
             </a:fld>
             <a:endParaRPr lang="en-US"/>
@@ -2597,6 +2617,7 @@
           <a:p>
             <a:fld id="{75B4757C-C7A5-4E81-A2BC-567DC8130868}" type="datetimeFigureOut">
               <a:rPr lang="en-US" smtClean="0"/>
+              <a:pPr/>
               <a:t>2/19/2014</a:t>
             </a:fld>
             <a:endParaRPr lang="en-US"/>
@@ -2643,6 +2664,7 @@
           <a:p>
             <a:fld id="{976C03F8-4E4B-43B6-8FC7-B0F1B4D64FA2}" type="slidenum">
               <a:rPr lang="en-US" smtClean="0"/>
+              <a:pPr/>
               <a:t>‹N°›</a:t>
             </a:fld>
             <a:endParaRPr lang="en-US"/>
@@ -2871,6 +2893,7 @@
           <a:p>
             <a:fld id="{75B4757C-C7A5-4E81-A2BC-567DC8130868}" type="datetimeFigureOut">
               <a:rPr lang="en-US" smtClean="0"/>
+              <a:pPr/>
               <a:t>2/19/2014</a:t>
             </a:fld>
             <a:endParaRPr lang="en-US"/>
@@ -2917,6 +2940,7 @@
           <a:p>
             <a:fld id="{976C03F8-4E4B-43B6-8FC7-B0F1B4D64FA2}" type="slidenum">
               <a:rPr lang="en-US" smtClean="0"/>
+              <a:pPr/>
               <a:t>‹N°›</a:t>
             </a:fld>
             <a:endParaRPr lang="en-US"/>
@@ -3076,6 +3100,7 @@
           <a:p>
             <a:fld id="{75B4757C-C7A5-4E81-A2BC-567DC8130868}" type="datetimeFigureOut">
               <a:rPr lang="en-US" smtClean="0"/>
+              <a:pPr/>
               <a:t>2/19/2014</a:t>
             </a:fld>
             <a:endParaRPr lang="en-US"/>
@@ -3141,6 +3166,7 @@
           <a:p>
             <a:fld id="{976C03F8-4E4B-43B6-8FC7-B0F1B4D64FA2}" type="slidenum">
               <a:rPr lang="en-US" smtClean="0"/>
+              <a:pPr/>
               <a:t>‹N°›</a:t>
             </a:fld>
             <a:endParaRPr lang="en-US"/>
@@ -4185,6 +4211,7 @@
           <a:p>
             <a:fld id="{75B4757C-C7A5-4E81-A2BC-567DC8130868}" type="datetimeFigureOut">
               <a:rPr lang="en-US" smtClean="0"/>
+              <a:pPr/>
               <a:t>2/19/2014</a:t>
             </a:fld>
             <a:endParaRPr lang="en-US"/>
@@ -4261,6 +4288,7 @@
           <a:p>
             <a:fld id="{976C03F8-4E4B-43B6-8FC7-B0F1B4D64FA2}" type="slidenum">
               <a:rPr lang="en-US" smtClean="0"/>
+              <a:pPr/>
               <a:t>‹N°›</a:t>
             </a:fld>
             <a:endParaRPr lang="en-US"/>
@@ -4669,6 +4697,13 @@
   <p:clrMapOvr>
     <a:masterClrMapping/>
   </p:clrMapOvr>
+  <p:timing>
+    <p:tnLst>
+      <p:par>
+        <p:cTn id="1" dur="indefinite" restart="never" nodeType="tmRoot"/>
+      </p:par>
+    </p:tnLst>
+  </p:timing>
 </p:sld>
 </file>
 
@@ -4705,46 +4740,116 @@
           <a:lstStyle/>
           <a:p>
             <a:r>
-              <a:rPr lang="fr-FR" dirty="0" smtClean="0"/>
+              <a:rPr lang="fr-FR" dirty="0" smtClean="0">
+                <a:solidFill>
+                  <a:schemeClr val="tx1">
+                    <a:lumMod val="85000"/>
+                    <a:lumOff val="15000"/>
+                  </a:schemeClr>
+                </a:solidFill>
+              </a:rPr>
               <a:t>Définition</a:t>
             </a:r>
           </a:p>
           <a:p>
-            <a:endParaRPr lang="fr-FR" dirty="0" smtClean="0"/>
-          </a:p>
-          <a:p>
-            <a:r>
-              <a:rPr lang="fr-FR" dirty="0" smtClean="0"/>
+            <a:endParaRPr lang="fr-FR" dirty="0" smtClean="0">
+              <a:solidFill>
+                <a:schemeClr val="tx1">
+                  <a:lumMod val="85000"/>
+                  <a:lumOff val="15000"/>
+                </a:schemeClr>
+              </a:solidFill>
+            </a:endParaRPr>
+          </a:p>
+          <a:p>
+            <a:r>
+              <a:rPr lang="fr-FR" dirty="0" smtClean="0">
+                <a:solidFill>
+                  <a:schemeClr val="tx1">
+                    <a:lumMod val="85000"/>
+                    <a:lumOff val="15000"/>
+                  </a:schemeClr>
+                </a:solidFill>
+              </a:rPr>
               <a:t>Objectif</a:t>
             </a:r>
           </a:p>
           <a:p>
-            <a:endParaRPr lang="fr-FR" dirty="0" smtClean="0"/>
-          </a:p>
-          <a:p>
-            <a:r>
-              <a:rPr lang="fr-FR" dirty="0" smtClean="0"/>
+            <a:endParaRPr lang="fr-FR" dirty="0" smtClean="0">
+              <a:solidFill>
+                <a:schemeClr val="tx1">
+                  <a:lumMod val="85000"/>
+                  <a:lumOff val="15000"/>
+                </a:schemeClr>
+              </a:solidFill>
+            </a:endParaRPr>
+          </a:p>
+          <a:p>
+            <a:r>
+              <a:rPr lang="fr-FR" dirty="0" smtClean="0">
+                <a:solidFill>
+                  <a:schemeClr val="tx1">
+                    <a:lumMod val="85000"/>
+                    <a:lumOff val="15000"/>
+                  </a:schemeClr>
+                </a:solidFill>
+              </a:rPr>
               <a:t>Technologies utilisées</a:t>
             </a:r>
           </a:p>
           <a:p>
-            <a:endParaRPr lang="fr-FR" dirty="0" smtClean="0"/>
-          </a:p>
-          <a:p>
-            <a:r>
-              <a:rPr lang="fr-FR" dirty="0" smtClean="0"/>
+            <a:endParaRPr lang="fr-FR" dirty="0" smtClean="0">
+              <a:solidFill>
+                <a:schemeClr val="tx1">
+                  <a:lumMod val="85000"/>
+                  <a:lumOff val="15000"/>
+                </a:schemeClr>
+              </a:solidFill>
+            </a:endParaRPr>
+          </a:p>
+          <a:p>
+            <a:r>
+              <a:rPr lang="fr-FR" dirty="0" smtClean="0">
+                <a:solidFill>
+                  <a:schemeClr val="tx1">
+                    <a:lumMod val="85000"/>
+                    <a:lumOff val="15000"/>
+                  </a:schemeClr>
+                </a:solidFill>
+              </a:rPr>
               <a:t>Travail effectué</a:t>
             </a:r>
           </a:p>
           <a:p>
-            <a:endParaRPr lang="fr-FR" dirty="0" smtClean="0"/>
-          </a:p>
-          <a:p>
-            <a:r>
-              <a:rPr lang="fr-FR" dirty="0" smtClean="0"/>
+            <a:endParaRPr lang="fr-FR" dirty="0" smtClean="0">
+              <a:solidFill>
+                <a:schemeClr val="tx1">
+                  <a:lumMod val="85000"/>
+                  <a:lumOff val="15000"/>
+                </a:schemeClr>
+              </a:solidFill>
+            </a:endParaRPr>
+          </a:p>
+          <a:p>
+            <a:r>
+              <a:rPr lang="fr-FR" dirty="0" smtClean="0">
+                <a:solidFill>
+                  <a:schemeClr val="tx1">
+                    <a:lumMod val="85000"/>
+                    <a:lumOff val="15000"/>
+                  </a:schemeClr>
+                </a:solidFill>
+              </a:rPr>
               <a:t>Conclusion</a:t>
             </a:r>
-            <a:endParaRPr lang="en-US" dirty="0"/>
+            <a:endParaRPr lang="en-US" dirty="0">
+              <a:solidFill>
+                <a:schemeClr val="tx1">
+                  <a:lumMod val="85000"/>
+                  <a:lumOff val="15000"/>
+                </a:schemeClr>
+              </a:solidFill>
+            </a:endParaRPr>
           </a:p>
         </p:txBody>
       </p:sp>
@@ -4776,6 +4881,885 @@
   <p:clrMapOvr>
     <a:masterClrMapping/>
   </p:clrMapOvr>
+  <p:transition/>
+  <p:timing>
+    <p:tnLst>
+      <p:par>
+        <p:cTn id="1" dur="indefinite" restart="never" nodeType="tmRoot">
+          <p:childTnLst>
+            <p:seq concurrent="1" nextAc="seek">
+              <p:cTn id="2" dur="indefinite" nodeType="mainSeq">
+                <p:childTnLst>
+                  <p:par>
+                    <p:cTn id="3" fill="hold">
+                      <p:stCondLst>
+                        <p:cond delay="indefinite"/>
+                      </p:stCondLst>
+                      <p:childTnLst>
+                        <p:par>
+                          <p:cTn id="4" fill="hold">
+                            <p:stCondLst>
+                              <p:cond delay="0"/>
+                            </p:stCondLst>
+                            <p:childTnLst>
+                              <p:par>
+                                <p:cTn id="5" presetID="54" presetClass="entr" presetSubtype="0" accel="100000" fill="hold" grpId="1" nodeType="clickEffect">
+                                  <p:stCondLst>
+                                    <p:cond delay="0"/>
+                                  </p:stCondLst>
+                                  <p:childTnLst>
+                                    <p:set>
+                                      <p:cBhvr>
+                                        <p:cTn id="6" dur="1" fill="hold">
+                                          <p:stCondLst>
+                                            <p:cond delay="0"/>
+                                          </p:stCondLst>
+                                        </p:cTn>
+                                        <p:tgtEl>
+                                          <p:spTgt spid="2">
+                                            <p:txEl>
+                                              <p:pRg st="0" end="0"/>
+                                            </p:txEl>
+                                          </p:spTgt>
+                                        </p:tgtEl>
+                                        <p:attrNameLst>
+                                          <p:attrName>style.visibility</p:attrName>
+                                        </p:attrNameLst>
+                                      </p:cBhvr>
+                                      <p:to>
+                                        <p:strVal val="visible"/>
+                                      </p:to>
+                                    </p:set>
+                                    <p:anim calcmode="lin" valueType="num">
+                                      <p:cBhvr>
+                                        <p:cTn id="7" dur="500" fill="hold"/>
+                                        <p:tgtEl>
+                                          <p:spTgt spid="2">
+                                            <p:txEl>
+                                              <p:pRg st="0" end="0"/>
+                                            </p:txEl>
+                                          </p:spTgt>
+                                        </p:tgtEl>
+                                        <p:attrNameLst>
+                                          <p:attrName>ppt_w</p:attrName>
+                                        </p:attrNameLst>
+                                      </p:cBhvr>
+                                      <p:tavLst>
+                                        <p:tav tm="0">
+                                          <p:val>
+                                            <p:strVal val="#ppt_w*0.05"/>
+                                          </p:val>
+                                        </p:tav>
+                                        <p:tav tm="100000">
+                                          <p:val>
+                                            <p:strVal val="#ppt_w"/>
+                                          </p:val>
+                                        </p:tav>
+                                      </p:tavLst>
+                                    </p:anim>
+                                    <p:anim calcmode="lin" valueType="num">
+                                      <p:cBhvr>
+                                        <p:cTn id="8" dur="500" fill="hold"/>
+                                        <p:tgtEl>
+                                          <p:spTgt spid="2">
+                                            <p:txEl>
+                                              <p:pRg st="0" end="0"/>
+                                            </p:txEl>
+                                          </p:spTgt>
+                                        </p:tgtEl>
+                                        <p:attrNameLst>
+                                          <p:attrName>ppt_h</p:attrName>
+                                        </p:attrNameLst>
+                                      </p:cBhvr>
+                                      <p:tavLst>
+                                        <p:tav tm="0">
+                                          <p:val>
+                                            <p:strVal val="#ppt_h"/>
+                                          </p:val>
+                                        </p:tav>
+                                        <p:tav tm="100000">
+                                          <p:val>
+                                            <p:strVal val="#ppt_h"/>
+                                          </p:val>
+                                        </p:tav>
+                                      </p:tavLst>
+                                    </p:anim>
+                                    <p:anim calcmode="lin" valueType="num">
+                                      <p:cBhvr>
+                                        <p:cTn id="9" dur="500" fill="hold"/>
+                                        <p:tgtEl>
+                                          <p:spTgt spid="2">
+                                            <p:txEl>
+                                              <p:pRg st="0" end="0"/>
+                                            </p:txEl>
+                                          </p:spTgt>
+                                        </p:tgtEl>
+                                        <p:attrNameLst>
+                                          <p:attrName>ppt_x</p:attrName>
+                                        </p:attrNameLst>
+                                      </p:cBhvr>
+                                      <p:tavLst>
+                                        <p:tav tm="0">
+                                          <p:val>
+                                            <p:strVal val="#ppt_x-.2"/>
+                                          </p:val>
+                                        </p:tav>
+                                        <p:tav tm="100000">
+                                          <p:val>
+                                            <p:strVal val="#ppt_x"/>
+                                          </p:val>
+                                        </p:tav>
+                                      </p:tavLst>
+                                    </p:anim>
+                                    <p:anim calcmode="lin" valueType="num">
+                                      <p:cBhvr>
+                                        <p:cTn id="10" dur="500" fill="hold"/>
+                                        <p:tgtEl>
+                                          <p:spTgt spid="2">
+                                            <p:txEl>
+                                              <p:pRg st="0" end="0"/>
+                                            </p:txEl>
+                                          </p:spTgt>
+                                        </p:tgtEl>
+                                        <p:attrNameLst>
+                                          <p:attrName>ppt_y</p:attrName>
+                                        </p:attrNameLst>
+                                      </p:cBhvr>
+                                      <p:tavLst>
+                                        <p:tav tm="0">
+                                          <p:val>
+                                            <p:strVal val="#ppt_y"/>
+                                          </p:val>
+                                        </p:tav>
+                                        <p:tav tm="100000">
+                                          <p:val>
+                                            <p:strVal val="#ppt_y"/>
+                                          </p:val>
+                                        </p:tav>
+                                      </p:tavLst>
+                                    </p:anim>
+                                    <p:animEffect transition="in" filter="fade">
+                                      <p:cBhvr>
+                                        <p:cTn id="11" dur="500"/>
+                                        <p:tgtEl>
+                                          <p:spTgt spid="2">
+                                            <p:txEl>
+                                              <p:pRg st="0" end="0"/>
+                                            </p:txEl>
+                                          </p:spTgt>
+                                        </p:tgtEl>
+                                      </p:cBhvr>
+                                    </p:animEffect>
+                                  </p:childTnLst>
+                                </p:cTn>
+                              </p:par>
+                            </p:childTnLst>
+                          </p:cTn>
+                        </p:par>
+                      </p:childTnLst>
+                    </p:cTn>
+                  </p:par>
+                  <p:par>
+                    <p:cTn id="12" fill="hold">
+                      <p:stCondLst>
+                        <p:cond delay="indefinite"/>
+                      </p:stCondLst>
+                      <p:childTnLst>
+                        <p:par>
+                          <p:cTn id="13" fill="hold">
+                            <p:stCondLst>
+                              <p:cond delay="0"/>
+                            </p:stCondLst>
+                            <p:childTnLst>
+                              <p:par>
+                                <p:cTn id="14" presetID="54" presetClass="entr" presetSubtype="0" accel="100000" fill="hold" grpId="1" nodeType="clickEffect">
+                                  <p:stCondLst>
+                                    <p:cond delay="0"/>
+                                  </p:stCondLst>
+                                  <p:childTnLst>
+                                    <p:set>
+                                      <p:cBhvr>
+                                        <p:cTn id="15" dur="1" fill="hold">
+                                          <p:stCondLst>
+                                            <p:cond delay="0"/>
+                                          </p:stCondLst>
+                                        </p:cTn>
+                                        <p:tgtEl>
+                                          <p:spTgt spid="2">
+                                            <p:txEl>
+                                              <p:pRg st="2" end="2"/>
+                                            </p:txEl>
+                                          </p:spTgt>
+                                        </p:tgtEl>
+                                        <p:attrNameLst>
+                                          <p:attrName>style.visibility</p:attrName>
+                                        </p:attrNameLst>
+                                      </p:cBhvr>
+                                      <p:to>
+                                        <p:strVal val="visible"/>
+                                      </p:to>
+                                    </p:set>
+                                    <p:anim calcmode="lin" valueType="num">
+                                      <p:cBhvr>
+                                        <p:cTn id="16" dur="500" fill="hold"/>
+                                        <p:tgtEl>
+                                          <p:spTgt spid="2">
+                                            <p:txEl>
+                                              <p:pRg st="2" end="2"/>
+                                            </p:txEl>
+                                          </p:spTgt>
+                                        </p:tgtEl>
+                                        <p:attrNameLst>
+                                          <p:attrName>ppt_w</p:attrName>
+                                        </p:attrNameLst>
+                                      </p:cBhvr>
+                                      <p:tavLst>
+                                        <p:tav tm="0">
+                                          <p:val>
+                                            <p:strVal val="#ppt_w*0.05"/>
+                                          </p:val>
+                                        </p:tav>
+                                        <p:tav tm="100000">
+                                          <p:val>
+                                            <p:strVal val="#ppt_w"/>
+                                          </p:val>
+                                        </p:tav>
+                                      </p:tavLst>
+                                    </p:anim>
+                                    <p:anim calcmode="lin" valueType="num">
+                                      <p:cBhvr>
+                                        <p:cTn id="17" dur="500" fill="hold"/>
+                                        <p:tgtEl>
+                                          <p:spTgt spid="2">
+                                            <p:txEl>
+                                              <p:pRg st="2" end="2"/>
+                                            </p:txEl>
+                                          </p:spTgt>
+                                        </p:tgtEl>
+                                        <p:attrNameLst>
+                                          <p:attrName>ppt_h</p:attrName>
+                                        </p:attrNameLst>
+                                      </p:cBhvr>
+                                      <p:tavLst>
+                                        <p:tav tm="0">
+                                          <p:val>
+                                            <p:strVal val="#ppt_h"/>
+                                          </p:val>
+                                        </p:tav>
+                                        <p:tav tm="100000">
+                                          <p:val>
+                                            <p:strVal val="#ppt_h"/>
+                                          </p:val>
+                                        </p:tav>
+                                      </p:tavLst>
+                                    </p:anim>
+                                    <p:anim calcmode="lin" valueType="num">
+                                      <p:cBhvr>
+                                        <p:cTn id="18" dur="500" fill="hold"/>
+                                        <p:tgtEl>
+                                          <p:spTgt spid="2">
+                                            <p:txEl>
+                                              <p:pRg st="2" end="2"/>
+                                            </p:txEl>
+                                          </p:spTgt>
+                                        </p:tgtEl>
+                                        <p:attrNameLst>
+                                          <p:attrName>ppt_x</p:attrName>
+                                        </p:attrNameLst>
+                                      </p:cBhvr>
+                                      <p:tavLst>
+                                        <p:tav tm="0">
+                                          <p:val>
+                                            <p:strVal val="#ppt_x-.2"/>
+                                          </p:val>
+                                        </p:tav>
+                                        <p:tav tm="100000">
+                                          <p:val>
+                                            <p:strVal val="#ppt_x"/>
+                                          </p:val>
+                                        </p:tav>
+                                      </p:tavLst>
+                                    </p:anim>
+                                    <p:anim calcmode="lin" valueType="num">
+                                      <p:cBhvr>
+                                        <p:cTn id="19" dur="500" fill="hold"/>
+                                        <p:tgtEl>
+                                          <p:spTgt spid="2">
+                                            <p:txEl>
+                                              <p:pRg st="2" end="2"/>
+                                            </p:txEl>
+                                          </p:spTgt>
+                                        </p:tgtEl>
+                                        <p:attrNameLst>
+                                          <p:attrName>ppt_y</p:attrName>
+                                        </p:attrNameLst>
+                                      </p:cBhvr>
+                                      <p:tavLst>
+                                        <p:tav tm="0">
+                                          <p:val>
+                                            <p:strVal val="#ppt_y"/>
+                                          </p:val>
+                                        </p:tav>
+                                        <p:tav tm="100000">
+                                          <p:val>
+                                            <p:strVal val="#ppt_y"/>
+                                          </p:val>
+                                        </p:tav>
+                                      </p:tavLst>
+                                    </p:anim>
+                                    <p:animEffect transition="in" filter="fade">
+                                      <p:cBhvr>
+                                        <p:cTn id="20" dur="500"/>
+                                        <p:tgtEl>
+                                          <p:spTgt spid="2">
+                                            <p:txEl>
+                                              <p:pRg st="2" end="2"/>
+                                            </p:txEl>
+                                          </p:spTgt>
+                                        </p:tgtEl>
+                                      </p:cBhvr>
+                                    </p:animEffect>
+                                  </p:childTnLst>
+                                </p:cTn>
+                              </p:par>
+                            </p:childTnLst>
+                          </p:cTn>
+                        </p:par>
+                      </p:childTnLst>
+                    </p:cTn>
+                  </p:par>
+                  <p:par>
+                    <p:cTn id="21" fill="hold">
+                      <p:stCondLst>
+                        <p:cond delay="indefinite"/>
+                      </p:stCondLst>
+                      <p:childTnLst>
+                        <p:par>
+                          <p:cTn id="22" fill="hold">
+                            <p:stCondLst>
+                              <p:cond delay="0"/>
+                            </p:stCondLst>
+                            <p:childTnLst>
+                              <p:par>
+                                <p:cTn id="23" presetID="54" presetClass="entr" presetSubtype="0" accel="100000" fill="hold" grpId="1" nodeType="clickEffect">
+                                  <p:stCondLst>
+                                    <p:cond delay="0"/>
+                                  </p:stCondLst>
+                                  <p:childTnLst>
+                                    <p:set>
+                                      <p:cBhvr>
+                                        <p:cTn id="24" dur="1" fill="hold">
+                                          <p:stCondLst>
+                                            <p:cond delay="0"/>
+                                          </p:stCondLst>
+                                        </p:cTn>
+                                        <p:tgtEl>
+                                          <p:spTgt spid="2">
+                                            <p:txEl>
+                                              <p:pRg st="4" end="4"/>
+                                            </p:txEl>
+                                          </p:spTgt>
+                                        </p:tgtEl>
+                                        <p:attrNameLst>
+                                          <p:attrName>style.visibility</p:attrName>
+                                        </p:attrNameLst>
+                                      </p:cBhvr>
+                                      <p:to>
+                                        <p:strVal val="visible"/>
+                                      </p:to>
+                                    </p:set>
+                                    <p:anim calcmode="lin" valueType="num">
+                                      <p:cBhvr>
+                                        <p:cTn id="25" dur="500" fill="hold"/>
+                                        <p:tgtEl>
+                                          <p:spTgt spid="2">
+                                            <p:txEl>
+                                              <p:pRg st="4" end="4"/>
+                                            </p:txEl>
+                                          </p:spTgt>
+                                        </p:tgtEl>
+                                        <p:attrNameLst>
+                                          <p:attrName>ppt_w</p:attrName>
+                                        </p:attrNameLst>
+                                      </p:cBhvr>
+                                      <p:tavLst>
+                                        <p:tav tm="0">
+                                          <p:val>
+                                            <p:strVal val="#ppt_w*0.05"/>
+                                          </p:val>
+                                        </p:tav>
+                                        <p:tav tm="100000">
+                                          <p:val>
+                                            <p:strVal val="#ppt_w"/>
+                                          </p:val>
+                                        </p:tav>
+                                      </p:tavLst>
+                                    </p:anim>
+                                    <p:anim calcmode="lin" valueType="num">
+                                      <p:cBhvr>
+                                        <p:cTn id="26" dur="500" fill="hold"/>
+                                        <p:tgtEl>
+                                          <p:spTgt spid="2">
+                                            <p:txEl>
+                                              <p:pRg st="4" end="4"/>
+                                            </p:txEl>
+                                          </p:spTgt>
+                                        </p:tgtEl>
+                                        <p:attrNameLst>
+                                          <p:attrName>ppt_h</p:attrName>
+                                        </p:attrNameLst>
+                                      </p:cBhvr>
+                                      <p:tavLst>
+                                        <p:tav tm="0">
+                                          <p:val>
+                                            <p:strVal val="#ppt_h"/>
+                                          </p:val>
+                                        </p:tav>
+                                        <p:tav tm="100000">
+                                          <p:val>
+                                            <p:strVal val="#ppt_h"/>
+                                          </p:val>
+                                        </p:tav>
+                                      </p:tavLst>
+                                    </p:anim>
+                                    <p:anim calcmode="lin" valueType="num">
+                                      <p:cBhvr>
+                                        <p:cTn id="27" dur="500" fill="hold"/>
+                                        <p:tgtEl>
+                                          <p:spTgt spid="2">
+                                            <p:txEl>
+                                              <p:pRg st="4" end="4"/>
+                                            </p:txEl>
+                                          </p:spTgt>
+                                        </p:tgtEl>
+                                        <p:attrNameLst>
+                                          <p:attrName>ppt_x</p:attrName>
+                                        </p:attrNameLst>
+                                      </p:cBhvr>
+                                      <p:tavLst>
+                                        <p:tav tm="0">
+                                          <p:val>
+                                            <p:strVal val="#ppt_x-.2"/>
+                                          </p:val>
+                                        </p:tav>
+                                        <p:tav tm="100000">
+                                          <p:val>
+                                            <p:strVal val="#ppt_x"/>
+                                          </p:val>
+                                        </p:tav>
+                                      </p:tavLst>
+                                    </p:anim>
+                                    <p:anim calcmode="lin" valueType="num">
+                                      <p:cBhvr>
+                                        <p:cTn id="28" dur="500" fill="hold"/>
+                                        <p:tgtEl>
+                                          <p:spTgt spid="2">
+                                            <p:txEl>
+                                              <p:pRg st="4" end="4"/>
+                                            </p:txEl>
+                                          </p:spTgt>
+                                        </p:tgtEl>
+                                        <p:attrNameLst>
+                                          <p:attrName>ppt_y</p:attrName>
+                                        </p:attrNameLst>
+                                      </p:cBhvr>
+                                      <p:tavLst>
+                                        <p:tav tm="0">
+                                          <p:val>
+                                            <p:strVal val="#ppt_y"/>
+                                          </p:val>
+                                        </p:tav>
+                                        <p:tav tm="100000">
+                                          <p:val>
+                                            <p:strVal val="#ppt_y"/>
+                                          </p:val>
+                                        </p:tav>
+                                      </p:tavLst>
+                                    </p:anim>
+                                    <p:animEffect transition="in" filter="fade">
+                                      <p:cBhvr>
+                                        <p:cTn id="29" dur="500"/>
+                                        <p:tgtEl>
+                                          <p:spTgt spid="2">
+                                            <p:txEl>
+                                              <p:pRg st="4" end="4"/>
+                                            </p:txEl>
+                                          </p:spTgt>
+                                        </p:tgtEl>
+                                      </p:cBhvr>
+                                    </p:animEffect>
+                                  </p:childTnLst>
+                                </p:cTn>
+                              </p:par>
+                            </p:childTnLst>
+                          </p:cTn>
+                        </p:par>
+                      </p:childTnLst>
+                    </p:cTn>
+                  </p:par>
+                  <p:par>
+                    <p:cTn id="30" fill="hold">
+                      <p:stCondLst>
+                        <p:cond delay="indefinite"/>
+                      </p:stCondLst>
+                      <p:childTnLst>
+                        <p:par>
+                          <p:cTn id="31" fill="hold">
+                            <p:stCondLst>
+                              <p:cond delay="0"/>
+                            </p:stCondLst>
+                            <p:childTnLst>
+                              <p:par>
+                                <p:cTn id="32" presetID="54" presetClass="entr" presetSubtype="0" accel="100000" fill="hold" grpId="1" nodeType="clickEffect">
+                                  <p:stCondLst>
+                                    <p:cond delay="0"/>
+                                  </p:stCondLst>
+                                  <p:childTnLst>
+                                    <p:set>
+                                      <p:cBhvr>
+                                        <p:cTn id="33" dur="1" fill="hold">
+                                          <p:stCondLst>
+                                            <p:cond delay="0"/>
+                                          </p:stCondLst>
+                                        </p:cTn>
+                                        <p:tgtEl>
+                                          <p:spTgt spid="2">
+                                            <p:txEl>
+                                              <p:pRg st="6" end="6"/>
+                                            </p:txEl>
+                                          </p:spTgt>
+                                        </p:tgtEl>
+                                        <p:attrNameLst>
+                                          <p:attrName>style.visibility</p:attrName>
+                                        </p:attrNameLst>
+                                      </p:cBhvr>
+                                      <p:to>
+                                        <p:strVal val="visible"/>
+                                      </p:to>
+                                    </p:set>
+                                    <p:anim calcmode="lin" valueType="num">
+                                      <p:cBhvr>
+                                        <p:cTn id="34" dur="500" fill="hold"/>
+                                        <p:tgtEl>
+                                          <p:spTgt spid="2">
+                                            <p:txEl>
+                                              <p:pRg st="6" end="6"/>
+                                            </p:txEl>
+                                          </p:spTgt>
+                                        </p:tgtEl>
+                                        <p:attrNameLst>
+                                          <p:attrName>ppt_w</p:attrName>
+                                        </p:attrNameLst>
+                                      </p:cBhvr>
+                                      <p:tavLst>
+                                        <p:tav tm="0">
+                                          <p:val>
+                                            <p:strVal val="#ppt_w*0.05"/>
+                                          </p:val>
+                                        </p:tav>
+                                        <p:tav tm="100000">
+                                          <p:val>
+                                            <p:strVal val="#ppt_w"/>
+                                          </p:val>
+                                        </p:tav>
+                                      </p:tavLst>
+                                    </p:anim>
+                                    <p:anim calcmode="lin" valueType="num">
+                                      <p:cBhvr>
+                                        <p:cTn id="35" dur="500" fill="hold"/>
+                                        <p:tgtEl>
+                                          <p:spTgt spid="2">
+                                            <p:txEl>
+                                              <p:pRg st="6" end="6"/>
+                                            </p:txEl>
+                                          </p:spTgt>
+                                        </p:tgtEl>
+                                        <p:attrNameLst>
+                                          <p:attrName>ppt_h</p:attrName>
+                                        </p:attrNameLst>
+                                      </p:cBhvr>
+                                      <p:tavLst>
+                                        <p:tav tm="0">
+                                          <p:val>
+                                            <p:strVal val="#ppt_h"/>
+                                          </p:val>
+                                        </p:tav>
+                                        <p:tav tm="100000">
+                                          <p:val>
+                                            <p:strVal val="#ppt_h"/>
+                                          </p:val>
+                                        </p:tav>
+                                      </p:tavLst>
+                                    </p:anim>
+                                    <p:anim calcmode="lin" valueType="num">
+                                      <p:cBhvr>
+                                        <p:cTn id="36" dur="500" fill="hold"/>
+                                        <p:tgtEl>
+                                          <p:spTgt spid="2">
+                                            <p:txEl>
+                                              <p:pRg st="6" end="6"/>
+                                            </p:txEl>
+                                          </p:spTgt>
+                                        </p:tgtEl>
+                                        <p:attrNameLst>
+                                          <p:attrName>ppt_x</p:attrName>
+                                        </p:attrNameLst>
+                                      </p:cBhvr>
+                                      <p:tavLst>
+                                        <p:tav tm="0">
+                                          <p:val>
+                                            <p:strVal val="#ppt_x-.2"/>
+                                          </p:val>
+                                        </p:tav>
+                                        <p:tav tm="100000">
+                                          <p:val>
+                                            <p:strVal val="#ppt_x"/>
+                                          </p:val>
+                                        </p:tav>
+                                      </p:tavLst>
+                                    </p:anim>
+                                    <p:anim calcmode="lin" valueType="num">
+                                      <p:cBhvr>
+                                        <p:cTn id="37" dur="500" fill="hold"/>
+                                        <p:tgtEl>
+                                          <p:spTgt spid="2">
+                                            <p:txEl>
+                                              <p:pRg st="6" end="6"/>
+                                            </p:txEl>
+                                          </p:spTgt>
+                                        </p:tgtEl>
+                                        <p:attrNameLst>
+                                          <p:attrName>ppt_y</p:attrName>
+                                        </p:attrNameLst>
+                                      </p:cBhvr>
+                                      <p:tavLst>
+                                        <p:tav tm="0">
+                                          <p:val>
+                                            <p:strVal val="#ppt_y"/>
+                                          </p:val>
+                                        </p:tav>
+                                        <p:tav tm="100000">
+                                          <p:val>
+                                            <p:strVal val="#ppt_y"/>
+                                          </p:val>
+                                        </p:tav>
+                                      </p:tavLst>
+                                    </p:anim>
+                                    <p:animEffect transition="in" filter="fade">
+                                      <p:cBhvr>
+                                        <p:cTn id="38" dur="500"/>
+                                        <p:tgtEl>
+                                          <p:spTgt spid="2">
+                                            <p:txEl>
+                                              <p:pRg st="6" end="6"/>
+                                            </p:txEl>
+                                          </p:spTgt>
+                                        </p:tgtEl>
+                                      </p:cBhvr>
+                                    </p:animEffect>
+                                  </p:childTnLst>
+                                </p:cTn>
+                              </p:par>
+                            </p:childTnLst>
+                          </p:cTn>
+                        </p:par>
+                      </p:childTnLst>
+                    </p:cTn>
+                  </p:par>
+                  <p:par>
+                    <p:cTn id="39" fill="hold">
+                      <p:stCondLst>
+                        <p:cond delay="indefinite"/>
+                      </p:stCondLst>
+                      <p:childTnLst>
+                        <p:par>
+                          <p:cTn id="40" fill="hold">
+                            <p:stCondLst>
+                              <p:cond delay="0"/>
+                            </p:stCondLst>
+                            <p:childTnLst>
+                              <p:par>
+                                <p:cTn id="41" presetID="54" presetClass="entr" presetSubtype="0" accel="100000" fill="hold" grpId="1" nodeType="clickEffect">
+                                  <p:stCondLst>
+                                    <p:cond delay="0"/>
+                                  </p:stCondLst>
+                                  <p:childTnLst>
+                                    <p:set>
+                                      <p:cBhvr>
+                                        <p:cTn id="42" dur="1" fill="hold">
+                                          <p:stCondLst>
+                                            <p:cond delay="0"/>
+                                          </p:stCondLst>
+                                        </p:cTn>
+                                        <p:tgtEl>
+                                          <p:spTgt spid="2">
+                                            <p:txEl>
+                                              <p:pRg st="8" end="8"/>
+                                            </p:txEl>
+                                          </p:spTgt>
+                                        </p:tgtEl>
+                                        <p:attrNameLst>
+                                          <p:attrName>style.visibility</p:attrName>
+                                        </p:attrNameLst>
+                                      </p:cBhvr>
+                                      <p:to>
+                                        <p:strVal val="visible"/>
+                                      </p:to>
+                                    </p:set>
+                                    <p:anim calcmode="lin" valueType="num">
+                                      <p:cBhvr>
+                                        <p:cTn id="43" dur="500" fill="hold"/>
+                                        <p:tgtEl>
+                                          <p:spTgt spid="2">
+                                            <p:txEl>
+                                              <p:pRg st="8" end="8"/>
+                                            </p:txEl>
+                                          </p:spTgt>
+                                        </p:tgtEl>
+                                        <p:attrNameLst>
+                                          <p:attrName>ppt_w</p:attrName>
+                                        </p:attrNameLst>
+                                      </p:cBhvr>
+                                      <p:tavLst>
+                                        <p:tav tm="0">
+                                          <p:val>
+                                            <p:strVal val="#ppt_w*0.05"/>
+                                          </p:val>
+                                        </p:tav>
+                                        <p:tav tm="100000">
+                                          <p:val>
+                                            <p:strVal val="#ppt_w"/>
+                                          </p:val>
+                                        </p:tav>
+                                      </p:tavLst>
+                                    </p:anim>
+                                    <p:anim calcmode="lin" valueType="num">
+                                      <p:cBhvr>
+                                        <p:cTn id="44" dur="500" fill="hold"/>
+                                        <p:tgtEl>
+                                          <p:spTgt spid="2">
+                                            <p:txEl>
+                                              <p:pRg st="8" end="8"/>
+                                            </p:txEl>
+                                          </p:spTgt>
+                                        </p:tgtEl>
+                                        <p:attrNameLst>
+                                          <p:attrName>ppt_h</p:attrName>
+                                        </p:attrNameLst>
+                                      </p:cBhvr>
+                                      <p:tavLst>
+                                        <p:tav tm="0">
+                                          <p:val>
+                                            <p:strVal val="#ppt_h"/>
+                                          </p:val>
+                                        </p:tav>
+                                        <p:tav tm="100000">
+                                          <p:val>
+                                            <p:strVal val="#ppt_h"/>
+                                          </p:val>
+                                        </p:tav>
+                                      </p:tavLst>
+                                    </p:anim>
+                                    <p:anim calcmode="lin" valueType="num">
+                                      <p:cBhvr>
+                                        <p:cTn id="45" dur="500" fill="hold"/>
+                                        <p:tgtEl>
+                                          <p:spTgt spid="2">
+                                            <p:txEl>
+                                              <p:pRg st="8" end="8"/>
+                                            </p:txEl>
+                                          </p:spTgt>
+                                        </p:tgtEl>
+                                        <p:attrNameLst>
+                                          <p:attrName>ppt_x</p:attrName>
+                                        </p:attrNameLst>
+                                      </p:cBhvr>
+                                      <p:tavLst>
+                                        <p:tav tm="0">
+                                          <p:val>
+                                            <p:strVal val="#ppt_x-.2"/>
+                                          </p:val>
+                                        </p:tav>
+                                        <p:tav tm="100000">
+                                          <p:val>
+                                            <p:strVal val="#ppt_x"/>
+                                          </p:val>
+                                        </p:tav>
+                                      </p:tavLst>
+                                    </p:anim>
+                                    <p:anim calcmode="lin" valueType="num">
+                                      <p:cBhvr>
+                                        <p:cTn id="46" dur="500" fill="hold"/>
+                                        <p:tgtEl>
+                                          <p:spTgt spid="2">
+                                            <p:txEl>
+                                              <p:pRg st="8" end="8"/>
+                                            </p:txEl>
+                                          </p:spTgt>
+                                        </p:tgtEl>
+                                        <p:attrNameLst>
+                                          <p:attrName>ppt_y</p:attrName>
+                                        </p:attrNameLst>
+                                      </p:cBhvr>
+                                      <p:tavLst>
+                                        <p:tav tm="0">
+                                          <p:val>
+                                            <p:strVal val="#ppt_y"/>
+                                          </p:val>
+                                        </p:tav>
+                                        <p:tav tm="100000">
+                                          <p:val>
+                                            <p:strVal val="#ppt_y"/>
+                                          </p:val>
+                                        </p:tav>
+                                      </p:tavLst>
+                                    </p:anim>
+                                    <p:animEffect transition="in" filter="fade">
+                                      <p:cBhvr>
+                                        <p:cTn id="47" dur="500"/>
+                                        <p:tgtEl>
+                                          <p:spTgt spid="2">
+                                            <p:txEl>
+                                              <p:pRg st="8" end="8"/>
+                                            </p:txEl>
+                                          </p:spTgt>
+                                        </p:tgtEl>
+                                      </p:cBhvr>
+                                    </p:animEffect>
+                                  </p:childTnLst>
+                                </p:cTn>
+                              </p:par>
+                            </p:childTnLst>
+                          </p:cTn>
+                        </p:par>
+                      </p:childTnLst>
+                    </p:cTn>
+                  </p:par>
+                </p:childTnLst>
+              </p:cTn>
+              <p:prevCondLst>
+                <p:cond evt="onPrev" delay="0">
+                  <p:tgtEl>
+                    <p:sldTgt/>
+                  </p:tgtEl>
+                </p:cond>
+              </p:prevCondLst>
+              <p:nextCondLst>
+                <p:cond evt="onNext" delay="0">
+                  <p:tgtEl>
+                    <p:sldTgt/>
+                  </p:tgtEl>
+                </p:cond>
+              </p:nextCondLst>
+            </p:seq>
+          </p:childTnLst>
+        </p:cTn>
+      </p:par>
+    </p:tnLst>
+    <p:bldLst>
+      <p:bldP spid="2" grpId="1" build="p"/>
+    </p:bldLst>
+  </p:timing>
 </p:sld>
 </file>
 
@@ -4812,7 +5796,14 @@
           <a:lstStyle/>
           <a:p>
             <a:r>
-              <a:rPr lang="fr-FR" dirty="0" smtClean="0"/>
+              <a:rPr lang="fr-FR" dirty="0" smtClean="0">
+                <a:solidFill>
+                  <a:schemeClr val="tx1">
+                    <a:lumMod val="85000"/>
+                    <a:lumOff val="15000"/>
+                  </a:schemeClr>
+                </a:solidFill>
+              </a:rPr>
               <a:t>ENT</a:t>
             </a:r>
           </a:p>
@@ -4820,17 +5811,38 @@
             <a:pPr>
               <a:buNone/>
             </a:pPr>
-            <a:endParaRPr lang="fr-FR" dirty="0" smtClean="0"/>
+            <a:endParaRPr lang="fr-FR" dirty="0" smtClean="0">
+              <a:solidFill>
+                <a:schemeClr val="tx1">
+                  <a:lumMod val="85000"/>
+                  <a:lumOff val="15000"/>
+                </a:schemeClr>
+              </a:solidFill>
+            </a:endParaRPr>
           </a:p>
           <a:p>
             <a:pPr>
               <a:buNone/>
             </a:pPr>
             <a:r>
-              <a:rPr lang="fr-FR" dirty="0" smtClean="0"/>
+              <a:rPr lang="fr-FR" dirty="0" smtClean="0">
+                <a:solidFill>
+                  <a:schemeClr val="tx1">
+                    <a:lumMod val="85000"/>
+                    <a:lumOff val="15000"/>
+                  </a:schemeClr>
+                </a:solidFill>
+              </a:rPr>
               <a:t>Environnement Numérique de Travail</a:t>
             </a:r>
-            <a:endParaRPr lang="en-US" dirty="0"/>
+            <a:endParaRPr lang="en-US" dirty="0">
+              <a:solidFill>
+                <a:schemeClr val="tx1">
+                  <a:lumMod val="85000"/>
+                  <a:lumOff val="15000"/>
+                </a:schemeClr>
+              </a:solidFill>
+            </a:endParaRPr>
           </a:p>
         </p:txBody>
       </p:sp>
@@ -4862,6 +5874,1195 @@
   <p:clrMapOvr>
     <a:masterClrMapping/>
   </p:clrMapOvr>
+  <p:timing>
+    <p:tnLst>
+      <p:par>
+        <p:cTn id="1" dur="indefinite" restart="never" nodeType="tmRoot"/>
+      </p:par>
+    </p:tnLst>
+  </p:timing>
+</p:sld>
+</file>
+
+<file path=ppt/slides/slide4.xml><?xml version="1.0" encoding="utf-8"?>
+<p:sld xmlns:a="http://schemas.openxmlformats.org/drawingml/2006/main" xmlns:r="http://schemas.openxmlformats.org/officeDocument/2006/relationships" xmlns:p="http://schemas.openxmlformats.org/presentationml/2006/main">
+  <p:cSld>
+    <p:spTree>
+      <p:nvGrpSpPr>
+        <p:cNvPr id="1" name=""/>
+        <p:cNvGrpSpPr/>
+        <p:nvPr/>
+      </p:nvGrpSpPr>
+      <p:grpSpPr>
+        <a:xfrm>
+          <a:off x="0" y="0"/>
+          <a:ext cx="0" cy="0"/>
+          <a:chOff x="0" y="0"/>
+          <a:chExt cx="0" cy="0"/>
+        </a:xfrm>
+      </p:grpSpPr>
+      <p:sp>
+        <p:nvSpPr>
+          <p:cNvPr id="2" name="Espace réservé du contenu 1"/>
+          <p:cNvSpPr>
+            <a:spLocks noGrp="1"/>
+          </p:cNvSpPr>
+          <p:nvPr>
+            <p:ph idx="1"/>
+          </p:nvPr>
+        </p:nvSpPr>
+        <p:spPr/>
+        <p:txBody>
+          <a:bodyPr/>
+          <a:lstStyle/>
+          <a:p>
+            <a:r>
+              <a:rPr lang="fr-FR" dirty="0" smtClean="0">
+                <a:solidFill>
+                  <a:schemeClr val="tx1">
+                    <a:lumMod val="85000"/>
+                    <a:lumOff val="15000"/>
+                  </a:schemeClr>
+                </a:solidFill>
+              </a:rPr>
+              <a:t>Créer une plateforme à disposition des formateurs, des stagiaires et des invités où :</a:t>
+            </a:r>
+          </a:p>
+          <a:p>
+            <a:endParaRPr lang="fr-FR" dirty="0" smtClean="0">
+              <a:solidFill>
+                <a:schemeClr val="tx1">
+                  <a:lumMod val="85000"/>
+                  <a:lumOff val="15000"/>
+                </a:schemeClr>
+              </a:solidFill>
+            </a:endParaRPr>
+          </a:p>
+          <a:p>
+            <a:pPr lvl="1"/>
+            <a:r>
+              <a:rPr lang="fr-FR" dirty="0" smtClean="0">
+                <a:solidFill>
+                  <a:schemeClr val="tx1">
+                    <a:lumMod val="85000"/>
+                    <a:lumOff val="15000"/>
+                  </a:schemeClr>
+                </a:solidFill>
+              </a:rPr>
+              <a:t>Les formateurs pourront gerer les informations relatives aux devoirs et aux bulletins.</a:t>
+            </a:r>
+          </a:p>
+          <a:p>
+            <a:pPr lvl="1">
+              <a:buNone/>
+            </a:pPr>
+            <a:endParaRPr lang="fr-FR" dirty="0" smtClean="0">
+              <a:solidFill>
+                <a:schemeClr val="tx1">
+                  <a:lumMod val="85000"/>
+                  <a:lumOff val="15000"/>
+                </a:schemeClr>
+              </a:solidFill>
+            </a:endParaRPr>
+          </a:p>
+          <a:p>
+            <a:pPr lvl="1"/>
+            <a:r>
+              <a:rPr lang="fr-FR" dirty="0" smtClean="0">
+                <a:solidFill>
+                  <a:schemeClr val="tx1">
+                    <a:lumMod val="85000"/>
+                    <a:lumOff val="15000"/>
+                  </a:schemeClr>
+                </a:solidFill>
+              </a:rPr>
+              <a:t>Les stagiaires pourront consulter les devoirs et leur bulletin.</a:t>
+            </a:r>
+          </a:p>
+          <a:p>
+            <a:pPr lvl="1"/>
+            <a:endParaRPr lang="fr-FR" dirty="0" smtClean="0">
+              <a:solidFill>
+                <a:schemeClr val="tx1">
+                  <a:lumMod val="85000"/>
+                  <a:lumOff val="15000"/>
+                </a:schemeClr>
+              </a:solidFill>
+            </a:endParaRPr>
+          </a:p>
+          <a:p>
+            <a:pPr lvl="1"/>
+            <a:r>
+              <a:rPr lang="fr-FR" dirty="0" smtClean="0">
+                <a:solidFill>
+                  <a:schemeClr val="tx1">
+                    <a:lumMod val="85000"/>
+                    <a:lumOff val="15000"/>
+                  </a:schemeClr>
+                </a:solidFill>
+              </a:rPr>
+              <a:t>Les invités pourront consulter les bulletins des stagiaires.</a:t>
+            </a:r>
+          </a:p>
+          <a:p>
+            <a:endParaRPr lang="fr-FR" dirty="0">
+              <a:solidFill>
+                <a:schemeClr val="tx1">
+                  <a:lumMod val="85000"/>
+                  <a:lumOff val="15000"/>
+                </a:schemeClr>
+              </a:solidFill>
+            </a:endParaRPr>
+          </a:p>
+        </p:txBody>
+      </p:sp>
+      <p:sp>
+        <p:nvSpPr>
+          <p:cNvPr id="3" name="Titre 2"/>
+          <p:cNvSpPr>
+            <a:spLocks noGrp="1"/>
+          </p:cNvSpPr>
+          <p:nvPr>
+            <p:ph type="title"/>
+          </p:nvPr>
+        </p:nvSpPr>
+        <p:spPr/>
+        <p:txBody>
+          <a:bodyPr/>
+          <a:lstStyle/>
+          <a:p>
+            <a:r>
+              <a:rPr lang="fr-FR" dirty="0" smtClean="0"/>
+              <a:t>Objectif</a:t>
+            </a:r>
+            <a:endParaRPr lang="fr-FR" dirty="0"/>
+          </a:p>
+        </p:txBody>
+      </p:sp>
+    </p:spTree>
+  </p:cSld>
+  <p:clrMapOvr>
+    <a:masterClrMapping/>
+  </p:clrMapOvr>
+  <p:timing>
+    <p:tnLst>
+      <p:par>
+        <p:cTn id="1" dur="indefinite" restart="never" nodeType="tmRoot">
+          <p:childTnLst>
+            <p:seq concurrent="1" nextAc="seek">
+              <p:cTn id="2" dur="indefinite" nodeType="mainSeq">
+                <p:childTnLst>
+                  <p:par>
+                    <p:cTn id="3" fill="hold">
+                      <p:stCondLst>
+                        <p:cond delay="indefinite"/>
+                      </p:stCondLst>
+                      <p:childTnLst>
+                        <p:par>
+                          <p:cTn id="4" fill="hold">
+                            <p:stCondLst>
+                              <p:cond delay="0"/>
+                            </p:stCondLst>
+                            <p:childTnLst>
+                              <p:par>
+                                <p:cTn id="5" presetID="55" presetClass="entr" presetSubtype="0" fill="hold" grpId="0" nodeType="clickEffect">
+                                  <p:stCondLst>
+                                    <p:cond delay="0"/>
+                                  </p:stCondLst>
+                                  <p:childTnLst>
+                                    <p:set>
+                                      <p:cBhvr>
+                                        <p:cTn id="6" dur="1" fill="hold">
+                                          <p:stCondLst>
+                                            <p:cond delay="0"/>
+                                          </p:stCondLst>
+                                        </p:cTn>
+                                        <p:tgtEl>
+                                          <p:spTgt spid="2">
+                                            <p:txEl>
+                                              <p:pRg st="0" end="0"/>
+                                            </p:txEl>
+                                          </p:spTgt>
+                                        </p:tgtEl>
+                                        <p:attrNameLst>
+                                          <p:attrName>style.visibility</p:attrName>
+                                        </p:attrNameLst>
+                                      </p:cBhvr>
+                                      <p:to>
+                                        <p:strVal val="visible"/>
+                                      </p:to>
+                                    </p:set>
+                                    <p:anim calcmode="lin" valueType="num">
+                                      <p:cBhvr>
+                                        <p:cTn id="7" dur="500" fill="hold"/>
+                                        <p:tgtEl>
+                                          <p:spTgt spid="2">
+                                            <p:txEl>
+                                              <p:pRg st="0" end="0"/>
+                                            </p:txEl>
+                                          </p:spTgt>
+                                        </p:tgtEl>
+                                        <p:attrNameLst>
+                                          <p:attrName>ppt_w</p:attrName>
+                                        </p:attrNameLst>
+                                      </p:cBhvr>
+                                      <p:tavLst>
+                                        <p:tav tm="0">
+                                          <p:val>
+                                            <p:strVal val="#ppt_w*0.70"/>
+                                          </p:val>
+                                        </p:tav>
+                                        <p:tav tm="100000">
+                                          <p:val>
+                                            <p:strVal val="#ppt_w"/>
+                                          </p:val>
+                                        </p:tav>
+                                      </p:tavLst>
+                                    </p:anim>
+                                    <p:anim calcmode="lin" valueType="num">
+                                      <p:cBhvr>
+                                        <p:cTn id="8" dur="500" fill="hold"/>
+                                        <p:tgtEl>
+                                          <p:spTgt spid="2">
+                                            <p:txEl>
+                                              <p:pRg st="0" end="0"/>
+                                            </p:txEl>
+                                          </p:spTgt>
+                                        </p:tgtEl>
+                                        <p:attrNameLst>
+                                          <p:attrName>ppt_h</p:attrName>
+                                        </p:attrNameLst>
+                                      </p:cBhvr>
+                                      <p:tavLst>
+                                        <p:tav tm="0">
+                                          <p:val>
+                                            <p:strVal val="#ppt_h"/>
+                                          </p:val>
+                                        </p:tav>
+                                        <p:tav tm="100000">
+                                          <p:val>
+                                            <p:strVal val="#ppt_h"/>
+                                          </p:val>
+                                        </p:tav>
+                                      </p:tavLst>
+                                    </p:anim>
+                                    <p:animEffect transition="in" filter="fade">
+                                      <p:cBhvr>
+                                        <p:cTn id="9" dur="500"/>
+                                        <p:tgtEl>
+                                          <p:spTgt spid="2">
+                                            <p:txEl>
+                                              <p:pRg st="0" end="0"/>
+                                            </p:txEl>
+                                          </p:spTgt>
+                                        </p:tgtEl>
+                                      </p:cBhvr>
+                                    </p:animEffect>
+                                  </p:childTnLst>
+                                </p:cTn>
+                              </p:par>
+                            </p:childTnLst>
+                          </p:cTn>
+                        </p:par>
+                      </p:childTnLst>
+                    </p:cTn>
+                  </p:par>
+                  <p:par>
+                    <p:cTn id="10" fill="hold">
+                      <p:stCondLst>
+                        <p:cond delay="indefinite"/>
+                      </p:stCondLst>
+                      <p:childTnLst>
+                        <p:par>
+                          <p:cTn id="11" fill="hold">
+                            <p:stCondLst>
+                              <p:cond delay="0"/>
+                            </p:stCondLst>
+                            <p:childTnLst>
+                              <p:par>
+                                <p:cTn id="12" presetID="54" presetClass="entr" presetSubtype="0" accel="100000" fill="hold" grpId="0" nodeType="clickEffect">
+                                  <p:stCondLst>
+                                    <p:cond delay="0"/>
+                                  </p:stCondLst>
+                                  <p:childTnLst>
+                                    <p:set>
+                                      <p:cBhvr>
+                                        <p:cTn id="13" dur="1" fill="hold">
+                                          <p:stCondLst>
+                                            <p:cond delay="0"/>
+                                          </p:stCondLst>
+                                        </p:cTn>
+                                        <p:tgtEl>
+                                          <p:spTgt spid="2">
+                                            <p:txEl>
+                                              <p:pRg st="2" end="2"/>
+                                            </p:txEl>
+                                          </p:spTgt>
+                                        </p:tgtEl>
+                                        <p:attrNameLst>
+                                          <p:attrName>style.visibility</p:attrName>
+                                        </p:attrNameLst>
+                                      </p:cBhvr>
+                                      <p:to>
+                                        <p:strVal val="visible"/>
+                                      </p:to>
+                                    </p:set>
+                                    <p:anim calcmode="lin" valueType="num">
+                                      <p:cBhvr>
+                                        <p:cTn id="14" dur="500" fill="hold"/>
+                                        <p:tgtEl>
+                                          <p:spTgt spid="2">
+                                            <p:txEl>
+                                              <p:pRg st="2" end="2"/>
+                                            </p:txEl>
+                                          </p:spTgt>
+                                        </p:tgtEl>
+                                        <p:attrNameLst>
+                                          <p:attrName>ppt_w</p:attrName>
+                                        </p:attrNameLst>
+                                      </p:cBhvr>
+                                      <p:tavLst>
+                                        <p:tav tm="0">
+                                          <p:val>
+                                            <p:strVal val="#ppt_w*0.05"/>
+                                          </p:val>
+                                        </p:tav>
+                                        <p:tav tm="100000">
+                                          <p:val>
+                                            <p:strVal val="#ppt_w"/>
+                                          </p:val>
+                                        </p:tav>
+                                      </p:tavLst>
+                                    </p:anim>
+                                    <p:anim calcmode="lin" valueType="num">
+                                      <p:cBhvr>
+                                        <p:cTn id="15" dur="500" fill="hold"/>
+                                        <p:tgtEl>
+                                          <p:spTgt spid="2">
+                                            <p:txEl>
+                                              <p:pRg st="2" end="2"/>
+                                            </p:txEl>
+                                          </p:spTgt>
+                                        </p:tgtEl>
+                                        <p:attrNameLst>
+                                          <p:attrName>ppt_h</p:attrName>
+                                        </p:attrNameLst>
+                                      </p:cBhvr>
+                                      <p:tavLst>
+                                        <p:tav tm="0">
+                                          <p:val>
+                                            <p:strVal val="#ppt_h"/>
+                                          </p:val>
+                                        </p:tav>
+                                        <p:tav tm="100000">
+                                          <p:val>
+                                            <p:strVal val="#ppt_h"/>
+                                          </p:val>
+                                        </p:tav>
+                                      </p:tavLst>
+                                    </p:anim>
+                                    <p:anim calcmode="lin" valueType="num">
+                                      <p:cBhvr>
+                                        <p:cTn id="16" dur="500" fill="hold"/>
+                                        <p:tgtEl>
+                                          <p:spTgt spid="2">
+                                            <p:txEl>
+                                              <p:pRg st="2" end="2"/>
+                                            </p:txEl>
+                                          </p:spTgt>
+                                        </p:tgtEl>
+                                        <p:attrNameLst>
+                                          <p:attrName>ppt_x</p:attrName>
+                                        </p:attrNameLst>
+                                      </p:cBhvr>
+                                      <p:tavLst>
+                                        <p:tav tm="0">
+                                          <p:val>
+                                            <p:strVal val="#ppt_x-.2"/>
+                                          </p:val>
+                                        </p:tav>
+                                        <p:tav tm="100000">
+                                          <p:val>
+                                            <p:strVal val="#ppt_x"/>
+                                          </p:val>
+                                        </p:tav>
+                                      </p:tavLst>
+                                    </p:anim>
+                                    <p:anim calcmode="lin" valueType="num">
+                                      <p:cBhvr>
+                                        <p:cTn id="17" dur="500" fill="hold"/>
+                                        <p:tgtEl>
+                                          <p:spTgt spid="2">
+                                            <p:txEl>
+                                              <p:pRg st="2" end="2"/>
+                                            </p:txEl>
+                                          </p:spTgt>
+                                        </p:tgtEl>
+                                        <p:attrNameLst>
+                                          <p:attrName>ppt_y</p:attrName>
+                                        </p:attrNameLst>
+                                      </p:cBhvr>
+                                      <p:tavLst>
+                                        <p:tav tm="0">
+                                          <p:val>
+                                            <p:strVal val="#ppt_y"/>
+                                          </p:val>
+                                        </p:tav>
+                                        <p:tav tm="100000">
+                                          <p:val>
+                                            <p:strVal val="#ppt_y"/>
+                                          </p:val>
+                                        </p:tav>
+                                      </p:tavLst>
+                                    </p:anim>
+                                    <p:animEffect transition="in" filter="fade">
+                                      <p:cBhvr>
+                                        <p:cTn id="18" dur="500"/>
+                                        <p:tgtEl>
+                                          <p:spTgt spid="2">
+                                            <p:txEl>
+                                              <p:pRg st="2" end="2"/>
+                                            </p:txEl>
+                                          </p:spTgt>
+                                        </p:tgtEl>
+                                      </p:cBhvr>
+                                    </p:animEffect>
+                                  </p:childTnLst>
+                                </p:cTn>
+                              </p:par>
+                            </p:childTnLst>
+                          </p:cTn>
+                        </p:par>
+                      </p:childTnLst>
+                    </p:cTn>
+                  </p:par>
+                  <p:par>
+                    <p:cTn id="19" fill="hold">
+                      <p:stCondLst>
+                        <p:cond delay="indefinite"/>
+                      </p:stCondLst>
+                      <p:childTnLst>
+                        <p:par>
+                          <p:cTn id="20" fill="hold">
+                            <p:stCondLst>
+                              <p:cond delay="0"/>
+                            </p:stCondLst>
+                            <p:childTnLst>
+                              <p:par>
+                                <p:cTn id="21" presetID="54" presetClass="entr" presetSubtype="0" accel="100000" fill="hold" grpId="0" nodeType="clickEffect">
+                                  <p:stCondLst>
+                                    <p:cond delay="0"/>
+                                  </p:stCondLst>
+                                  <p:childTnLst>
+                                    <p:set>
+                                      <p:cBhvr>
+                                        <p:cTn id="22" dur="1" fill="hold">
+                                          <p:stCondLst>
+                                            <p:cond delay="0"/>
+                                          </p:stCondLst>
+                                        </p:cTn>
+                                        <p:tgtEl>
+                                          <p:spTgt spid="2">
+                                            <p:txEl>
+                                              <p:pRg st="4" end="4"/>
+                                            </p:txEl>
+                                          </p:spTgt>
+                                        </p:tgtEl>
+                                        <p:attrNameLst>
+                                          <p:attrName>style.visibility</p:attrName>
+                                        </p:attrNameLst>
+                                      </p:cBhvr>
+                                      <p:to>
+                                        <p:strVal val="visible"/>
+                                      </p:to>
+                                    </p:set>
+                                    <p:anim calcmode="lin" valueType="num">
+                                      <p:cBhvr>
+                                        <p:cTn id="23" dur="500" fill="hold"/>
+                                        <p:tgtEl>
+                                          <p:spTgt spid="2">
+                                            <p:txEl>
+                                              <p:pRg st="4" end="4"/>
+                                            </p:txEl>
+                                          </p:spTgt>
+                                        </p:tgtEl>
+                                        <p:attrNameLst>
+                                          <p:attrName>ppt_w</p:attrName>
+                                        </p:attrNameLst>
+                                      </p:cBhvr>
+                                      <p:tavLst>
+                                        <p:tav tm="0">
+                                          <p:val>
+                                            <p:strVal val="#ppt_w*0.05"/>
+                                          </p:val>
+                                        </p:tav>
+                                        <p:tav tm="100000">
+                                          <p:val>
+                                            <p:strVal val="#ppt_w"/>
+                                          </p:val>
+                                        </p:tav>
+                                      </p:tavLst>
+                                    </p:anim>
+                                    <p:anim calcmode="lin" valueType="num">
+                                      <p:cBhvr>
+                                        <p:cTn id="24" dur="500" fill="hold"/>
+                                        <p:tgtEl>
+                                          <p:spTgt spid="2">
+                                            <p:txEl>
+                                              <p:pRg st="4" end="4"/>
+                                            </p:txEl>
+                                          </p:spTgt>
+                                        </p:tgtEl>
+                                        <p:attrNameLst>
+                                          <p:attrName>ppt_h</p:attrName>
+                                        </p:attrNameLst>
+                                      </p:cBhvr>
+                                      <p:tavLst>
+                                        <p:tav tm="0">
+                                          <p:val>
+                                            <p:strVal val="#ppt_h"/>
+                                          </p:val>
+                                        </p:tav>
+                                        <p:tav tm="100000">
+                                          <p:val>
+                                            <p:strVal val="#ppt_h"/>
+                                          </p:val>
+                                        </p:tav>
+                                      </p:tavLst>
+                                    </p:anim>
+                                    <p:anim calcmode="lin" valueType="num">
+                                      <p:cBhvr>
+                                        <p:cTn id="25" dur="500" fill="hold"/>
+                                        <p:tgtEl>
+                                          <p:spTgt spid="2">
+                                            <p:txEl>
+                                              <p:pRg st="4" end="4"/>
+                                            </p:txEl>
+                                          </p:spTgt>
+                                        </p:tgtEl>
+                                        <p:attrNameLst>
+                                          <p:attrName>ppt_x</p:attrName>
+                                        </p:attrNameLst>
+                                      </p:cBhvr>
+                                      <p:tavLst>
+                                        <p:tav tm="0">
+                                          <p:val>
+                                            <p:strVal val="#ppt_x-.2"/>
+                                          </p:val>
+                                        </p:tav>
+                                        <p:tav tm="100000">
+                                          <p:val>
+                                            <p:strVal val="#ppt_x"/>
+                                          </p:val>
+                                        </p:tav>
+                                      </p:tavLst>
+                                    </p:anim>
+                                    <p:anim calcmode="lin" valueType="num">
+                                      <p:cBhvr>
+                                        <p:cTn id="26" dur="500" fill="hold"/>
+                                        <p:tgtEl>
+                                          <p:spTgt spid="2">
+                                            <p:txEl>
+                                              <p:pRg st="4" end="4"/>
+                                            </p:txEl>
+                                          </p:spTgt>
+                                        </p:tgtEl>
+                                        <p:attrNameLst>
+                                          <p:attrName>ppt_y</p:attrName>
+                                        </p:attrNameLst>
+                                      </p:cBhvr>
+                                      <p:tavLst>
+                                        <p:tav tm="0">
+                                          <p:val>
+                                            <p:strVal val="#ppt_y"/>
+                                          </p:val>
+                                        </p:tav>
+                                        <p:tav tm="100000">
+                                          <p:val>
+                                            <p:strVal val="#ppt_y"/>
+                                          </p:val>
+                                        </p:tav>
+                                      </p:tavLst>
+                                    </p:anim>
+                                    <p:animEffect transition="in" filter="fade">
+                                      <p:cBhvr>
+                                        <p:cTn id="27" dur="500"/>
+                                        <p:tgtEl>
+                                          <p:spTgt spid="2">
+                                            <p:txEl>
+                                              <p:pRg st="4" end="4"/>
+                                            </p:txEl>
+                                          </p:spTgt>
+                                        </p:tgtEl>
+                                      </p:cBhvr>
+                                    </p:animEffect>
+                                  </p:childTnLst>
+                                </p:cTn>
+                              </p:par>
+                            </p:childTnLst>
+                          </p:cTn>
+                        </p:par>
+                      </p:childTnLst>
+                    </p:cTn>
+                  </p:par>
+                  <p:par>
+                    <p:cTn id="28" fill="hold">
+                      <p:stCondLst>
+                        <p:cond delay="indefinite"/>
+                      </p:stCondLst>
+                      <p:childTnLst>
+                        <p:par>
+                          <p:cTn id="29" fill="hold">
+                            <p:stCondLst>
+                              <p:cond delay="0"/>
+                            </p:stCondLst>
+                            <p:childTnLst>
+                              <p:par>
+                                <p:cTn id="30" presetID="54" presetClass="entr" presetSubtype="0" accel="100000" fill="hold" grpId="0" nodeType="clickEffect">
+                                  <p:stCondLst>
+                                    <p:cond delay="0"/>
+                                  </p:stCondLst>
+                                  <p:childTnLst>
+                                    <p:set>
+                                      <p:cBhvr>
+                                        <p:cTn id="31" dur="1" fill="hold">
+                                          <p:stCondLst>
+                                            <p:cond delay="0"/>
+                                          </p:stCondLst>
+                                        </p:cTn>
+                                        <p:tgtEl>
+                                          <p:spTgt spid="2">
+                                            <p:txEl>
+                                              <p:pRg st="6" end="6"/>
+                                            </p:txEl>
+                                          </p:spTgt>
+                                        </p:tgtEl>
+                                        <p:attrNameLst>
+                                          <p:attrName>style.visibility</p:attrName>
+                                        </p:attrNameLst>
+                                      </p:cBhvr>
+                                      <p:to>
+                                        <p:strVal val="visible"/>
+                                      </p:to>
+                                    </p:set>
+                                    <p:anim calcmode="lin" valueType="num">
+                                      <p:cBhvr>
+                                        <p:cTn id="32" dur="500" fill="hold"/>
+                                        <p:tgtEl>
+                                          <p:spTgt spid="2">
+                                            <p:txEl>
+                                              <p:pRg st="6" end="6"/>
+                                            </p:txEl>
+                                          </p:spTgt>
+                                        </p:tgtEl>
+                                        <p:attrNameLst>
+                                          <p:attrName>ppt_w</p:attrName>
+                                        </p:attrNameLst>
+                                      </p:cBhvr>
+                                      <p:tavLst>
+                                        <p:tav tm="0">
+                                          <p:val>
+                                            <p:strVal val="#ppt_w*0.05"/>
+                                          </p:val>
+                                        </p:tav>
+                                        <p:tav tm="100000">
+                                          <p:val>
+                                            <p:strVal val="#ppt_w"/>
+                                          </p:val>
+                                        </p:tav>
+                                      </p:tavLst>
+                                    </p:anim>
+                                    <p:anim calcmode="lin" valueType="num">
+                                      <p:cBhvr>
+                                        <p:cTn id="33" dur="500" fill="hold"/>
+                                        <p:tgtEl>
+                                          <p:spTgt spid="2">
+                                            <p:txEl>
+                                              <p:pRg st="6" end="6"/>
+                                            </p:txEl>
+                                          </p:spTgt>
+                                        </p:tgtEl>
+                                        <p:attrNameLst>
+                                          <p:attrName>ppt_h</p:attrName>
+                                        </p:attrNameLst>
+                                      </p:cBhvr>
+                                      <p:tavLst>
+                                        <p:tav tm="0">
+                                          <p:val>
+                                            <p:strVal val="#ppt_h"/>
+                                          </p:val>
+                                        </p:tav>
+                                        <p:tav tm="100000">
+                                          <p:val>
+                                            <p:strVal val="#ppt_h"/>
+                                          </p:val>
+                                        </p:tav>
+                                      </p:tavLst>
+                                    </p:anim>
+                                    <p:anim calcmode="lin" valueType="num">
+                                      <p:cBhvr>
+                                        <p:cTn id="34" dur="500" fill="hold"/>
+                                        <p:tgtEl>
+                                          <p:spTgt spid="2">
+                                            <p:txEl>
+                                              <p:pRg st="6" end="6"/>
+                                            </p:txEl>
+                                          </p:spTgt>
+                                        </p:tgtEl>
+                                        <p:attrNameLst>
+                                          <p:attrName>ppt_x</p:attrName>
+                                        </p:attrNameLst>
+                                      </p:cBhvr>
+                                      <p:tavLst>
+                                        <p:tav tm="0">
+                                          <p:val>
+                                            <p:strVal val="#ppt_x-.2"/>
+                                          </p:val>
+                                        </p:tav>
+                                        <p:tav tm="100000">
+                                          <p:val>
+                                            <p:strVal val="#ppt_x"/>
+                                          </p:val>
+                                        </p:tav>
+                                      </p:tavLst>
+                                    </p:anim>
+                                    <p:anim calcmode="lin" valueType="num">
+                                      <p:cBhvr>
+                                        <p:cTn id="35" dur="500" fill="hold"/>
+                                        <p:tgtEl>
+                                          <p:spTgt spid="2">
+                                            <p:txEl>
+                                              <p:pRg st="6" end="6"/>
+                                            </p:txEl>
+                                          </p:spTgt>
+                                        </p:tgtEl>
+                                        <p:attrNameLst>
+                                          <p:attrName>ppt_y</p:attrName>
+                                        </p:attrNameLst>
+                                      </p:cBhvr>
+                                      <p:tavLst>
+                                        <p:tav tm="0">
+                                          <p:val>
+                                            <p:strVal val="#ppt_y"/>
+                                          </p:val>
+                                        </p:tav>
+                                        <p:tav tm="100000">
+                                          <p:val>
+                                            <p:strVal val="#ppt_y"/>
+                                          </p:val>
+                                        </p:tav>
+                                      </p:tavLst>
+                                    </p:anim>
+                                    <p:animEffect transition="in" filter="fade">
+                                      <p:cBhvr>
+                                        <p:cTn id="36" dur="500"/>
+                                        <p:tgtEl>
+                                          <p:spTgt spid="2">
+                                            <p:txEl>
+                                              <p:pRg st="6" end="6"/>
+                                            </p:txEl>
+                                          </p:spTgt>
+                                        </p:tgtEl>
+                                      </p:cBhvr>
+                                    </p:animEffect>
+                                  </p:childTnLst>
+                                </p:cTn>
+                              </p:par>
+                            </p:childTnLst>
+                          </p:cTn>
+                        </p:par>
+                      </p:childTnLst>
+                    </p:cTn>
+                  </p:par>
+                </p:childTnLst>
+              </p:cTn>
+              <p:prevCondLst>
+                <p:cond evt="onPrev" delay="0">
+                  <p:tgtEl>
+                    <p:sldTgt/>
+                  </p:tgtEl>
+                </p:cond>
+              </p:prevCondLst>
+              <p:nextCondLst>
+                <p:cond evt="onNext" delay="0">
+                  <p:tgtEl>
+                    <p:sldTgt/>
+                  </p:tgtEl>
+                </p:cond>
+              </p:nextCondLst>
+            </p:seq>
+          </p:childTnLst>
+        </p:cTn>
+      </p:par>
+    </p:tnLst>
+    <p:bldLst>
+      <p:bldP spid="2" grpId="0" uiExpand="1" build="p"/>
+    </p:bldLst>
+  </p:timing>
+</p:sld>
+</file>
+
+<file path=ppt/slides/slide5.xml><?xml version="1.0" encoding="utf-8"?>
+<p:sld xmlns:a="http://schemas.openxmlformats.org/drawingml/2006/main" xmlns:r="http://schemas.openxmlformats.org/officeDocument/2006/relationships" xmlns:p="http://schemas.openxmlformats.org/presentationml/2006/main">
+  <p:cSld>
+    <p:spTree>
+      <p:nvGrpSpPr>
+        <p:cNvPr id="1" name=""/>
+        <p:cNvGrpSpPr/>
+        <p:nvPr/>
+      </p:nvGrpSpPr>
+      <p:grpSpPr>
+        <a:xfrm>
+          <a:off x="0" y="0"/>
+          <a:ext cx="0" cy="0"/>
+          <a:chOff x="0" y="0"/>
+          <a:chExt cx="0" cy="0"/>
+        </a:xfrm>
+      </p:grpSpPr>
+      <p:sp>
+        <p:nvSpPr>
+          <p:cNvPr id="2" name="Espace réservé du contenu 1"/>
+          <p:cNvSpPr>
+            <a:spLocks noGrp="1"/>
+          </p:cNvSpPr>
+          <p:nvPr>
+            <p:ph idx="1"/>
+          </p:nvPr>
+        </p:nvSpPr>
+        <p:spPr>
+          <a:xfrm>
+            <a:off x="457200" y="1524000"/>
+            <a:ext cx="8229600" cy="4525963"/>
+          </a:xfrm>
+        </p:spPr>
+        <p:txBody>
+          <a:bodyPr/>
+          <a:lstStyle/>
+          <a:p>
+            <a:endParaRPr lang="fr-FR" dirty="0" smtClean="0">
+              <a:solidFill>
+                <a:schemeClr val="tx1">
+                  <a:lumMod val="85000"/>
+                  <a:lumOff val="15000"/>
+                </a:schemeClr>
+              </a:solidFill>
+            </a:endParaRPr>
+          </a:p>
+          <a:p>
+            <a:r>
+              <a:rPr lang="fr-FR" dirty="0" smtClean="0">
+                <a:solidFill>
+                  <a:schemeClr val="tx1">
+                    <a:lumMod val="85000"/>
+                    <a:lumOff val="15000"/>
+                  </a:schemeClr>
+                </a:solidFill>
+              </a:rPr>
+              <a:t>Linux (Debian 7)</a:t>
+            </a:r>
+          </a:p>
+          <a:p>
+            <a:r>
+              <a:rPr lang="fr-FR" dirty="0" smtClean="0">
+                <a:solidFill>
+                  <a:schemeClr val="tx1">
+                    <a:lumMod val="85000"/>
+                    <a:lumOff val="15000"/>
+                  </a:schemeClr>
+                </a:solidFill>
+              </a:rPr>
+              <a:t>LAMP (Apache 2, MySQL 5.5, PHP 5.1)</a:t>
+            </a:r>
+          </a:p>
+          <a:p>
+            <a:r>
+              <a:rPr lang="fr-FR" dirty="0" smtClean="0">
+                <a:solidFill>
+                  <a:schemeClr val="tx1">
+                    <a:lumMod val="85000"/>
+                    <a:lumOff val="15000"/>
+                  </a:schemeClr>
+                </a:solidFill>
+              </a:rPr>
+              <a:t>HTML 5</a:t>
+            </a:r>
+          </a:p>
+          <a:p>
+            <a:r>
+              <a:rPr lang="fr-FR" dirty="0" smtClean="0">
+                <a:solidFill>
+                  <a:schemeClr val="tx1">
+                    <a:lumMod val="85000"/>
+                    <a:lumOff val="15000"/>
+                  </a:schemeClr>
+                </a:solidFill>
+              </a:rPr>
+              <a:t>PHP 5</a:t>
+            </a:r>
+          </a:p>
+          <a:p>
+            <a:r>
+              <a:rPr lang="fr-FR" dirty="0" smtClean="0">
+                <a:solidFill>
+                  <a:schemeClr val="tx1">
+                    <a:lumMod val="85000"/>
+                    <a:lumOff val="15000"/>
+                  </a:schemeClr>
+                </a:solidFill>
+              </a:rPr>
+              <a:t>CSS3</a:t>
+            </a:r>
+          </a:p>
+          <a:p>
+            <a:r>
+              <a:rPr lang="fr-FR" dirty="0" smtClean="0">
+                <a:solidFill>
+                  <a:schemeClr val="tx1">
+                    <a:lumMod val="85000"/>
+                    <a:lumOff val="15000"/>
+                  </a:schemeClr>
+                </a:solidFill>
+              </a:rPr>
+              <a:t>Javascript</a:t>
+            </a:r>
+          </a:p>
+          <a:p>
+            <a:pPr>
+              <a:buNone/>
+            </a:pPr>
+            <a:endParaRPr lang="fr-FR" dirty="0"/>
+          </a:p>
+        </p:txBody>
+      </p:sp>
+      <p:sp>
+        <p:nvSpPr>
+          <p:cNvPr id="3" name="Titre 2"/>
+          <p:cNvSpPr>
+            <a:spLocks noGrp="1"/>
+          </p:cNvSpPr>
+          <p:nvPr>
+            <p:ph type="title"/>
+          </p:nvPr>
+        </p:nvSpPr>
+        <p:spPr/>
+        <p:txBody>
+          <a:bodyPr/>
+          <a:lstStyle/>
+          <a:p>
+            <a:r>
+              <a:rPr lang="fr-FR" dirty="0" smtClean="0"/>
+              <a:t>Technologies utilisées</a:t>
+            </a:r>
+            <a:endParaRPr lang="fr-FR" dirty="0"/>
+          </a:p>
+        </p:txBody>
+      </p:sp>
+    </p:spTree>
+  </p:cSld>
+  <p:clrMapOvr>
+    <a:masterClrMapping/>
+  </p:clrMapOvr>
+  <p:timing>
+    <p:tnLst>
+      <p:par>
+        <p:cTn id="1" dur="indefinite" restart="never" nodeType="tmRoot"/>
+      </p:par>
+    </p:tnLst>
+  </p:timing>
+</p:sld>
+</file>
+
+<file path=ppt/slides/slide6.xml><?xml version="1.0" encoding="utf-8"?>
+<p:sld xmlns:a="http://schemas.openxmlformats.org/drawingml/2006/main" xmlns:r="http://schemas.openxmlformats.org/officeDocument/2006/relationships" xmlns:p="http://schemas.openxmlformats.org/presentationml/2006/main">
+  <p:cSld>
+    <p:spTree>
+      <p:nvGrpSpPr>
+        <p:cNvPr id="1" name=""/>
+        <p:cNvGrpSpPr/>
+        <p:nvPr/>
+      </p:nvGrpSpPr>
+      <p:grpSpPr>
+        <a:xfrm>
+          <a:off x="0" y="0"/>
+          <a:ext cx="0" cy="0"/>
+          <a:chOff x="0" y="0"/>
+          <a:chExt cx="0" cy="0"/>
+        </a:xfrm>
+      </p:grpSpPr>
+      <p:sp>
+        <p:nvSpPr>
+          <p:cNvPr id="2" name="Espace réservé du contenu 1"/>
+          <p:cNvSpPr>
+            <a:spLocks noGrp="1"/>
+          </p:cNvSpPr>
+          <p:nvPr>
+            <p:ph idx="1"/>
+          </p:nvPr>
+        </p:nvSpPr>
+        <p:spPr/>
+        <p:txBody>
+          <a:bodyPr/>
+          <a:lstStyle/>
+          <a:p>
+            <a:r>
+              <a:rPr lang="fr-FR" dirty="0" smtClean="0">
+                <a:solidFill>
+                  <a:schemeClr val="tx1">
+                    <a:lumMod val="85000"/>
+                    <a:lumOff val="15000"/>
+                  </a:schemeClr>
+                </a:solidFill>
+              </a:rPr>
+              <a:t>A MODIFIER POUR CHACUN	/!\</a:t>
+            </a:r>
+            <a:endParaRPr lang="fr-FR" dirty="0">
+              <a:solidFill>
+                <a:schemeClr val="tx1">
+                  <a:lumMod val="85000"/>
+                  <a:lumOff val="15000"/>
+                </a:schemeClr>
+              </a:solidFill>
+            </a:endParaRPr>
+          </a:p>
+        </p:txBody>
+      </p:sp>
+      <p:sp>
+        <p:nvSpPr>
+          <p:cNvPr id="3" name="Titre 2"/>
+          <p:cNvSpPr>
+            <a:spLocks noGrp="1"/>
+          </p:cNvSpPr>
+          <p:nvPr>
+            <p:ph type="title"/>
+          </p:nvPr>
+        </p:nvSpPr>
+        <p:spPr/>
+        <p:txBody>
+          <a:bodyPr/>
+          <a:lstStyle/>
+          <a:p>
+            <a:r>
+              <a:rPr lang="fr-FR" dirty="0" smtClean="0"/>
+              <a:t>Travail effectué</a:t>
+            </a:r>
+            <a:endParaRPr lang="fr-FR" dirty="0"/>
+          </a:p>
+        </p:txBody>
+      </p:sp>
+    </p:spTree>
+  </p:cSld>
+  <p:clrMapOvr>
+    <a:masterClrMapping/>
+  </p:clrMapOvr>
+  <p:timing>
+    <p:tnLst>
+      <p:par>
+        <p:cTn id="1" dur="indefinite" restart="never" nodeType="tmRoot"/>
+      </p:par>
+    </p:tnLst>
+  </p:timing>
+</p:sld>
+</file>
+
+<file path=ppt/slides/slide7.xml><?xml version="1.0" encoding="utf-8"?>
+<p:sld xmlns:a="http://schemas.openxmlformats.org/drawingml/2006/main" xmlns:r="http://schemas.openxmlformats.org/officeDocument/2006/relationships" xmlns:p="http://schemas.openxmlformats.org/presentationml/2006/main">
+  <p:cSld>
+    <p:spTree>
+      <p:nvGrpSpPr>
+        <p:cNvPr id="1" name=""/>
+        <p:cNvGrpSpPr/>
+        <p:nvPr/>
+      </p:nvGrpSpPr>
+      <p:grpSpPr>
+        <a:xfrm>
+          <a:off x="0" y="0"/>
+          <a:ext cx="0" cy="0"/>
+          <a:chOff x="0" y="0"/>
+          <a:chExt cx="0" cy="0"/>
+        </a:xfrm>
+      </p:grpSpPr>
+      <p:sp>
+        <p:nvSpPr>
+          <p:cNvPr id="2" name="Espace réservé du contenu 1"/>
+          <p:cNvSpPr>
+            <a:spLocks noGrp="1"/>
+          </p:cNvSpPr>
+          <p:nvPr>
+            <p:ph idx="1"/>
+          </p:nvPr>
+        </p:nvSpPr>
+        <p:spPr>
+          <a:xfrm>
+            <a:off x="457200" y="1371600"/>
+            <a:ext cx="8229600" cy="4525963"/>
+          </a:xfrm>
+        </p:spPr>
+        <p:txBody>
+          <a:bodyPr/>
+          <a:lstStyle/>
+          <a:p>
+            <a:endParaRPr lang="fr-FR" dirty="0" smtClean="0"/>
+          </a:p>
+          <a:p>
+            <a:r>
+              <a:rPr lang="fr-FR" dirty="0" smtClean="0">
+                <a:solidFill>
+                  <a:schemeClr val="tx1">
+                    <a:lumMod val="85000"/>
+                    <a:lumOff val="15000"/>
+                  </a:schemeClr>
+                </a:solidFill>
+              </a:rPr>
+              <a:t>A marquer ce soir. /!\</a:t>
+            </a:r>
+            <a:endParaRPr lang="fr-FR" dirty="0">
+              <a:solidFill>
+                <a:schemeClr val="tx1">
+                  <a:lumMod val="85000"/>
+                  <a:lumOff val="15000"/>
+                </a:schemeClr>
+              </a:solidFill>
+            </a:endParaRPr>
+          </a:p>
+        </p:txBody>
+      </p:sp>
+      <p:sp>
+        <p:nvSpPr>
+          <p:cNvPr id="3" name="Titre 2"/>
+          <p:cNvSpPr>
+            <a:spLocks noGrp="1"/>
+          </p:cNvSpPr>
+          <p:nvPr>
+            <p:ph type="title"/>
+          </p:nvPr>
+        </p:nvSpPr>
+        <p:spPr/>
+        <p:txBody>
+          <a:bodyPr>
+            <a:normAutofit/>
+          </a:bodyPr>
+          <a:lstStyle/>
+          <a:p>
+            <a:r>
+              <a:rPr lang="fr-FR" dirty="0" smtClean="0"/>
+              <a:t>Conclusion</a:t>
+            </a:r>
+            <a:endParaRPr lang="fr-FR" dirty="0"/>
+          </a:p>
+        </p:txBody>
+      </p:sp>
+    </p:spTree>
+  </p:cSld>
+  <p:clrMapOvr>
+    <a:masterClrMapping/>
+  </p:clrMapOvr>
+  <p:timing>
+    <p:tnLst>
+      <p:par>
+        <p:cTn id="1" dur="indefinite" restart="never" nodeType="tmRoot"/>
+      </p:par>
+    </p:tnLst>
+  </p:timing>
 </p:sld>
 </file>
 

--- a/doc/Projet ENT.pptx
+++ b/doc/Projet ENT.pptx
@@ -7,11 +7,11 @@
   <p:sldIdLst>
     <p:sldId id="256" r:id="rId2"/>
     <p:sldId id="257" r:id="rId3"/>
-    <p:sldId id="258" r:id="rId4"/>
-    <p:sldId id="259" r:id="rId5"/>
-    <p:sldId id="260" r:id="rId6"/>
-    <p:sldId id="261" r:id="rId7"/>
-    <p:sldId id="262" r:id="rId8"/>
+    <p:sldId id="259" r:id="rId4"/>
+    <p:sldId id="260" r:id="rId5"/>
+    <p:sldId id="261" r:id="rId6"/>
+    <p:sldId id="262" r:id="rId7"/>
+    <p:sldId id="263" r:id="rId8"/>
   </p:sldIdLst>
   <p:sldSz cx="9144000" cy="6858000" type="screen4x3"/>
   <p:notesSz cx="6858000" cy="9144000"/>
@@ -4748,10 +4748,8 @@
                   </a:schemeClr>
                 </a:solidFill>
               </a:rPr>
-              <a:t>Définition</a:t>
+              <a:t>Objectifs</a:t>
             </a:r>
-          </a:p>
-          <a:p>
             <a:endParaRPr lang="fr-FR" dirty="0" smtClean="0">
               <a:solidFill>
                 <a:schemeClr val="tx1">
@@ -4760,19 +4758,6 @@
                 </a:schemeClr>
               </a:solidFill>
             </a:endParaRPr>
-          </a:p>
-          <a:p>
-            <a:r>
-              <a:rPr lang="fr-FR" dirty="0" smtClean="0">
-                <a:solidFill>
-                  <a:schemeClr val="tx1">
-                    <a:lumMod val="85000"/>
-                    <a:lumOff val="15000"/>
-                  </a:schemeClr>
-                </a:solidFill>
-              </a:rPr>
-              <a:t>Objectif</a:t>
-            </a:r>
           </a:p>
           <a:p>
             <a:endParaRPr lang="fr-FR" dirty="0" smtClean="0">
@@ -4817,10 +4802,13 @@
                   </a:schemeClr>
                 </a:solidFill>
               </a:rPr>
-              <a:t>Travail effectué</a:t>
+              <a:t>Réalisé</a:t>
             </a:r>
           </a:p>
           <a:p>
+            <a:pPr>
+              <a:buNone/>
+            </a:pPr>
             <a:endParaRPr lang="fr-FR" dirty="0" smtClean="0">
               <a:solidFill>
                 <a:schemeClr val="tx1">
@@ -4840,9 +4828,33 @@
                   </a:schemeClr>
                 </a:solidFill>
               </a:rPr>
-              <a:t>Conclusion</a:t>
+              <a:t>À</a:t>
             </a:r>
-            <a:endParaRPr lang="en-US" dirty="0">
+            <a:r>
+              <a:rPr lang="fr-FR" dirty="0" smtClean="0">
+                <a:solidFill>
+                  <a:schemeClr val="tx1">
+                    <a:lumMod val="85000"/>
+                    <a:lumOff val="15000"/>
+                  </a:schemeClr>
+                </a:solidFill>
+              </a:rPr>
+              <a:t> réaliser</a:t>
+            </a:r>
+            <a:endParaRPr lang="fr-FR" dirty="0" smtClean="0">
+              <a:solidFill>
+                <a:schemeClr val="tx1">
+                  <a:lumMod val="85000"/>
+                  <a:lumOff val="15000"/>
+                </a:schemeClr>
+              </a:solidFill>
+            </a:endParaRPr>
+          </a:p>
+          <a:p>
+            <a:pPr>
+              <a:buNone/>
+            </a:pPr>
+            <a:endParaRPr lang="fr-FR" dirty="0" smtClean="0">
               <a:solidFill>
                 <a:schemeClr val="tx1">
                   <a:lumMod val="85000"/>
@@ -5552,175 +5564,6 @@
                                           <p:spTgt spid="2">
                                             <p:txEl>
                                               <p:pRg st="6" end="6"/>
-                                            </p:txEl>
-                                          </p:spTgt>
-                                        </p:tgtEl>
-                                      </p:cBhvr>
-                                    </p:animEffect>
-                                  </p:childTnLst>
-                                </p:cTn>
-                              </p:par>
-                            </p:childTnLst>
-                          </p:cTn>
-                        </p:par>
-                      </p:childTnLst>
-                    </p:cTn>
-                  </p:par>
-                  <p:par>
-                    <p:cTn id="39" fill="hold">
-                      <p:stCondLst>
-                        <p:cond delay="indefinite"/>
-                      </p:stCondLst>
-                      <p:childTnLst>
-                        <p:par>
-                          <p:cTn id="40" fill="hold">
-                            <p:stCondLst>
-                              <p:cond delay="0"/>
-                            </p:stCondLst>
-                            <p:childTnLst>
-                              <p:par>
-                                <p:cTn id="41" presetID="54" presetClass="entr" presetSubtype="0" accel="100000" fill="hold" grpId="1" nodeType="clickEffect">
-                                  <p:stCondLst>
-                                    <p:cond delay="0"/>
-                                  </p:stCondLst>
-                                  <p:childTnLst>
-                                    <p:set>
-                                      <p:cBhvr>
-                                        <p:cTn id="42" dur="1" fill="hold">
-                                          <p:stCondLst>
-                                            <p:cond delay="0"/>
-                                          </p:stCondLst>
-                                        </p:cTn>
-                                        <p:tgtEl>
-                                          <p:spTgt spid="2">
-                                            <p:txEl>
-                                              <p:pRg st="8" end="8"/>
-                                            </p:txEl>
-                                          </p:spTgt>
-                                        </p:tgtEl>
-                                        <p:attrNameLst>
-                                          <p:attrName>style.visibility</p:attrName>
-                                        </p:attrNameLst>
-                                      </p:cBhvr>
-                                      <p:to>
-                                        <p:strVal val="visible"/>
-                                      </p:to>
-                                    </p:set>
-                                    <p:anim calcmode="lin" valueType="num">
-                                      <p:cBhvr>
-                                        <p:cTn id="43" dur="500" fill="hold"/>
-                                        <p:tgtEl>
-                                          <p:spTgt spid="2">
-                                            <p:txEl>
-                                              <p:pRg st="8" end="8"/>
-                                            </p:txEl>
-                                          </p:spTgt>
-                                        </p:tgtEl>
-                                        <p:attrNameLst>
-                                          <p:attrName>ppt_w</p:attrName>
-                                        </p:attrNameLst>
-                                      </p:cBhvr>
-                                      <p:tavLst>
-                                        <p:tav tm="0">
-                                          <p:val>
-                                            <p:strVal val="#ppt_w*0.05"/>
-                                          </p:val>
-                                        </p:tav>
-                                        <p:tav tm="100000">
-                                          <p:val>
-                                            <p:strVal val="#ppt_w"/>
-                                          </p:val>
-                                        </p:tav>
-                                      </p:tavLst>
-                                    </p:anim>
-                                    <p:anim calcmode="lin" valueType="num">
-                                      <p:cBhvr>
-                                        <p:cTn id="44" dur="500" fill="hold"/>
-                                        <p:tgtEl>
-                                          <p:spTgt spid="2">
-                                            <p:txEl>
-                                              <p:pRg st="8" end="8"/>
-                                            </p:txEl>
-                                          </p:spTgt>
-                                        </p:tgtEl>
-                                        <p:attrNameLst>
-                                          <p:attrName>ppt_h</p:attrName>
-                                        </p:attrNameLst>
-                                      </p:cBhvr>
-                                      <p:tavLst>
-                                        <p:tav tm="0">
-                                          <p:val>
-                                            <p:strVal val="#ppt_h"/>
-                                          </p:val>
-                                        </p:tav>
-                                        <p:tav tm="100000">
-                                          <p:val>
-                                            <p:strVal val="#ppt_h"/>
-                                          </p:val>
-                                        </p:tav>
-                                      </p:tavLst>
-                                    </p:anim>
-                                    <p:anim calcmode="lin" valueType="num">
-                                      <p:cBhvr>
-                                        <p:cTn id="45" dur="500" fill="hold"/>
-                                        <p:tgtEl>
-                                          <p:spTgt spid="2">
-                                            <p:txEl>
-                                              <p:pRg st="8" end="8"/>
-                                            </p:txEl>
-                                          </p:spTgt>
-                                        </p:tgtEl>
-                                        <p:attrNameLst>
-                                          <p:attrName>ppt_x</p:attrName>
-                                        </p:attrNameLst>
-                                      </p:cBhvr>
-                                      <p:tavLst>
-                                        <p:tav tm="0">
-                                          <p:val>
-                                            <p:strVal val="#ppt_x-.2"/>
-                                          </p:val>
-                                        </p:tav>
-                                        <p:tav tm="100000">
-                                          <p:val>
-                                            <p:strVal val="#ppt_x"/>
-                                          </p:val>
-                                        </p:tav>
-                                      </p:tavLst>
-                                    </p:anim>
-                                    <p:anim calcmode="lin" valueType="num">
-                                      <p:cBhvr>
-                                        <p:cTn id="46" dur="500" fill="hold"/>
-                                        <p:tgtEl>
-                                          <p:spTgt spid="2">
-                                            <p:txEl>
-                                              <p:pRg st="8" end="8"/>
-                                            </p:txEl>
-                                          </p:spTgt>
-                                        </p:tgtEl>
-                                        <p:attrNameLst>
-                                          <p:attrName>ppt_y</p:attrName>
-                                        </p:attrNameLst>
-                                      </p:cBhvr>
-                                      <p:tavLst>
-                                        <p:tav tm="0">
-                                          <p:val>
-                                            <p:strVal val="#ppt_y"/>
-                                          </p:val>
-                                        </p:tav>
-                                        <p:tav tm="100000">
-                                          <p:val>
-                                            <p:strVal val="#ppt_y"/>
-                                          </p:val>
-                                        </p:tav>
-                                      </p:tavLst>
-                                    </p:anim>
-                                    <p:animEffect transition="in" filter="fade">
-                                      <p:cBhvr>
-                                        <p:cTn id="47" dur="500"/>
-                                        <p:tgtEl>
-                                          <p:spTgt spid="2">
-                                            <p:txEl>
-                                              <p:pRg st="8" end="8"/>
                                             </p:txEl>
                                           </p:spTgt>
                                         </p:tgtEl>
@@ -5804,11 +5647,48 @@
                   </a:schemeClr>
                 </a:solidFill>
               </a:rPr>
-              <a:t>ENT</a:t>
+              <a:t>Environnement Numérique de Travail</a:t>
             </a:r>
           </a:p>
           <a:p>
-            <a:pPr>
+            <a:r>
+              <a:rPr lang="fr-FR" dirty="0" smtClean="0">
+                <a:solidFill>
+                  <a:schemeClr val="tx1">
+                    <a:lumMod val="85000"/>
+                    <a:lumOff val="15000"/>
+                  </a:schemeClr>
+                </a:solidFill>
+              </a:rPr>
+              <a:t>Plateforme à disposition des formateurs et des stagiaires où :</a:t>
+            </a:r>
+          </a:p>
+          <a:p>
+            <a:endParaRPr lang="fr-FR" dirty="0" smtClean="0">
+              <a:solidFill>
+                <a:schemeClr val="tx1">
+                  <a:lumMod val="85000"/>
+                  <a:lumOff val="15000"/>
+                </a:schemeClr>
+              </a:solidFill>
+            </a:endParaRPr>
+          </a:p>
+          <a:p>
+            <a:pPr lvl="1"/>
+            <a:r>
+              <a:rPr lang="fr-FR" dirty="0" smtClean="0">
+                <a:solidFill>
+                  <a:schemeClr val="tx1">
+                    <a:lumMod val="85000"/>
+                    <a:lumOff val="15000"/>
+                  </a:schemeClr>
+                </a:solidFill>
+              </a:rPr>
+              <a:t>Les formateurs pourront gérer les informations relatives aux devoirs et aux bulletins.</a:t>
+            </a:r>
+          </a:p>
+          <a:p>
+            <a:pPr lvl="1">
               <a:buNone/>
             </a:pPr>
             <a:endParaRPr lang="fr-FR" dirty="0" smtClean="0">
@@ -5821,9 +5701,7 @@
             </a:endParaRPr>
           </a:p>
           <a:p>
-            <a:pPr>
-              <a:buNone/>
-            </a:pPr>
+            <a:pPr lvl="1"/>
             <a:r>
               <a:rPr lang="fr-FR" dirty="0" smtClean="0">
                 <a:solidFill>
@@ -5833,9 +5711,12 @@
                   </a:schemeClr>
                 </a:solidFill>
               </a:rPr>
-              <a:t>Environnement Numérique de Travail</a:t>
+              <a:t>Les stagiaires pourront consulter les devoirs et leur bulletin.</a:t>
             </a:r>
-            <a:endParaRPr lang="en-US" dirty="0">
+          </a:p>
+          <a:p>
+            <a:pPr lvl="1"/>
+            <a:endParaRPr lang="fr-FR" dirty="0" smtClean="0">
               <a:solidFill>
                 <a:schemeClr val="tx1">
                   <a:lumMod val="85000"/>
@@ -5863,177 +5744,7 @@
           <a:p>
             <a:r>
               <a:rPr lang="fr-FR" dirty="0" smtClean="0"/>
-              <a:t>Définition</a:t>
-            </a:r>
-            <a:endParaRPr lang="en-US" dirty="0"/>
-          </a:p>
-        </p:txBody>
-      </p:sp>
-    </p:spTree>
-  </p:cSld>
-  <p:clrMapOvr>
-    <a:masterClrMapping/>
-  </p:clrMapOvr>
-  <p:timing>
-    <p:tnLst>
-      <p:par>
-        <p:cTn id="1" dur="indefinite" restart="never" nodeType="tmRoot"/>
-      </p:par>
-    </p:tnLst>
-  </p:timing>
-</p:sld>
-</file>
-
-<file path=ppt/slides/slide4.xml><?xml version="1.0" encoding="utf-8"?>
-<p:sld xmlns:a="http://schemas.openxmlformats.org/drawingml/2006/main" xmlns:r="http://schemas.openxmlformats.org/officeDocument/2006/relationships" xmlns:p="http://schemas.openxmlformats.org/presentationml/2006/main">
-  <p:cSld>
-    <p:spTree>
-      <p:nvGrpSpPr>
-        <p:cNvPr id="1" name=""/>
-        <p:cNvGrpSpPr/>
-        <p:nvPr/>
-      </p:nvGrpSpPr>
-      <p:grpSpPr>
-        <a:xfrm>
-          <a:off x="0" y="0"/>
-          <a:ext cx="0" cy="0"/>
-          <a:chOff x="0" y="0"/>
-          <a:chExt cx="0" cy="0"/>
-        </a:xfrm>
-      </p:grpSpPr>
-      <p:sp>
-        <p:nvSpPr>
-          <p:cNvPr id="2" name="Espace réservé du contenu 1"/>
-          <p:cNvSpPr>
-            <a:spLocks noGrp="1"/>
-          </p:cNvSpPr>
-          <p:nvPr>
-            <p:ph idx="1"/>
-          </p:nvPr>
-        </p:nvSpPr>
-        <p:spPr/>
-        <p:txBody>
-          <a:bodyPr/>
-          <a:lstStyle/>
-          <a:p>
-            <a:r>
-              <a:rPr lang="fr-FR" dirty="0" smtClean="0">
-                <a:solidFill>
-                  <a:schemeClr val="tx1">
-                    <a:lumMod val="85000"/>
-                    <a:lumOff val="15000"/>
-                  </a:schemeClr>
-                </a:solidFill>
-              </a:rPr>
-              <a:t>Créer une plateforme à disposition des formateurs, des stagiaires et des invités où :</a:t>
-            </a:r>
-          </a:p>
-          <a:p>
-            <a:endParaRPr lang="fr-FR" dirty="0" smtClean="0">
-              <a:solidFill>
-                <a:schemeClr val="tx1">
-                  <a:lumMod val="85000"/>
-                  <a:lumOff val="15000"/>
-                </a:schemeClr>
-              </a:solidFill>
-            </a:endParaRPr>
-          </a:p>
-          <a:p>
-            <a:pPr lvl="1"/>
-            <a:r>
-              <a:rPr lang="fr-FR" dirty="0" smtClean="0">
-                <a:solidFill>
-                  <a:schemeClr val="tx1">
-                    <a:lumMod val="85000"/>
-                    <a:lumOff val="15000"/>
-                  </a:schemeClr>
-                </a:solidFill>
-              </a:rPr>
-              <a:t>Les formateurs pourront gerer les informations relatives aux devoirs et aux bulletins.</a:t>
-            </a:r>
-          </a:p>
-          <a:p>
-            <a:pPr lvl="1">
-              <a:buNone/>
-            </a:pPr>
-            <a:endParaRPr lang="fr-FR" dirty="0" smtClean="0">
-              <a:solidFill>
-                <a:schemeClr val="tx1">
-                  <a:lumMod val="85000"/>
-                  <a:lumOff val="15000"/>
-                </a:schemeClr>
-              </a:solidFill>
-            </a:endParaRPr>
-          </a:p>
-          <a:p>
-            <a:pPr lvl="1"/>
-            <a:r>
-              <a:rPr lang="fr-FR" dirty="0" smtClean="0">
-                <a:solidFill>
-                  <a:schemeClr val="tx1">
-                    <a:lumMod val="85000"/>
-                    <a:lumOff val="15000"/>
-                  </a:schemeClr>
-                </a:solidFill>
-              </a:rPr>
-              <a:t>Les stagiaires pourront consulter les devoirs et leur bulletin.</a:t>
-            </a:r>
-          </a:p>
-          <a:p>
-            <a:pPr lvl="1"/>
-            <a:endParaRPr lang="fr-FR" dirty="0" smtClean="0">
-              <a:solidFill>
-                <a:schemeClr val="tx1">
-                  <a:lumMod val="85000"/>
-                  <a:lumOff val="15000"/>
-                </a:schemeClr>
-              </a:solidFill>
-            </a:endParaRPr>
-          </a:p>
-          <a:p>
-            <a:pPr lvl="1"/>
-            <a:r>
-              <a:rPr lang="fr-FR" dirty="0" smtClean="0">
-                <a:solidFill>
-                  <a:schemeClr val="tx1">
-                    <a:lumMod val="85000"/>
-                    <a:lumOff val="15000"/>
-                  </a:schemeClr>
-                </a:solidFill>
-              </a:rPr>
-              <a:t>Les invités pourront consulter les bulletins des stagiaires.</a:t>
-            </a:r>
-          </a:p>
-          <a:p>
-            <a:endParaRPr lang="fr-FR" dirty="0">
-              <a:solidFill>
-                <a:schemeClr val="tx1">
-                  <a:lumMod val="85000"/>
-                  <a:lumOff val="15000"/>
-                </a:schemeClr>
-              </a:solidFill>
-            </a:endParaRPr>
-          </a:p>
-        </p:txBody>
-      </p:sp>
-      <p:sp>
-        <p:nvSpPr>
-          <p:cNvPr id="3" name="Titre 2"/>
-          <p:cNvSpPr>
-            <a:spLocks noGrp="1"/>
-          </p:cNvSpPr>
-          <p:nvPr>
-            <p:ph type="title"/>
-          </p:nvPr>
-        </p:nvSpPr>
-        <p:spPr/>
-        <p:txBody>
-          <a:bodyPr/>
-          <a:lstStyle/>
-          <a:p>
-            <a:r>
-              <a:rPr lang="fr-FR" dirty="0" smtClean="0"/>
-              <a:t>Objectif</a:t>
+              <a:t>Objectifs</a:t>
             </a:r>
             <a:endParaRPr lang="fr-FR" dirty="0"/>
           </a:p>
@@ -6180,7 +5891,7 @@
                             </p:stCondLst>
                             <p:childTnLst>
                               <p:par>
-                                <p:cTn id="12" presetID="54" presetClass="entr" presetSubtype="0" accel="100000" fill="hold" grpId="0" nodeType="clickEffect">
+                                <p:cTn id="12" presetID="55" presetClass="entr" presetSubtype="0" fill="hold" grpId="0" nodeType="clickEffect">
                                   <p:stCondLst>
                                     <p:cond delay="0"/>
                                   </p:stCondLst>
@@ -6195,7 +5906,7 @@
                                         <p:tgtEl>
                                           <p:spTgt spid="2">
                                             <p:txEl>
-                                              <p:pRg st="2" end="2"/>
+                                              <p:pRg st="1" end="1"/>
                                             </p:txEl>
                                           </p:spTgt>
                                         </p:tgtEl>
@@ -6213,7 +5924,7 @@
                                         <p:tgtEl>
                                           <p:spTgt spid="2">
                                             <p:txEl>
-                                              <p:pRg st="2" end="2"/>
+                                              <p:pRg st="1" end="1"/>
                                             </p:txEl>
                                           </p:spTgt>
                                         </p:tgtEl>
@@ -6224,7 +5935,7 @@
                                       <p:tavLst>
                                         <p:tav tm="0">
                                           <p:val>
-                                            <p:strVal val="#ppt_w*0.05"/>
+                                            <p:strVal val="#ppt_w*0.70"/>
                                           </p:val>
                                         </p:tav>
                                         <p:tav tm="100000">
@@ -6240,7 +5951,7 @@
                                         <p:tgtEl>
                                           <p:spTgt spid="2">
                                             <p:txEl>
-                                              <p:pRg st="2" end="2"/>
+                                              <p:pRg st="1" end="1"/>
                                             </p:txEl>
                                           </p:spTgt>
                                         </p:tgtEl>
@@ -6261,67 +5972,13 @@
                                         </p:tav>
                                       </p:tavLst>
                                     </p:anim>
-                                    <p:anim calcmode="lin" valueType="num">
-                                      <p:cBhvr>
-                                        <p:cTn id="16" dur="500" fill="hold"/>
-                                        <p:tgtEl>
-                                          <p:spTgt spid="2">
-                                            <p:txEl>
-                                              <p:pRg st="2" end="2"/>
-                                            </p:txEl>
-                                          </p:spTgt>
-                                        </p:tgtEl>
-                                        <p:attrNameLst>
-                                          <p:attrName>ppt_x</p:attrName>
-                                        </p:attrNameLst>
-                                      </p:cBhvr>
-                                      <p:tavLst>
-                                        <p:tav tm="0">
-                                          <p:val>
-                                            <p:strVal val="#ppt_x-.2"/>
-                                          </p:val>
-                                        </p:tav>
-                                        <p:tav tm="100000">
-                                          <p:val>
-                                            <p:strVal val="#ppt_x"/>
-                                          </p:val>
-                                        </p:tav>
-                                      </p:tavLst>
-                                    </p:anim>
-                                    <p:anim calcmode="lin" valueType="num">
-                                      <p:cBhvr>
-                                        <p:cTn id="17" dur="500" fill="hold"/>
-                                        <p:tgtEl>
-                                          <p:spTgt spid="2">
-                                            <p:txEl>
-                                              <p:pRg st="2" end="2"/>
-                                            </p:txEl>
-                                          </p:spTgt>
-                                        </p:tgtEl>
-                                        <p:attrNameLst>
-                                          <p:attrName>ppt_y</p:attrName>
-                                        </p:attrNameLst>
-                                      </p:cBhvr>
-                                      <p:tavLst>
-                                        <p:tav tm="0">
-                                          <p:val>
-                                            <p:strVal val="#ppt_y"/>
-                                          </p:val>
-                                        </p:tav>
-                                        <p:tav tm="100000">
-                                          <p:val>
-                                            <p:strVal val="#ppt_y"/>
-                                          </p:val>
-                                        </p:tav>
-                                      </p:tavLst>
-                                    </p:anim>
                                     <p:animEffect transition="in" filter="fade">
                                       <p:cBhvr>
-                                        <p:cTn id="18" dur="500"/>
-                                        <p:tgtEl>
-                                          <p:spTgt spid="2">
-                                            <p:txEl>
-                                              <p:pRg st="2" end="2"/>
+                                        <p:cTn id="16" dur="500"/>
+                                        <p:tgtEl>
+                                          <p:spTgt spid="2">
+                                            <p:txEl>
+                                              <p:pRg st="1" end="1"/>
                                             </p:txEl>
                                           </p:spTgt>
                                         </p:tgtEl>
@@ -6337,26 +5994,26 @@
                     </p:cTn>
                   </p:par>
                   <p:par>
-                    <p:cTn id="19" fill="hold">
+                    <p:cTn id="17" fill="hold">
                       <p:stCondLst>
                         <p:cond delay="indefinite"/>
                       </p:stCondLst>
                       <p:childTnLst>
                         <p:par>
-                          <p:cTn id="20" fill="hold">
+                          <p:cTn id="18" fill="hold">
                             <p:stCondLst>
                               <p:cond delay="0"/>
                             </p:stCondLst>
                             <p:childTnLst>
                               <p:par>
-                                <p:cTn id="21" presetID="54" presetClass="entr" presetSubtype="0" accel="100000" fill="hold" grpId="0" nodeType="clickEffect">
+                                <p:cTn id="19" presetID="54" presetClass="entr" presetSubtype="0" accel="100000" fill="hold" grpId="0" nodeType="clickEffect">
                                   <p:stCondLst>
                                     <p:cond delay="0"/>
                                   </p:stCondLst>
                                   <p:childTnLst>
                                     <p:set>
                                       <p:cBhvr>
-                                        <p:cTn id="22" dur="1" fill="hold">
+                                        <p:cTn id="20" dur="1" fill="hold">
                                           <p:stCondLst>
                                             <p:cond delay="0"/>
                                           </p:stCondLst>
@@ -6364,7 +6021,7 @@
                                         <p:tgtEl>
                                           <p:spTgt spid="2">
                                             <p:txEl>
-                                              <p:pRg st="4" end="4"/>
+                                              <p:pRg st="3" end="3"/>
                                             </p:txEl>
                                           </p:spTgt>
                                         </p:tgtEl>
@@ -6378,27 +6035,81 @@
                                     </p:set>
                                     <p:anim calcmode="lin" valueType="num">
                                       <p:cBhvr>
+                                        <p:cTn id="21" dur="500" fill="hold"/>
+                                        <p:tgtEl>
+                                          <p:spTgt spid="2">
+                                            <p:txEl>
+                                              <p:pRg st="3" end="3"/>
+                                            </p:txEl>
+                                          </p:spTgt>
+                                        </p:tgtEl>
+                                        <p:attrNameLst>
+                                          <p:attrName>ppt_w</p:attrName>
+                                        </p:attrNameLst>
+                                      </p:cBhvr>
+                                      <p:tavLst>
+                                        <p:tav tm="0">
+                                          <p:val>
+                                            <p:strVal val="#ppt_w*0.05"/>
+                                          </p:val>
+                                        </p:tav>
+                                        <p:tav tm="100000">
+                                          <p:val>
+                                            <p:strVal val="#ppt_w"/>
+                                          </p:val>
+                                        </p:tav>
+                                      </p:tavLst>
+                                    </p:anim>
+                                    <p:anim calcmode="lin" valueType="num">
+                                      <p:cBhvr>
+                                        <p:cTn id="22" dur="500" fill="hold"/>
+                                        <p:tgtEl>
+                                          <p:spTgt spid="2">
+                                            <p:txEl>
+                                              <p:pRg st="3" end="3"/>
+                                            </p:txEl>
+                                          </p:spTgt>
+                                        </p:tgtEl>
+                                        <p:attrNameLst>
+                                          <p:attrName>ppt_h</p:attrName>
+                                        </p:attrNameLst>
+                                      </p:cBhvr>
+                                      <p:tavLst>
+                                        <p:tav tm="0">
+                                          <p:val>
+                                            <p:strVal val="#ppt_h"/>
+                                          </p:val>
+                                        </p:tav>
+                                        <p:tav tm="100000">
+                                          <p:val>
+                                            <p:strVal val="#ppt_h"/>
+                                          </p:val>
+                                        </p:tav>
+                                      </p:tavLst>
+                                    </p:anim>
+                                    <p:anim calcmode="lin" valueType="num">
+                                      <p:cBhvr>
                                         <p:cTn id="23" dur="500" fill="hold"/>
                                         <p:tgtEl>
                                           <p:spTgt spid="2">
                                             <p:txEl>
-                                              <p:pRg st="4" end="4"/>
-                                            </p:txEl>
-                                          </p:spTgt>
-                                        </p:tgtEl>
-                                        <p:attrNameLst>
-                                          <p:attrName>ppt_w</p:attrName>
-                                        </p:attrNameLst>
-                                      </p:cBhvr>
-                                      <p:tavLst>
-                                        <p:tav tm="0">
-                                          <p:val>
-                                            <p:strVal val="#ppt_w*0.05"/>
-                                          </p:val>
-                                        </p:tav>
-                                        <p:tav tm="100000">
-                                          <p:val>
-                                            <p:strVal val="#ppt_w"/>
+                                              <p:pRg st="3" end="3"/>
+                                            </p:txEl>
+                                          </p:spTgt>
+                                        </p:tgtEl>
+                                        <p:attrNameLst>
+                                          <p:attrName>ppt_x</p:attrName>
+                                        </p:attrNameLst>
+                                      </p:cBhvr>
+                                      <p:tavLst>
+                                        <p:tav tm="0">
+                                          <p:val>
+                                            <p:strVal val="#ppt_x-.2"/>
+                                          </p:val>
+                                        </p:tav>
+                                        <p:tav tm="100000">
+                                          <p:val>
+                                            <p:strVal val="#ppt_x"/>
                                           </p:val>
                                         </p:tav>
                                       </p:tavLst>
@@ -6409,61 +6120,7 @@
                                         <p:tgtEl>
                                           <p:spTgt spid="2">
                                             <p:txEl>
-                                              <p:pRg st="4" end="4"/>
-                                            </p:txEl>
-                                          </p:spTgt>
-                                        </p:tgtEl>
-                                        <p:attrNameLst>
-                                          <p:attrName>ppt_h</p:attrName>
-                                        </p:attrNameLst>
-                                      </p:cBhvr>
-                                      <p:tavLst>
-                                        <p:tav tm="0">
-                                          <p:val>
-                                            <p:strVal val="#ppt_h"/>
-                                          </p:val>
-                                        </p:tav>
-                                        <p:tav tm="100000">
-                                          <p:val>
-                                            <p:strVal val="#ppt_h"/>
-                                          </p:val>
-                                        </p:tav>
-                                      </p:tavLst>
-                                    </p:anim>
-                                    <p:anim calcmode="lin" valueType="num">
-                                      <p:cBhvr>
-                                        <p:cTn id="25" dur="500" fill="hold"/>
-                                        <p:tgtEl>
-                                          <p:spTgt spid="2">
-                                            <p:txEl>
-                                              <p:pRg st="4" end="4"/>
-                                            </p:txEl>
-                                          </p:spTgt>
-                                        </p:tgtEl>
-                                        <p:attrNameLst>
-                                          <p:attrName>ppt_x</p:attrName>
-                                        </p:attrNameLst>
-                                      </p:cBhvr>
-                                      <p:tavLst>
-                                        <p:tav tm="0">
-                                          <p:val>
-                                            <p:strVal val="#ppt_x-.2"/>
-                                          </p:val>
-                                        </p:tav>
-                                        <p:tav tm="100000">
-                                          <p:val>
-                                            <p:strVal val="#ppt_x"/>
-                                          </p:val>
-                                        </p:tav>
-                                      </p:tavLst>
-                                    </p:anim>
-                                    <p:anim calcmode="lin" valueType="num">
-                                      <p:cBhvr>
-                                        <p:cTn id="26" dur="500" fill="hold"/>
-                                        <p:tgtEl>
-                                          <p:spTgt spid="2">
-                                            <p:txEl>
-                                              <p:pRg st="4" end="4"/>
+                                              <p:pRg st="3" end="3"/>
                                             </p:txEl>
                                           </p:spTgt>
                                         </p:tgtEl>
@@ -6486,11 +6143,11 @@
                                     </p:anim>
                                     <p:animEffect transition="in" filter="fade">
                                       <p:cBhvr>
-                                        <p:cTn id="27" dur="500"/>
-                                        <p:tgtEl>
-                                          <p:spTgt spid="2">
-                                            <p:txEl>
-                                              <p:pRg st="4" end="4"/>
+                                        <p:cTn id="25" dur="500"/>
+                                        <p:tgtEl>
+                                          <p:spTgt spid="2">
+                                            <p:txEl>
+                                              <p:pRg st="3" end="3"/>
                                             </p:txEl>
                                           </p:spTgt>
                                         </p:tgtEl>
@@ -6506,26 +6163,26 @@
                     </p:cTn>
                   </p:par>
                   <p:par>
-                    <p:cTn id="28" fill="hold">
+                    <p:cTn id="26" fill="hold">
                       <p:stCondLst>
                         <p:cond delay="indefinite"/>
                       </p:stCondLst>
                       <p:childTnLst>
                         <p:par>
-                          <p:cTn id="29" fill="hold">
+                          <p:cTn id="27" fill="hold">
                             <p:stCondLst>
                               <p:cond delay="0"/>
                             </p:stCondLst>
                             <p:childTnLst>
                               <p:par>
-                                <p:cTn id="30" presetID="54" presetClass="entr" presetSubtype="0" accel="100000" fill="hold" grpId="0" nodeType="clickEffect">
+                                <p:cTn id="28" presetID="54" presetClass="entr" presetSubtype="0" accel="100000" fill="hold" grpId="0" nodeType="clickEffect">
                                   <p:stCondLst>
                                     <p:cond delay="0"/>
                                   </p:stCondLst>
                                   <p:childTnLst>
                                     <p:set>
                                       <p:cBhvr>
-                                        <p:cTn id="31" dur="1" fill="hold">
+                                        <p:cTn id="29" dur="1" fill="hold">
                                           <p:stCondLst>
                                             <p:cond delay="0"/>
                                           </p:stCondLst>
@@ -6533,7 +6190,7 @@
                                         <p:tgtEl>
                                           <p:spTgt spid="2">
                                             <p:txEl>
-                                              <p:pRg st="6" end="6"/>
+                                              <p:pRg st="5" end="5"/>
                                             </p:txEl>
                                           </p:spTgt>
                                         </p:tgtEl>
@@ -6547,15 +6204,1342 @@
                                     </p:set>
                                     <p:anim calcmode="lin" valueType="num">
                                       <p:cBhvr>
+                                        <p:cTn id="30" dur="500" fill="hold"/>
+                                        <p:tgtEl>
+                                          <p:spTgt spid="2">
+                                            <p:txEl>
+                                              <p:pRg st="5" end="5"/>
+                                            </p:txEl>
+                                          </p:spTgt>
+                                        </p:tgtEl>
+                                        <p:attrNameLst>
+                                          <p:attrName>ppt_w</p:attrName>
+                                        </p:attrNameLst>
+                                      </p:cBhvr>
+                                      <p:tavLst>
+                                        <p:tav tm="0">
+                                          <p:val>
+                                            <p:strVal val="#ppt_w*0.05"/>
+                                          </p:val>
+                                        </p:tav>
+                                        <p:tav tm="100000">
+                                          <p:val>
+                                            <p:strVal val="#ppt_w"/>
+                                          </p:val>
+                                        </p:tav>
+                                      </p:tavLst>
+                                    </p:anim>
+                                    <p:anim calcmode="lin" valueType="num">
+                                      <p:cBhvr>
+                                        <p:cTn id="31" dur="500" fill="hold"/>
+                                        <p:tgtEl>
+                                          <p:spTgt spid="2">
+                                            <p:txEl>
+                                              <p:pRg st="5" end="5"/>
+                                            </p:txEl>
+                                          </p:spTgt>
+                                        </p:tgtEl>
+                                        <p:attrNameLst>
+                                          <p:attrName>ppt_h</p:attrName>
+                                        </p:attrNameLst>
+                                      </p:cBhvr>
+                                      <p:tavLst>
+                                        <p:tav tm="0">
+                                          <p:val>
+                                            <p:strVal val="#ppt_h"/>
+                                          </p:val>
+                                        </p:tav>
+                                        <p:tav tm="100000">
+                                          <p:val>
+                                            <p:strVal val="#ppt_h"/>
+                                          </p:val>
+                                        </p:tav>
+                                      </p:tavLst>
+                                    </p:anim>
+                                    <p:anim calcmode="lin" valueType="num">
+                                      <p:cBhvr>
                                         <p:cTn id="32" dur="500" fill="hold"/>
                                         <p:tgtEl>
                                           <p:spTgt spid="2">
                                             <p:txEl>
+                                              <p:pRg st="5" end="5"/>
+                                            </p:txEl>
+                                          </p:spTgt>
+                                        </p:tgtEl>
+                                        <p:attrNameLst>
+                                          <p:attrName>ppt_x</p:attrName>
+                                        </p:attrNameLst>
+                                      </p:cBhvr>
+                                      <p:tavLst>
+                                        <p:tav tm="0">
+                                          <p:val>
+                                            <p:strVal val="#ppt_x-.2"/>
+                                          </p:val>
+                                        </p:tav>
+                                        <p:tav tm="100000">
+                                          <p:val>
+                                            <p:strVal val="#ppt_x"/>
+                                          </p:val>
+                                        </p:tav>
+                                      </p:tavLst>
+                                    </p:anim>
+                                    <p:anim calcmode="lin" valueType="num">
+                                      <p:cBhvr>
+                                        <p:cTn id="33" dur="500" fill="hold"/>
+                                        <p:tgtEl>
+                                          <p:spTgt spid="2">
+                                            <p:txEl>
+                                              <p:pRg st="5" end="5"/>
+                                            </p:txEl>
+                                          </p:spTgt>
+                                        </p:tgtEl>
+                                        <p:attrNameLst>
+                                          <p:attrName>ppt_y</p:attrName>
+                                        </p:attrNameLst>
+                                      </p:cBhvr>
+                                      <p:tavLst>
+                                        <p:tav tm="0">
+                                          <p:val>
+                                            <p:strVal val="#ppt_y"/>
+                                          </p:val>
+                                        </p:tav>
+                                        <p:tav tm="100000">
+                                          <p:val>
+                                            <p:strVal val="#ppt_y"/>
+                                          </p:val>
+                                        </p:tav>
+                                      </p:tavLst>
+                                    </p:anim>
+                                    <p:animEffect transition="in" filter="fade">
+                                      <p:cBhvr>
+                                        <p:cTn id="34" dur="500"/>
+                                        <p:tgtEl>
+                                          <p:spTgt spid="2">
+                                            <p:txEl>
+                                              <p:pRg st="5" end="5"/>
+                                            </p:txEl>
+                                          </p:spTgt>
+                                        </p:tgtEl>
+                                      </p:cBhvr>
+                                    </p:animEffect>
+                                  </p:childTnLst>
+                                </p:cTn>
+                              </p:par>
+                            </p:childTnLst>
+                          </p:cTn>
+                        </p:par>
+                      </p:childTnLst>
+                    </p:cTn>
+                  </p:par>
+                </p:childTnLst>
+              </p:cTn>
+              <p:prevCondLst>
+                <p:cond evt="onPrev" delay="0">
+                  <p:tgtEl>
+                    <p:sldTgt/>
+                  </p:tgtEl>
+                </p:cond>
+              </p:prevCondLst>
+              <p:nextCondLst>
+                <p:cond evt="onNext" delay="0">
+                  <p:tgtEl>
+                    <p:sldTgt/>
+                  </p:tgtEl>
+                </p:cond>
+              </p:nextCondLst>
+            </p:seq>
+          </p:childTnLst>
+        </p:cTn>
+      </p:par>
+    </p:tnLst>
+    <p:bldLst>
+      <p:bldP spid="2" grpId="0" uiExpand="1" build="p"/>
+    </p:bldLst>
+  </p:timing>
+</p:sld>
+</file>
+
+<file path=ppt/slides/slide4.xml><?xml version="1.0" encoding="utf-8"?>
+<p:sld xmlns:a="http://schemas.openxmlformats.org/drawingml/2006/main" xmlns:r="http://schemas.openxmlformats.org/officeDocument/2006/relationships" xmlns:p="http://schemas.openxmlformats.org/presentationml/2006/main">
+  <p:cSld>
+    <p:spTree>
+      <p:nvGrpSpPr>
+        <p:cNvPr id="1" name=""/>
+        <p:cNvGrpSpPr/>
+        <p:nvPr/>
+      </p:nvGrpSpPr>
+      <p:grpSpPr>
+        <a:xfrm>
+          <a:off x="0" y="0"/>
+          <a:ext cx="0" cy="0"/>
+          <a:chOff x="0" y="0"/>
+          <a:chExt cx="0" cy="0"/>
+        </a:xfrm>
+      </p:grpSpPr>
+      <p:sp>
+        <p:nvSpPr>
+          <p:cNvPr id="2" name="Espace réservé du contenu 1"/>
+          <p:cNvSpPr>
+            <a:spLocks noGrp="1"/>
+          </p:cNvSpPr>
+          <p:nvPr>
+            <p:ph idx="1"/>
+          </p:nvPr>
+        </p:nvSpPr>
+        <p:spPr>
+          <a:xfrm>
+            <a:off x="457200" y="1752600"/>
+            <a:ext cx="8229600" cy="4525963"/>
+          </a:xfrm>
+        </p:spPr>
+        <p:txBody>
+          <a:bodyPr/>
+          <a:lstStyle/>
+          <a:p>
+            <a:r>
+              <a:rPr lang="fr-FR" dirty="0" smtClean="0">
+                <a:solidFill>
+                  <a:schemeClr val="tx1">
+                    <a:lumMod val="85000"/>
+                    <a:lumOff val="15000"/>
+                  </a:schemeClr>
+                </a:solidFill>
+              </a:rPr>
+              <a:t>LAMP</a:t>
+            </a:r>
+          </a:p>
+          <a:p>
+            <a:pPr lvl="1"/>
+            <a:r>
+              <a:rPr lang="fr-FR" dirty="0" smtClean="0">
+                <a:solidFill>
+                  <a:schemeClr val="tx1">
+                    <a:lumMod val="85000"/>
+                    <a:lumOff val="15000"/>
+                  </a:schemeClr>
+                </a:solidFill>
+              </a:rPr>
+              <a:t>Linux (Debian 7)</a:t>
+            </a:r>
+          </a:p>
+          <a:p>
+            <a:pPr lvl="1"/>
+            <a:r>
+              <a:rPr lang="fr-FR" dirty="0" smtClean="0">
+                <a:solidFill>
+                  <a:schemeClr val="tx1">
+                    <a:lumMod val="85000"/>
+                    <a:lumOff val="15000"/>
+                  </a:schemeClr>
+                </a:solidFill>
+              </a:rPr>
+              <a:t>Apache 2</a:t>
+            </a:r>
+          </a:p>
+          <a:p>
+            <a:pPr lvl="1"/>
+            <a:r>
+              <a:rPr lang="fr-FR" dirty="0" smtClean="0">
+                <a:solidFill>
+                  <a:schemeClr val="tx1">
+                    <a:lumMod val="85000"/>
+                    <a:lumOff val="15000"/>
+                  </a:schemeClr>
+                </a:solidFill>
+              </a:rPr>
+              <a:t>MySQL 5.5</a:t>
+            </a:r>
+          </a:p>
+          <a:p>
+            <a:pPr lvl="1"/>
+            <a:r>
+              <a:rPr lang="fr-FR" dirty="0" smtClean="0">
+                <a:solidFill>
+                  <a:schemeClr val="tx1">
+                    <a:lumMod val="85000"/>
+                    <a:lumOff val="15000"/>
+                  </a:schemeClr>
+                </a:solidFill>
+              </a:rPr>
+              <a:t>PHP 5.1</a:t>
+            </a:r>
+          </a:p>
+          <a:p>
+            <a:r>
+              <a:rPr lang="fr-FR" dirty="0" smtClean="0">
+                <a:solidFill>
+                  <a:schemeClr val="tx1">
+                    <a:lumMod val="85000"/>
+                    <a:lumOff val="15000"/>
+                  </a:schemeClr>
+                </a:solidFill>
+              </a:rPr>
+              <a:t>HTML 5</a:t>
+            </a:r>
+          </a:p>
+          <a:p>
+            <a:r>
+              <a:rPr lang="fr-FR" dirty="0" smtClean="0">
+                <a:solidFill>
+                  <a:schemeClr val="tx1">
+                    <a:lumMod val="85000"/>
+                    <a:lumOff val="15000"/>
+                  </a:schemeClr>
+                </a:solidFill>
+              </a:rPr>
+              <a:t>CSS3</a:t>
+            </a:r>
+          </a:p>
+          <a:p>
+            <a:r>
+              <a:rPr lang="fr-FR" dirty="0" smtClean="0">
+                <a:solidFill>
+                  <a:schemeClr val="tx1">
+                    <a:lumMod val="85000"/>
+                    <a:lumOff val="15000"/>
+                  </a:schemeClr>
+                </a:solidFill>
+              </a:rPr>
+              <a:t>Javascript</a:t>
+            </a:r>
+          </a:p>
+          <a:p>
+            <a:pPr>
+              <a:buNone/>
+            </a:pPr>
+            <a:endParaRPr lang="fr-FR" dirty="0"/>
+          </a:p>
+        </p:txBody>
+      </p:sp>
+      <p:sp>
+        <p:nvSpPr>
+          <p:cNvPr id="3" name="Titre 2"/>
+          <p:cNvSpPr>
+            <a:spLocks noGrp="1"/>
+          </p:cNvSpPr>
+          <p:nvPr>
+            <p:ph type="title"/>
+          </p:nvPr>
+        </p:nvSpPr>
+        <p:spPr/>
+        <p:txBody>
+          <a:bodyPr/>
+          <a:lstStyle/>
+          <a:p>
+            <a:r>
+              <a:rPr lang="fr-FR" dirty="0" smtClean="0"/>
+              <a:t>Technologies utilisées</a:t>
+            </a:r>
+            <a:endParaRPr lang="fr-FR" dirty="0"/>
+          </a:p>
+        </p:txBody>
+      </p:sp>
+    </p:spTree>
+  </p:cSld>
+  <p:clrMapOvr>
+    <a:masterClrMapping/>
+  </p:clrMapOvr>
+  <p:timing>
+    <p:tnLst>
+      <p:par>
+        <p:cTn id="1" dur="indefinite" restart="never" nodeType="tmRoot">
+          <p:childTnLst>
+            <p:seq concurrent="1" nextAc="seek">
+              <p:cTn id="2" dur="indefinite" nodeType="mainSeq">
+                <p:childTnLst>
+                  <p:par>
+                    <p:cTn id="3" fill="hold">
+                      <p:stCondLst>
+                        <p:cond delay="indefinite"/>
+                      </p:stCondLst>
+                      <p:childTnLst>
+                        <p:par>
+                          <p:cTn id="4" fill="hold">
+                            <p:stCondLst>
+                              <p:cond delay="0"/>
+                            </p:stCondLst>
+                            <p:childTnLst>
+                              <p:par>
+                                <p:cTn id="5" presetID="54" presetClass="entr" presetSubtype="0" accel="100000" fill="hold" grpId="0" nodeType="clickEffect">
+                                  <p:stCondLst>
+                                    <p:cond delay="0"/>
+                                  </p:stCondLst>
+                                  <p:childTnLst>
+                                    <p:set>
+                                      <p:cBhvr>
+                                        <p:cTn id="6" dur="1" fill="hold">
+                                          <p:stCondLst>
+                                            <p:cond delay="0"/>
+                                          </p:stCondLst>
+                                        </p:cTn>
+                                        <p:tgtEl>
+                                          <p:spTgt spid="2">
+                                            <p:txEl>
+                                              <p:pRg st="0" end="0"/>
+                                            </p:txEl>
+                                          </p:spTgt>
+                                        </p:tgtEl>
+                                        <p:attrNameLst>
+                                          <p:attrName>style.visibility</p:attrName>
+                                        </p:attrNameLst>
+                                      </p:cBhvr>
+                                      <p:to>
+                                        <p:strVal val="visible"/>
+                                      </p:to>
+                                    </p:set>
+                                    <p:anim calcmode="lin" valueType="num">
+                                      <p:cBhvr>
+                                        <p:cTn id="7" dur="500" fill="hold"/>
+                                        <p:tgtEl>
+                                          <p:spTgt spid="2">
+                                            <p:txEl>
+                                              <p:pRg st="0" end="0"/>
+                                            </p:txEl>
+                                          </p:spTgt>
+                                        </p:tgtEl>
+                                        <p:attrNameLst>
+                                          <p:attrName>ppt_w</p:attrName>
+                                        </p:attrNameLst>
+                                      </p:cBhvr>
+                                      <p:tavLst>
+                                        <p:tav tm="0">
+                                          <p:val>
+                                            <p:strVal val="#ppt_w*0.05"/>
+                                          </p:val>
+                                        </p:tav>
+                                        <p:tav tm="100000">
+                                          <p:val>
+                                            <p:strVal val="#ppt_w"/>
+                                          </p:val>
+                                        </p:tav>
+                                      </p:tavLst>
+                                    </p:anim>
+                                    <p:anim calcmode="lin" valueType="num">
+                                      <p:cBhvr>
+                                        <p:cTn id="8" dur="500" fill="hold"/>
+                                        <p:tgtEl>
+                                          <p:spTgt spid="2">
+                                            <p:txEl>
+                                              <p:pRg st="0" end="0"/>
+                                            </p:txEl>
+                                          </p:spTgt>
+                                        </p:tgtEl>
+                                        <p:attrNameLst>
+                                          <p:attrName>ppt_h</p:attrName>
+                                        </p:attrNameLst>
+                                      </p:cBhvr>
+                                      <p:tavLst>
+                                        <p:tav tm="0">
+                                          <p:val>
+                                            <p:strVal val="#ppt_h"/>
+                                          </p:val>
+                                        </p:tav>
+                                        <p:tav tm="100000">
+                                          <p:val>
+                                            <p:strVal val="#ppt_h"/>
+                                          </p:val>
+                                        </p:tav>
+                                      </p:tavLst>
+                                    </p:anim>
+                                    <p:anim calcmode="lin" valueType="num">
+                                      <p:cBhvr>
+                                        <p:cTn id="9" dur="500" fill="hold"/>
+                                        <p:tgtEl>
+                                          <p:spTgt spid="2">
+                                            <p:txEl>
+                                              <p:pRg st="0" end="0"/>
+                                            </p:txEl>
+                                          </p:spTgt>
+                                        </p:tgtEl>
+                                        <p:attrNameLst>
+                                          <p:attrName>ppt_x</p:attrName>
+                                        </p:attrNameLst>
+                                      </p:cBhvr>
+                                      <p:tavLst>
+                                        <p:tav tm="0">
+                                          <p:val>
+                                            <p:strVal val="#ppt_x-.2"/>
+                                          </p:val>
+                                        </p:tav>
+                                        <p:tav tm="100000">
+                                          <p:val>
+                                            <p:strVal val="#ppt_x"/>
+                                          </p:val>
+                                        </p:tav>
+                                      </p:tavLst>
+                                    </p:anim>
+                                    <p:anim calcmode="lin" valueType="num">
+                                      <p:cBhvr>
+                                        <p:cTn id="10" dur="500" fill="hold"/>
+                                        <p:tgtEl>
+                                          <p:spTgt spid="2">
+                                            <p:txEl>
+                                              <p:pRg st="0" end="0"/>
+                                            </p:txEl>
+                                          </p:spTgt>
+                                        </p:tgtEl>
+                                        <p:attrNameLst>
+                                          <p:attrName>ppt_y</p:attrName>
+                                        </p:attrNameLst>
+                                      </p:cBhvr>
+                                      <p:tavLst>
+                                        <p:tav tm="0">
+                                          <p:val>
+                                            <p:strVal val="#ppt_y"/>
+                                          </p:val>
+                                        </p:tav>
+                                        <p:tav tm="100000">
+                                          <p:val>
+                                            <p:strVal val="#ppt_y"/>
+                                          </p:val>
+                                        </p:tav>
+                                      </p:tavLst>
+                                    </p:anim>
+                                    <p:animEffect transition="in" filter="fade">
+                                      <p:cBhvr>
+                                        <p:cTn id="11" dur="500"/>
+                                        <p:tgtEl>
+                                          <p:spTgt spid="2">
+                                            <p:txEl>
+                                              <p:pRg st="0" end="0"/>
+                                            </p:txEl>
+                                          </p:spTgt>
+                                        </p:tgtEl>
+                                      </p:cBhvr>
+                                    </p:animEffect>
+                                  </p:childTnLst>
+                                </p:cTn>
+                              </p:par>
+                              <p:par>
+                                <p:cTn id="12" presetID="54" presetClass="entr" presetSubtype="0" accel="100000" fill="hold" grpId="0" nodeType="withEffect">
+                                  <p:stCondLst>
+                                    <p:cond delay="0"/>
+                                  </p:stCondLst>
+                                  <p:childTnLst>
+                                    <p:set>
+                                      <p:cBhvr>
+                                        <p:cTn id="13" dur="1" fill="hold">
+                                          <p:stCondLst>
+                                            <p:cond delay="0"/>
+                                          </p:stCondLst>
+                                        </p:cTn>
+                                        <p:tgtEl>
+                                          <p:spTgt spid="2">
+                                            <p:txEl>
+                                              <p:pRg st="1" end="1"/>
+                                            </p:txEl>
+                                          </p:spTgt>
+                                        </p:tgtEl>
+                                        <p:attrNameLst>
+                                          <p:attrName>style.visibility</p:attrName>
+                                        </p:attrNameLst>
+                                      </p:cBhvr>
+                                      <p:to>
+                                        <p:strVal val="visible"/>
+                                      </p:to>
+                                    </p:set>
+                                    <p:anim calcmode="lin" valueType="num">
+                                      <p:cBhvr>
+                                        <p:cTn id="14" dur="500" fill="hold"/>
+                                        <p:tgtEl>
+                                          <p:spTgt spid="2">
+                                            <p:txEl>
+                                              <p:pRg st="1" end="1"/>
+                                            </p:txEl>
+                                          </p:spTgt>
+                                        </p:tgtEl>
+                                        <p:attrNameLst>
+                                          <p:attrName>ppt_w</p:attrName>
+                                        </p:attrNameLst>
+                                      </p:cBhvr>
+                                      <p:tavLst>
+                                        <p:tav tm="0">
+                                          <p:val>
+                                            <p:strVal val="#ppt_w*0.05"/>
+                                          </p:val>
+                                        </p:tav>
+                                        <p:tav tm="100000">
+                                          <p:val>
+                                            <p:strVal val="#ppt_w"/>
+                                          </p:val>
+                                        </p:tav>
+                                      </p:tavLst>
+                                    </p:anim>
+                                    <p:anim calcmode="lin" valueType="num">
+                                      <p:cBhvr>
+                                        <p:cTn id="15" dur="500" fill="hold"/>
+                                        <p:tgtEl>
+                                          <p:spTgt spid="2">
+                                            <p:txEl>
+                                              <p:pRg st="1" end="1"/>
+                                            </p:txEl>
+                                          </p:spTgt>
+                                        </p:tgtEl>
+                                        <p:attrNameLst>
+                                          <p:attrName>ppt_h</p:attrName>
+                                        </p:attrNameLst>
+                                      </p:cBhvr>
+                                      <p:tavLst>
+                                        <p:tav tm="0">
+                                          <p:val>
+                                            <p:strVal val="#ppt_h"/>
+                                          </p:val>
+                                        </p:tav>
+                                        <p:tav tm="100000">
+                                          <p:val>
+                                            <p:strVal val="#ppt_h"/>
+                                          </p:val>
+                                        </p:tav>
+                                      </p:tavLst>
+                                    </p:anim>
+                                    <p:anim calcmode="lin" valueType="num">
+                                      <p:cBhvr>
+                                        <p:cTn id="16" dur="500" fill="hold"/>
+                                        <p:tgtEl>
+                                          <p:spTgt spid="2">
+                                            <p:txEl>
+                                              <p:pRg st="1" end="1"/>
+                                            </p:txEl>
+                                          </p:spTgt>
+                                        </p:tgtEl>
+                                        <p:attrNameLst>
+                                          <p:attrName>ppt_x</p:attrName>
+                                        </p:attrNameLst>
+                                      </p:cBhvr>
+                                      <p:tavLst>
+                                        <p:tav tm="0">
+                                          <p:val>
+                                            <p:strVal val="#ppt_x-.2"/>
+                                          </p:val>
+                                        </p:tav>
+                                        <p:tav tm="100000">
+                                          <p:val>
+                                            <p:strVal val="#ppt_x"/>
+                                          </p:val>
+                                        </p:tav>
+                                      </p:tavLst>
+                                    </p:anim>
+                                    <p:anim calcmode="lin" valueType="num">
+                                      <p:cBhvr>
+                                        <p:cTn id="17" dur="500" fill="hold"/>
+                                        <p:tgtEl>
+                                          <p:spTgt spid="2">
+                                            <p:txEl>
+                                              <p:pRg st="1" end="1"/>
+                                            </p:txEl>
+                                          </p:spTgt>
+                                        </p:tgtEl>
+                                        <p:attrNameLst>
+                                          <p:attrName>ppt_y</p:attrName>
+                                        </p:attrNameLst>
+                                      </p:cBhvr>
+                                      <p:tavLst>
+                                        <p:tav tm="0">
+                                          <p:val>
+                                            <p:strVal val="#ppt_y"/>
+                                          </p:val>
+                                        </p:tav>
+                                        <p:tav tm="100000">
+                                          <p:val>
+                                            <p:strVal val="#ppt_y"/>
+                                          </p:val>
+                                        </p:tav>
+                                      </p:tavLst>
+                                    </p:anim>
+                                    <p:animEffect transition="in" filter="fade">
+                                      <p:cBhvr>
+                                        <p:cTn id="18" dur="500"/>
+                                        <p:tgtEl>
+                                          <p:spTgt spid="2">
+                                            <p:txEl>
+                                              <p:pRg st="1" end="1"/>
+                                            </p:txEl>
+                                          </p:spTgt>
+                                        </p:tgtEl>
+                                      </p:cBhvr>
+                                    </p:animEffect>
+                                  </p:childTnLst>
+                                </p:cTn>
+                              </p:par>
+                              <p:par>
+                                <p:cTn id="19" presetID="54" presetClass="entr" presetSubtype="0" accel="100000" fill="hold" grpId="0" nodeType="withEffect">
+                                  <p:stCondLst>
+                                    <p:cond delay="0"/>
+                                  </p:stCondLst>
+                                  <p:childTnLst>
+                                    <p:set>
+                                      <p:cBhvr>
+                                        <p:cTn id="20" dur="1" fill="hold">
+                                          <p:stCondLst>
+                                            <p:cond delay="0"/>
+                                          </p:stCondLst>
+                                        </p:cTn>
+                                        <p:tgtEl>
+                                          <p:spTgt spid="2">
+                                            <p:txEl>
+                                              <p:pRg st="2" end="2"/>
+                                            </p:txEl>
+                                          </p:spTgt>
+                                        </p:tgtEl>
+                                        <p:attrNameLst>
+                                          <p:attrName>style.visibility</p:attrName>
+                                        </p:attrNameLst>
+                                      </p:cBhvr>
+                                      <p:to>
+                                        <p:strVal val="visible"/>
+                                      </p:to>
+                                    </p:set>
+                                    <p:anim calcmode="lin" valueType="num">
+                                      <p:cBhvr>
+                                        <p:cTn id="21" dur="500" fill="hold"/>
+                                        <p:tgtEl>
+                                          <p:spTgt spid="2">
+                                            <p:txEl>
+                                              <p:pRg st="2" end="2"/>
+                                            </p:txEl>
+                                          </p:spTgt>
+                                        </p:tgtEl>
+                                        <p:attrNameLst>
+                                          <p:attrName>ppt_w</p:attrName>
+                                        </p:attrNameLst>
+                                      </p:cBhvr>
+                                      <p:tavLst>
+                                        <p:tav tm="0">
+                                          <p:val>
+                                            <p:strVal val="#ppt_w*0.05"/>
+                                          </p:val>
+                                        </p:tav>
+                                        <p:tav tm="100000">
+                                          <p:val>
+                                            <p:strVal val="#ppt_w"/>
+                                          </p:val>
+                                        </p:tav>
+                                      </p:tavLst>
+                                    </p:anim>
+                                    <p:anim calcmode="lin" valueType="num">
+                                      <p:cBhvr>
+                                        <p:cTn id="22" dur="500" fill="hold"/>
+                                        <p:tgtEl>
+                                          <p:spTgt spid="2">
+                                            <p:txEl>
+                                              <p:pRg st="2" end="2"/>
+                                            </p:txEl>
+                                          </p:spTgt>
+                                        </p:tgtEl>
+                                        <p:attrNameLst>
+                                          <p:attrName>ppt_h</p:attrName>
+                                        </p:attrNameLst>
+                                      </p:cBhvr>
+                                      <p:tavLst>
+                                        <p:tav tm="0">
+                                          <p:val>
+                                            <p:strVal val="#ppt_h"/>
+                                          </p:val>
+                                        </p:tav>
+                                        <p:tav tm="100000">
+                                          <p:val>
+                                            <p:strVal val="#ppt_h"/>
+                                          </p:val>
+                                        </p:tav>
+                                      </p:tavLst>
+                                    </p:anim>
+                                    <p:anim calcmode="lin" valueType="num">
+                                      <p:cBhvr>
+                                        <p:cTn id="23" dur="500" fill="hold"/>
+                                        <p:tgtEl>
+                                          <p:spTgt spid="2">
+                                            <p:txEl>
+                                              <p:pRg st="2" end="2"/>
+                                            </p:txEl>
+                                          </p:spTgt>
+                                        </p:tgtEl>
+                                        <p:attrNameLst>
+                                          <p:attrName>ppt_x</p:attrName>
+                                        </p:attrNameLst>
+                                      </p:cBhvr>
+                                      <p:tavLst>
+                                        <p:tav tm="0">
+                                          <p:val>
+                                            <p:strVal val="#ppt_x-.2"/>
+                                          </p:val>
+                                        </p:tav>
+                                        <p:tav tm="100000">
+                                          <p:val>
+                                            <p:strVal val="#ppt_x"/>
+                                          </p:val>
+                                        </p:tav>
+                                      </p:tavLst>
+                                    </p:anim>
+                                    <p:anim calcmode="lin" valueType="num">
+                                      <p:cBhvr>
+                                        <p:cTn id="24" dur="500" fill="hold"/>
+                                        <p:tgtEl>
+                                          <p:spTgt spid="2">
+                                            <p:txEl>
+                                              <p:pRg st="2" end="2"/>
+                                            </p:txEl>
+                                          </p:spTgt>
+                                        </p:tgtEl>
+                                        <p:attrNameLst>
+                                          <p:attrName>ppt_y</p:attrName>
+                                        </p:attrNameLst>
+                                      </p:cBhvr>
+                                      <p:tavLst>
+                                        <p:tav tm="0">
+                                          <p:val>
+                                            <p:strVal val="#ppt_y"/>
+                                          </p:val>
+                                        </p:tav>
+                                        <p:tav tm="100000">
+                                          <p:val>
+                                            <p:strVal val="#ppt_y"/>
+                                          </p:val>
+                                        </p:tav>
+                                      </p:tavLst>
+                                    </p:anim>
+                                    <p:animEffect transition="in" filter="fade">
+                                      <p:cBhvr>
+                                        <p:cTn id="25" dur="500"/>
+                                        <p:tgtEl>
+                                          <p:spTgt spid="2">
+                                            <p:txEl>
+                                              <p:pRg st="2" end="2"/>
+                                            </p:txEl>
+                                          </p:spTgt>
+                                        </p:tgtEl>
+                                      </p:cBhvr>
+                                    </p:animEffect>
+                                  </p:childTnLst>
+                                </p:cTn>
+                              </p:par>
+                              <p:par>
+                                <p:cTn id="26" presetID="54" presetClass="entr" presetSubtype="0" accel="100000" fill="hold" grpId="0" nodeType="withEffect">
+                                  <p:stCondLst>
+                                    <p:cond delay="0"/>
+                                  </p:stCondLst>
+                                  <p:childTnLst>
+                                    <p:set>
+                                      <p:cBhvr>
+                                        <p:cTn id="27" dur="1" fill="hold">
+                                          <p:stCondLst>
+                                            <p:cond delay="0"/>
+                                          </p:stCondLst>
+                                        </p:cTn>
+                                        <p:tgtEl>
+                                          <p:spTgt spid="2">
+                                            <p:txEl>
+                                              <p:pRg st="3" end="3"/>
+                                            </p:txEl>
+                                          </p:spTgt>
+                                        </p:tgtEl>
+                                        <p:attrNameLst>
+                                          <p:attrName>style.visibility</p:attrName>
+                                        </p:attrNameLst>
+                                      </p:cBhvr>
+                                      <p:to>
+                                        <p:strVal val="visible"/>
+                                      </p:to>
+                                    </p:set>
+                                    <p:anim calcmode="lin" valueType="num">
+                                      <p:cBhvr>
+                                        <p:cTn id="28" dur="500" fill="hold"/>
+                                        <p:tgtEl>
+                                          <p:spTgt spid="2">
+                                            <p:txEl>
+                                              <p:pRg st="3" end="3"/>
+                                            </p:txEl>
+                                          </p:spTgt>
+                                        </p:tgtEl>
+                                        <p:attrNameLst>
+                                          <p:attrName>ppt_w</p:attrName>
+                                        </p:attrNameLst>
+                                      </p:cBhvr>
+                                      <p:tavLst>
+                                        <p:tav tm="0">
+                                          <p:val>
+                                            <p:strVal val="#ppt_w*0.05"/>
+                                          </p:val>
+                                        </p:tav>
+                                        <p:tav tm="100000">
+                                          <p:val>
+                                            <p:strVal val="#ppt_w"/>
+                                          </p:val>
+                                        </p:tav>
+                                      </p:tavLst>
+                                    </p:anim>
+                                    <p:anim calcmode="lin" valueType="num">
+                                      <p:cBhvr>
+                                        <p:cTn id="29" dur="500" fill="hold"/>
+                                        <p:tgtEl>
+                                          <p:spTgt spid="2">
+                                            <p:txEl>
+                                              <p:pRg st="3" end="3"/>
+                                            </p:txEl>
+                                          </p:spTgt>
+                                        </p:tgtEl>
+                                        <p:attrNameLst>
+                                          <p:attrName>ppt_h</p:attrName>
+                                        </p:attrNameLst>
+                                      </p:cBhvr>
+                                      <p:tavLst>
+                                        <p:tav tm="0">
+                                          <p:val>
+                                            <p:strVal val="#ppt_h"/>
+                                          </p:val>
+                                        </p:tav>
+                                        <p:tav tm="100000">
+                                          <p:val>
+                                            <p:strVal val="#ppt_h"/>
+                                          </p:val>
+                                        </p:tav>
+                                      </p:tavLst>
+                                    </p:anim>
+                                    <p:anim calcmode="lin" valueType="num">
+                                      <p:cBhvr>
+                                        <p:cTn id="30" dur="500" fill="hold"/>
+                                        <p:tgtEl>
+                                          <p:spTgt spid="2">
+                                            <p:txEl>
+                                              <p:pRg st="3" end="3"/>
+                                            </p:txEl>
+                                          </p:spTgt>
+                                        </p:tgtEl>
+                                        <p:attrNameLst>
+                                          <p:attrName>ppt_x</p:attrName>
+                                        </p:attrNameLst>
+                                      </p:cBhvr>
+                                      <p:tavLst>
+                                        <p:tav tm="0">
+                                          <p:val>
+                                            <p:strVal val="#ppt_x-.2"/>
+                                          </p:val>
+                                        </p:tav>
+                                        <p:tav tm="100000">
+                                          <p:val>
+                                            <p:strVal val="#ppt_x"/>
+                                          </p:val>
+                                        </p:tav>
+                                      </p:tavLst>
+                                    </p:anim>
+                                    <p:anim calcmode="lin" valueType="num">
+                                      <p:cBhvr>
+                                        <p:cTn id="31" dur="500" fill="hold"/>
+                                        <p:tgtEl>
+                                          <p:spTgt spid="2">
+                                            <p:txEl>
+                                              <p:pRg st="3" end="3"/>
+                                            </p:txEl>
+                                          </p:spTgt>
+                                        </p:tgtEl>
+                                        <p:attrNameLst>
+                                          <p:attrName>ppt_y</p:attrName>
+                                        </p:attrNameLst>
+                                      </p:cBhvr>
+                                      <p:tavLst>
+                                        <p:tav tm="0">
+                                          <p:val>
+                                            <p:strVal val="#ppt_y"/>
+                                          </p:val>
+                                        </p:tav>
+                                        <p:tav tm="100000">
+                                          <p:val>
+                                            <p:strVal val="#ppt_y"/>
+                                          </p:val>
+                                        </p:tav>
+                                      </p:tavLst>
+                                    </p:anim>
+                                    <p:animEffect transition="in" filter="fade">
+                                      <p:cBhvr>
+                                        <p:cTn id="32" dur="500"/>
+                                        <p:tgtEl>
+                                          <p:spTgt spid="2">
+                                            <p:txEl>
+                                              <p:pRg st="3" end="3"/>
+                                            </p:txEl>
+                                          </p:spTgt>
+                                        </p:tgtEl>
+                                      </p:cBhvr>
+                                    </p:animEffect>
+                                  </p:childTnLst>
+                                </p:cTn>
+                              </p:par>
+                              <p:par>
+                                <p:cTn id="33" presetID="54" presetClass="entr" presetSubtype="0" accel="100000" fill="hold" grpId="0" nodeType="withEffect">
+                                  <p:stCondLst>
+                                    <p:cond delay="0"/>
+                                  </p:stCondLst>
+                                  <p:childTnLst>
+                                    <p:set>
+                                      <p:cBhvr>
+                                        <p:cTn id="34" dur="1" fill="hold">
+                                          <p:stCondLst>
+                                            <p:cond delay="0"/>
+                                          </p:stCondLst>
+                                        </p:cTn>
+                                        <p:tgtEl>
+                                          <p:spTgt spid="2">
+                                            <p:txEl>
+                                              <p:pRg st="4" end="4"/>
+                                            </p:txEl>
+                                          </p:spTgt>
+                                        </p:tgtEl>
+                                        <p:attrNameLst>
+                                          <p:attrName>style.visibility</p:attrName>
+                                        </p:attrNameLst>
+                                      </p:cBhvr>
+                                      <p:to>
+                                        <p:strVal val="visible"/>
+                                      </p:to>
+                                    </p:set>
+                                    <p:anim calcmode="lin" valueType="num">
+                                      <p:cBhvr>
+                                        <p:cTn id="35" dur="500" fill="hold"/>
+                                        <p:tgtEl>
+                                          <p:spTgt spid="2">
+                                            <p:txEl>
+                                              <p:pRg st="4" end="4"/>
+                                            </p:txEl>
+                                          </p:spTgt>
+                                        </p:tgtEl>
+                                        <p:attrNameLst>
+                                          <p:attrName>ppt_w</p:attrName>
+                                        </p:attrNameLst>
+                                      </p:cBhvr>
+                                      <p:tavLst>
+                                        <p:tav tm="0">
+                                          <p:val>
+                                            <p:strVal val="#ppt_w*0.05"/>
+                                          </p:val>
+                                        </p:tav>
+                                        <p:tav tm="100000">
+                                          <p:val>
+                                            <p:strVal val="#ppt_w"/>
+                                          </p:val>
+                                        </p:tav>
+                                      </p:tavLst>
+                                    </p:anim>
+                                    <p:anim calcmode="lin" valueType="num">
+                                      <p:cBhvr>
+                                        <p:cTn id="36" dur="500" fill="hold"/>
+                                        <p:tgtEl>
+                                          <p:spTgt spid="2">
+                                            <p:txEl>
+                                              <p:pRg st="4" end="4"/>
+                                            </p:txEl>
+                                          </p:spTgt>
+                                        </p:tgtEl>
+                                        <p:attrNameLst>
+                                          <p:attrName>ppt_h</p:attrName>
+                                        </p:attrNameLst>
+                                      </p:cBhvr>
+                                      <p:tavLst>
+                                        <p:tav tm="0">
+                                          <p:val>
+                                            <p:strVal val="#ppt_h"/>
+                                          </p:val>
+                                        </p:tav>
+                                        <p:tav tm="100000">
+                                          <p:val>
+                                            <p:strVal val="#ppt_h"/>
+                                          </p:val>
+                                        </p:tav>
+                                      </p:tavLst>
+                                    </p:anim>
+                                    <p:anim calcmode="lin" valueType="num">
+                                      <p:cBhvr>
+                                        <p:cTn id="37" dur="500" fill="hold"/>
+                                        <p:tgtEl>
+                                          <p:spTgt spid="2">
+                                            <p:txEl>
+                                              <p:pRg st="4" end="4"/>
+                                            </p:txEl>
+                                          </p:spTgt>
+                                        </p:tgtEl>
+                                        <p:attrNameLst>
+                                          <p:attrName>ppt_x</p:attrName>
+                                        </p:attrNameLst>
+                                      </p:cBhvr>
+                                      <p:tavLst>
+                                        <p:tav tm="0">
+                                          <p:val>
+                                            <p:strVal val="#ppt_x-.2"/>
+                                          </p:val>
+                                        </p:tav>
+                                        <p:tav tm="100000">
+                                          <p:val>
+                                            <p:strVal val="#ppt_x"/>
+                                          </p:val>
+                                        </p:tav>
+                                      </p:tavLst>
+                                    </p:anim>
+                                    <p:anim calcmode="lin" valueType="num">
+                                      <p:cBhvr>
+                                        <p:cTn id="38" dur="500" fill="hold"/>
+                                        <p:tgtEl>
+                                          <p:spTgt spid="2">
+                                            <p:txEl>
+                                              <p:pRg st="4" end="4"/>
+                                            </p:txEl>
+                                          </p:spTgt>
+                                        </p:tgtEl>
+                                        <p:attrNameLst>
+                                          <p:attrName>ppt_y</p:attrName>
+                                        </p:attrNameLst>
+                                      </p:cBhvr>
+                                      <p:tavLst>
+                                        <p:tav tm="0">
+                                          <p:val>
+                                            <p:strVal val="#ppt_y"/>
+                                          </p:val>
+                                        </p:tav>
+                                        <p:tav tm="100000">
+                                          <p:val>
+                                            <p:strVal val="#ppt_y"/>
+                                          </p:val>
+                                        </p:tav>
+                                      </p:tavLst>
+                                    </p:anim>
+                                    <p:animEffect transition="in" filter="fade">
+                                      <p:cBhvr>
+                                        <p:cTn id="39" dur="500"/>
+                                        <p:tgtEl>
+                                          <p:spTgt spid="2">
+                                            <p:txEl>
+                                              <p:pRg st="4" end="4"/>
+                                            </p:txEl>
+                                          </p:spTgt>
+                                        </p:tgtEl>
+                                      </p:cBhvr>
+                                    </p:animEffect>
+                                  </p:childTnLst>
+                                </p:cTn>
+                              </p:par>
+                            </p:childTnLst>
+                          </p:cTn>
+                        </p:par>
+                      </p:childTnLst>
+                    </p:cTn>
+                  </p:par>
+                  <p:par>
+                    <p:cTn id="40" fill="hold">
+                      <p:stCondLst>
+                        <p:cond delay="indefinite"/>
+                      </p:stCondLst>
+                      <p:childTnLst>
+                        <p:par>
+                          <p:cTn id="41" fill="hold">
+                            <p:stCondLst>
+                              <p:cond delay="0"/>
+                            </p:stCondLst>
+                            <p:childTnLst>
+                              <p:par>
+                                <p:cTn id="42" presetID="54" presetClass="entr" presetSubtype="0" accel="100000" fill="hold" grpId="0" nodeType="clickEffect">
+                                  <p:stCondLst>
+                                    <p:cond delay="0"/>
+                                  </p:stCondLst>
+                                  <p:childTnLst>
+                                    <p:set>
+                                      <p:cBhvr>
+                                        <p:cTn id="43" dur="1" fill="hold">
+                                          <p:stCondLst>
+                                            <p:cond delay="0"/>
+                                          </p:stCondLst>
+                                        </p:cTn>
+                                        <p:tgtEl>
+                                          <p:spTgt spid="2">
+                                            <p:txEl>
+                                              <p:pRg st="5" end="5"/>
+                                            </p:txEl>
+                                          </p:spTgt>
+                                        </p:tgtEl>
+                                        <p:attrNameLst>
+                                          <p:attrName>style.visibility</p:attrName>
+                                        </p:attrNameLst>
+                                      </p:cBhvr>
+                                      <p:to>
+                                        <p:strVal val="visible"/>
+                                      </p:to>
+                                    </p:set>
+                                    <p:anim calcmode="lin" valueType="num">
+                                      <p:cBhvr>
+                                        <p:cTn id="44" dur="500" fill="hold"/>
+                                        <p:tgtEl>
+                                          <p:spTgt spid="2">
+                                            <p:txEl>
+                                              <p:pRg st="5" end="5"/>
+                                            </p:txEl>
+                                          </p:spTgt>
+                                        </p:tgtEl>
+                                        <p:attrNameLst>
+                                          <p:attrName>ppt_w</p:attrName>
+                                        </p:attrNameLst>
+                                      </p:cBhvr>
+                                      <p:tavLst>
+                                        <p:tav tm="0">
+                                          <p:val>
+                                            <p:strVal val="#ppt_w*0.05"/>
+                                          </p:val>
+                                        </p:tav>
+                                        <p:tav tm="100000">
+                                          <p:val>
+                                            <p:strVal val="#ppt_w"/>
+                                          </p:val>
+                                        </p:tav>
+                                      </p:tavLst>
+                                    </p:anim>
+                                    <p:anim calcmode="lin" valueType="num">
+                                      <p:cBhvr>
+                                        <p:cTn id="45" dur="500" fill="hold"/>
+                                        <p:tgtEl>
+                                          <p:spTgt spid="2">
+                                            <p:txEl>
+                                              <p:pRg st="5" end="5"/>
+                                            </p:txEl>
+                                          </p:spTgt>
+                                        </p:tgtEl>
+                                        <p:attrNameLst>
+                                          <p:attrName>ppt_h</p:attrName>
+                                        </p:attrNameLst>
+                                      </p:cBhvr>
+                                      <p:tavLst>
+                                        <p:tav tm="0">
+                                          <p:val>
+                                            <p:strVal val="#ppt_h"/>
+                                          </p:val>
+                                        </p:tav>
+                                        <p:tav tm="100000">
+                                          <p:val>
+                                            <p:strVal val="#ppt_h"/>
+                                          </p:val>
+                                        </p:tav>
+                                      </p:tavLst>
+                                    </p:anim>
+                                    <p:anim calcmode="lin" valueType="num">
+                                      <p:cBhvr>
+                                        <p:cTn id="46" dur="500" fill="hold"/>
+                                        <p:tgtEl>
+                                          <p:spTgt spid="2">
+                                            <p:txEl>
+                                              <p:pRg st="5" end="5"/>
+                                            </p:txEl>
+                                          </p:spTgt>
+                                        </p:tgtEl>
+                                        <p:attrNameLst>
+                                          <p:attrName>ppt_x</p:attrName>
+                                        </p:attrNameLst>
+                                      </p:cBhvr>
+                                      <p:tavLst>
+                                        <p:tav tm="0">
+                                          <p:val>
+                                            <p:strVal val="#ppt_x-.2"/>
+                                          </p:val>
+                                        </p:tav>
+                                        <p:tav tm="100000">
+                                          <p:val>
+                                            <p:strVal val="#ppt_x"/>
+                                          </p:val>
+                                        </p:tav>
+                                      </p:tavLst>
+                                    </p:anim>
+                                    <p:anim calcmode="lin" valueType="num">
+                                      <p:cBhvr>
+                                        <p:cTn id="47" dur="500" fill="hold"/>
+                                        <p:tgtEl>
+                                          <p:spTgt spid="2">
+                                            <p:txEl>
+                                              <p:pRg st="5" end="5"/>
+                                            </p:txEl>
+                                          </p:spTgt>
+                                        </p:tgtEl>
+                                        <p:attrNameLst>
+                                          <p:attrName>ppt_y</p:attrName>
+                                        </p:attrNameLst>
+                                      </p:cBhvr>
+                                      <p:tavLst>
+                                        <p:tav tm="0">
+                                          <p:val>
+                                            <p:strVal val="#ppt_y"/>
+                                          </p:val>
+                                        </p:tav>
+                                        <p:tav tm="100000">
+                                          <p:val>
+                                            <p:strVal val="#ppt_y"/>
+                                          </p:val>
+                                        </p:tav>
+                                      </p:tavLst>
+                                    </p:anim>
+                                    <p:animEffect transition="in" filter="fade">
+                                      <p:cBhvr>
+                                        <p:cTn id="48" dur="500"/>
+                                        <p:tgtEl>
+                                          <p:spTgt spid="2">
+                                            <p:txEl>
+                                              <p:pRg st="5" end="5"/>
+                                            </p:txEl>
+                                          </p:spTgt>
+                                        </p:tgtEl>
+                                      </p:cBhvr>
+                                    </p:animEffect>
+                                  </p:childTnLst>
+                                </p:cTn>
+                              </p:par>
+                            </p:childTnLst>
+                          </p:cTn>
+                        </p:par>
+                      </p:childTnLst>
+                    </p:cTn>
+                  </p:par>
+                  <p:par>
+                    <p:cTn id="49" fill="hold">
+                      <p:stCondLst>
+                        <p:cond delay="indefinite"/>
+                      </p:stCondLst>
+                      <p:childTnLst>
+                        <p:par>
+                          <p:cTn id="50" fill="hold">
+                            <p:stCondLst>
+                              <p:cond delay="0"/>
+                            </p:stCondLst>
+                            <p:childTnLst>
+                              <p:par>
+                                <p:cTn id="51" presetID="54" presetClass="entr" presetSubtype="0" accel="100000" fill="hold" grpId="0" nodeType="clickEffect">
+                                  <p:stCondLst>
+                                    <p:cond delay="0"/>
+                                  </p:stCondLst>
+                                  <p:childTnLst>
+                                    <p:set>
+                                      <p:cBhvr>
+                                        <p:cTn id="52" dur="1" fill="hold">
+                                          <p:stCondLst>
+                                            <p:cond delay="0"/>
+                                          </p:stCondLst>
+                                        </p:cTn>
+                                        <p:tgtEl>
+                                          <p:spTgt spid="2">
+                                            <p:txEl>
                                               <p:pRg st="6" end="6"/>
                                             </p:txEl>
                                           </p:spTgt>
                                         </p:tgtEl>
                                         <p:attrNameLst>
+                                          <p:attrName>style.visibility</p:attrName>
+                                        </p:attrNameLst>
+                                      </p:cBhvr>
+                                      <p:to>
+                                        <p:strVal val="visible"/>
+                                      </p:to>
+                                    </p:set>
+                                    <p:anim calcmode="lin" valueType="num">
+                                      <p:cBhvr>
+                                        <p:cTn id="53" dur="500" fill="hold"/>
+                                        <p:tgtEl>
+                                          <p:spTgt spid="2">
+                                            <p:txEl>
+                                              <p:pRg st="6" end="6"/>
+                                            </p:txEl>
+                                          </p:spTgt>
+                                        </p:tgtEl>
+                                        <p:attrNameLst>
                                           <p:attrName>ppt_w</p:attrName>
                                         </p:attrNameLst>
                                       </p:cBhvr>
@@ -6574,7 +7558,7 @@
                                     </p:anim>
                                     <p:anim calcmode="lin" valueType="num">
                                       <p:cBhvr>
-                                        <p:cTn id="33" dur="500" fill="hold"/>
+                                        <p:cTn id="54" dur="500" fill="hold"/>
                                         <p:tgtEl>
                                           <p:spTgt spid="2">
                                             <p:txEl>
@@ -6601,7 +7585,7 @@
                                     </p:anim>
                                     <p:anim calcmode="lin" valueType="num">
                                       <p:cBhvr>
-                                        <p:cTn id="34" dur="500" fill="hold"/>
+                                        <p:cTn id="55" dur="500" fill="hold"/>
                                         <p:tgtEl>
                                           <p:spTgt spid="2">
                                             <p:txEl>
@@ -6628,7 +7612,7 @@
                                     </p:anim>
                                     <p:anim calcmode="lin" valueType="num">
                                       <p:cBhvr>
-                                        <p:cTn id="35" dur="500" fill="hold"/>
+                                        <p:cTn id="56" dur="500" fill="hold"/>
                                         <p:tgtEl>
                                           <p:spTgt spid="2">
                                             <p:txEl>
@@ -6655,11 +7639,180 @@
                                     </p:anim>
                                     <p:animEffect transition="in" filter="fade">
                                       <p:cBhvr>
-                                        <p:cTn id="36" dur="500"/>
+                                        <p:cTn id="57" dur="500"/>
                                         <p:tgtEl>
                                           <p:spTgt spid="2">
                                             <p:txEl>
                                               <p:pRg st="6" end="6"/>
+                                            </p:txEl>
+                                          </p:spTgt>
+                                        </p:tgtEl>
+                                      </p:cBhvr>
+                                    </p:animEffect>
+                                  </p:childTnLst>
+                                </p:cTn>
+                              </p:par>
+                            </p:childTnLst>
+                          </p:cTn>
+                        </p:par>
+                      </p:childTnLst>
+                    </p:cTn>
+                  </p:par>
+                  <p:par>
+                    <p:cTn id="58" fill="hold">
+                      <p:stCondLst>
+                        <p:cond delay="indefinite"/>
+                      </p:stCondLst>
+                      <p:childTnLst>
+                        <p:par>
+                          <p:cTn id="59" fill="hold">
+                            <p:stCondLst>
+                              <p:cond delay="0"/>
+                            </p:stCondLst>
+                            <p:childTnLst>
+                              <p:par>
+                                <p:cTn id="60" presetID="54" presetClass="entr" presetSubtype="0" accel="100000" fill="hold" grpId="0" nodeType="clickEffect">
+                                  <p:stCondLst>
+                                    <p:cond delay="0"/>
+                                  </p:stCondLst>
+                                  <p:childTnLst>
+                                    <p:set>
+                                      <p:cBhvr>
+                                        <p:cTn id="61" dur="1" fill="hold">
+                                          <p:stCondLst>
+                                            <p:cond delay="0"/>
+                                          </p:stCondLst>
+                                        </p:cTn>
+                                        <p:tgtEl>
+                                          <p:spTgt spid="2">
+                                            <p:txEl>
+                                              <p:pRg st="7" end="7"/>
+                                            </p:txEl>
+                                          </p:spTgt>
+                                        </p:tgtEl>
+                                        <p:attrNameLst>
+                                          <p:attrName>style.visibility</p:attrName>
+                                        </p:attrNameLst>
+                                      </p:cBhvr>
+                                      <p:to>
+                                        <p:strVal val="visible"/>
+                                      </p:to>
+                                    </p:set>
+                                    <p:anim calcmode="lin" valueType="num">
+                                      <p:cBhvr>
+                                        <p:cTn id="62" dur="500" fill="hold"/>
+                                        <p:tgtEl>
+                                          <p:spTgt spid="2">
+                                            <p:txEl>
+                                              <p:pRg st="7" end="7"/>
+                                            </p:txEl>
+                                          </p:spTgt>
+                                        </p:tgtEl>
+                                        <p:attrNameLst>
+                                          <p:attrName>ppt_w</p:attrName>
+                                        </p:attrNameLst>
+                                      </p:cBhvr>
+                                      <p:tavLst>
+                                        <p:tav tm="0">
+                                          <p:val>
+                                            <p:strVal val="#ppt_w*0.05"/>
+                                          </p:val>
+                                        </p:tav>
+                                        <p:tav tm="100000">
+                                          <p:val>
+                                            <p:strVal val="#ppt_w"/>
+                                          </p:val>
+                                        </p:tav>
+                                      </p:tavLst>
+                                    </p:anim>
+                                    <p:anim calcmode="lin" valueType="num">
+                                      <p:cBhvr>
+                                        <p:cTn id="63" dur="500" fill="hold"/>
+                                        <p:tgtEl>
+                                          <p:spTgt spid="2">
+                                            <p:txEl>
+                                              <p:pRg st="7" end="7"/>
+                                            </p:txEl>
+                                          </p:spTgt>
+                                        </p:tgtEl>
+                                        <p:attrNameLst>
+                                          <p:attrName>ppt_h</p:attrName>
+                                        </p:attrNameLst>
+                                      </p:cBhvr>
+                                      <p:tavLst>
+                                        <p:tav tm="0">
+                                          <p:val>
+                                            <p:strVal val="#ppt_h"/>
+                                          </p:val>
+                                        </p:tav>
+                                        <p:tav tm="100000">
+                                          <p:val>
+                                            <p:strVal val="#ppt_h"/>
+                                          </p:val>
+                                        </p:tav>
+                                      </p:tavLst>
+                                    </p:anim>
+                                    <p:anim calcmode="lin" valueType="num">
+                                      <p:cBhvr>
+                                        <p:cTn id="64" dur="500" fill="hold"/>
+                                        <p:tgtEl>
+                                          <p:spTgt spid="2">
+                                            <p:txEl>
+                                              <p:pRg st="7" end="7"/>
+                                            </p:txEl>
+                                          </p:spTgt>
+                                        </p:tgtEl>
+                                        <p:attrNameLst>
+                                          <p:attrName>ppt_x</p:attrName>
+                                        </p:attrNameLst>
+                                      </p:cBhvr>
+                                      <p:tavLst>
+                                        <p:tav tm="0">
+                                          <p:val>
+                                            <p:strVal val="#ppt_x-.2"/>
+                                          </p:val>
+                                        </p:tav>
+                                        <p:tav tm="100000">
+                                          <p:val>
+                                            <p:strVal val="#ppt_x"/>
+                                          </p:val>
+                                        </p:tav>
+                                      </p:tavLst>
+                                    </p:anim>
+                                    <p:anim calcmode="lin" valueType="num">
+                                      <p:cBhvr>
+                                        <p:cTn id="65" dur="500" fill="hold"/>
+                                        <p:tgtEl>
+                                          <p:spTgt spid="2">
+                                            <p:txEl>
+                                              <p:pRg st="7" end="7"/>
+                                            </p:txEl>
+                                          </p:spTgt>
+                                        </p:tgtEl>
+                                        <p:attrNameLst>
+                                          <p:attrName>ppt_y</p:attrName>
+                                        </p:attrNameLst>
+                                      </p:cBhvr>
+                                      <p:tavLst>
+                                        <p:tav tm="0">
+                                          <p:val>
+                                            <p:strVal val="#ppt_y"/>
+                                          </p:val>
+                                        </p:tav>
+                                        <p:tav tm="100000">
+                                          <p:val>
+                                            <p:strVal val="#ppt_y"/>
+                                          </p:val>
+                                        </p:tav>
+                                      </p:tavLst>
+                                    </p:anim>
+                                    <p:animEffect transition="in" filter="fade">
+                                      <p:cBhvr>
+                                        <p:cTn id="66" dur="500"/>
+                                        <p:tgtEl>
+                                          <p:spTgt spid="2">
+                                            <p:txEl>
+                                              <p:pRg st="7" end="7"/>
                                             </p:txEl>
                                           </p:spTgt>
                                         </p:tgtEl>
@@ -6729,25 +7882,10 @@
             <p:ph idx="1"/>
           </p:nvPr>
         </p:nvSpPr>
-        <p:spPr>
-          <a:xfrm>
-            <a:off x="457200" y="1524000"/>
-            <a:ext cx="8229600" cy="4525963"/>
-          </a:xfrm>
-        </p:spPr>
+        <p:spPr/>
         <p:txBody>
           <a:bodyPr/>
           <a:lstStyle/>
-          <a:p>
-            <a:endParaRPr lang="fr-FR" dirty="0" smtClean="0">
-              <a:solidFill>
-                <a:schemeClr val="tx1">
-                  <a:lumMod val="85000"/>
-                  <a:lumOff val="15000"/>
-                </a:schemeClr>
-              </a:solidFill>
-            </a:endParaRPr>
-          </a:p>
           <a:p>
             <a:r>
               <a:rPr lang="fr-FR" dirty="0" smtClean="0">
@@ -6758,7 +7896,7 @@
                   </a:schemeClr>
                 </a:solidFill>
               </a:rPr>
-              <a:t>Linux (Debian 7)</a:t>
+              <a:t>Serveur LAMP</a:t>
             </a:r>
           </a:p>
           <a:p>
@@ -6771,7 +7909,7 @@
                   </a:schemeClr>
                 </a:solidFill>
               </a:rPr>
-              <a:t>LAMP (Apache 2, MySQL 5.5, PHP 5.1)</a:t>
+              <a:t>Base de donnée + peuplement</a:t>
             </a:r>
           </a:p>
           <a:p>
@@ -6784,7 +7922,7 @@
                   </a:schemeClr>
                 </a:solidFill>
               </a:rPr>
-              <a:t>HTML 5</a:t>
+              <a:t>Structure du site</a:t>
             </a:r>
           </a:p>
           <a:p>
@@ -6797,10 +7935,11 @@
                   </a:schemeClr>
                 </a:solidFill>
               </a:rPr>
-              <a:t>PHP 5</a:t>
+              <a:t>Interface </a:t>
             </a:r>
           </a:p>
           <a:p>
+            <a:pPr lvl="1"/>
             <a:r>
               <a:rPr lang="fr-FR" dirty="0" smtClean="0">
                 <a:solidFill>
@@ -6810,10 +7949,11 @@
                   </a:schemeClr>
                 </a:solidFill>
               </a:rPr>
-              <a:t>CSS3</a:t>
+              <a:t>CSS</a:t>
             </a:r>
           </a:p>
           <a:p>
+            <a:pPr lvl="1"/>
             <a:r>
               <a:rPr lang="fr-FR" dirty="0" smtClean="0">
                 <a:solidFill>
@@ -6823,14 +7963,8 @@
                   </a:schemeClr>
                 </a:solidFill>
               </a:rPr>
-              <a:t>Javascript</a:t>
+              <a:t>Génération de code HTML via PHP</a:t>
             </a:r>
-          </a:p>
-          <a:p>
-            <a:pPr>
-              <a:buNone/>
-            </a:pPr>
-            <a:endParaRPr lang="fr-FR" dirty="0"/>
           </a:p>
         </p:txBody>
       </p:sp>
@@ -6851,7 +7985,7 @@
           <a:p>
             <a:r>
               <a:rPr lang="fr-FR" dirty="0" smtClean="0"/>
-              <a:t>Technologies utilisées</a:t>
+              <a:t>Réalisé </a:t>
             </a:r>
             <a:endParaRPr lang="fr-FR" dirty="0"/>
           </a:p>
@@ -6865,9 +7999,1049 @@
   <p:timing>
     <p:tnLst>
       <p:par>
-        <p:cTn id="1" dur="indefinite" restart="never" nodeType="tmRoot"/>
+        <p:cTn id="1" dur="indefinite" restart="never" nodeType="tmRoot">
+          <p:childTnLst>
+            <p:seq concurrent="1" nextAc="seek">
+              <p:cTn id="2" dur="indefinite" nodeType="mainSeq">
+                <p:childTnLst>
+                  <p:par>
+                    <p:cTn id="3" fill="hold">
+                      <p:stCondLst>
+                        <p:cond delay="indefinite"/>
+                      </p:stCondLst>
+                      <p:childTnLst>
+                        <p:par>
+                          <p:cTn id="4" fill="hold">
+                            <p:stCondLst>
+                              <p:cond delay="0"/>
+                            </p:stCondLst>
+                            <p:childTnLst>
+                              <p:par>
+                                <p:cTn id="5" presetID="54" presetClass="entr" presetSubtype="0" accel="100000" fill="hold" grpId="0" nodeType="clickEffect">
+                                  <p:stCondLst>
+                                    <p:cond delay="0"/>
+                                  </p:stCondLst>
+                                  <p:childTnLst>
+                                    <p:set>
+                                      <p:cBhvr>
+                                        <p:cTn id="6" dur="1" fill="hold">
+                                          <p:stCondLst>
+                                            <p:cond delay="0"/>
+                                          </p:stCondLst>
+                                        </p:cTn>
+                                        <p:tgtEl>
+                                          <p:spTgt spid="2">
+                                            <p:txEl>
+                                              <p:pRg st="0" end="0"/>
+                                            </p:txEl>
+                                          </p:spTgt>
+                                        </p:tgtEl>
+                                        <p:attrNameLst>
+                                          <p:attrName>style.visibility</p:attrName>
+                                        </p:attrNameLst>
+                                      </p:cBhvr>
+                                      <p:to>
+                                        <p:strVal val="visible"/>
+                                      </p:to>
+                                    </p:set>
+                                    <p:anim calcmode="lin" valueType="num">
+                                      <p:cBhvr>
+                                        <p:cTn id="7" dur="500" fill="hold"/>
+                                        <p:tgtEl>
+                                          <p:spTgt spid="2">
+                                            <p:txEl>
+                                              <p:pRg st="0" end="0"/>
+                                            </p:txEl>
+                                          </p:spTgt>
+                                        </p:tgtEl>
+                                        <p:attrNameLst>
+                                          <p:attrName>ppt_w</p:attrName>
+                                        </p:attrNameLst>
+                                      </p:cBhvr>
+                                      <p:tavLst>
+                                        <p:tav tm="0">
+                                          <p:val>
+                                            <p:strVal val="#ppt_w*0.05"/>
+                                          </p:val>
+                                        </p:tav>
+                                        <p:tav tm="100000">
+                                          <p:val>
+                                            <p:strVal val="#ppt_w"/>
+                                          </p:val>
+                                        </p:tav>
+                                      </p:tavLst>
+                                    </p:anim>
+                                    <p:anim calcmode="lin" valueType="num">
+                                      <p:cBhvr>
+                                        <p:cTn id="8" dur="500" fill="hold"/>
+                                        <p:tgtEl>
+                                          <p:spTgt spid="2">
+                                            <p:txEl>
+                                              <p:pRg st="0" end="0"/>
+                                            </p:txEl>
+                                          </p:spTgt>
+                                        </p:tgtEl>
+                                        <p:attrNameLst>
+                                          <p:attrName>ppt_h</p:attrName>
+                                        </p:attrNameLst>
+                                      </p:cBhvr>
+                                      <p:tavLst>
+                                        <p:tav tm="0">
+                                          <p:val>
+                                            <p:strVal val="#ppt_h"/>
+                                          </p:val>
+                                        </p:tav>
+                                        <p:tav tm="100000">
+                                          <p:val>
+                                            <p:strVal val="#ppt_h"/>
+                                          </p:val>
+                                        </p:tav>
+                                      </p:tavLst>
+                                    </p:anim>
+                                    <p:anim calcmode="lin" valueType="num">
+                                      <p:cBhvr>
+                                        <p:cTn id="9" dur="500" fill="hold"/>
+                                        <p:tgtEl>
+                                          <p:spTgt spid="2">
+                                            <p:txEl>
+                                              <p:pRg st="0" end="0"/>
+                                            </p:txEl>
+                                          </p:spTgt>
+                                        </p:tgtEl>
+                                        <p:attrNameLst>
+                                          <p:attrName>ppt_x</p:attrName>
+                                        </p:attrNameLst>
+                                      </p:cBhvr>
+                                      <p:tavLst>
+                                        <p:tav tm="0">
+                                          <p:val>
+                                            <p:strVal val="#ppt_x-.2"/>
+                                          </p:val>
+                                        </p:tav>
+                                        <p:tav tm="100000">
+                                          <p:val>
+                                            <p:strVal val="#ppt_x"/>
+                                          </p:val>
+                                        </p:tav>
+                                      </p:tavLst>
+                                    </p:anim>
+                                    <p:anim calcmode="lin" valueType="num">
+                                      <p:cBhvr>
+                                        <p:cTn id="10" dur="500" fill="hold"/>
+                                        <p:tgtEl>
+                                          <p:spTgt spid="2">
+                                            <p:txEl>
+                                              <p:pRg st="0" end="0"/>
+                                            </p:txEl>
+                                          </p:spTgt>
+                                        </p:tgtEl>
+                                        <p:attrNameLst>
+                                          <p:attrName>ppt_y</p:attrName>
+                                        </p:attrNameLst>
+                                      </p:cBhvr>
+                                      <p:tavLst>
+                                        <p:tav tm="0">
+                                          <p:val>
+                                            <p:strVal val="#ppt_y"/>
+                                          </p:val>
+                                        </p:tav>
+                                        <p:tav tm="100000">
+                                          <p:val>
+                                            <p:strVal val="#ppt_y"/>
+                                          </p:val>
+                                        </p:tav>
+                                      </p:tavLst>
+                                    </p:anim>
+                                    <p:animEffect transition="in" filter="fade">
+                                      <p:cBhvr>
+                                        <p:cTn id="11" dur="500"/>
+                                        <p:tgtEl>
+                                          <p:spTgt spid="2">
+                                            <p:txEl>
+                                              <p:pRg st="0" end="0"/>
+                                            </p:txEl>
+                                          </p:spTgt>
+                                        </p:tgtEl>
+                                      </p:cBhvr>
+                                    </p:animEffect>
+                                  </p:childTnLst>
+                                </p:cTn>
+                              </p:par>
+                            </p:childTnLst>
+                          </p:cTn>
+                        </p:par>
+                      </p:childTnLst>
+                    </p:cTn>
+                  </p:par>
+                  <p:par>
+                    <p:cTn id="12" fill="hold">
+                      <p:stCondLst>
+                        <p:cond delay="indefinite"/>
+                      </p:stCondLst>
+                      <p:childTnLst>
+                        <p:par>
+                          <p:cTn id="13" fill="hold">
+                            <p:stCondLst>
+                              <p:cond delay="0"/>
+                            </p:stCondLst>
+                            <p:childTnLst>
+                              <p:par>
+                                <p:cTn id="14" presetID="54" presetClass="entr" presetSubtype="0" accel="100000" fill="hold" grpId="0" nodeType="clickEffect">
+                                  <p:stCondLst>
+                                    <p:cond delay="0"/>
+                                  </p:stCondLst>
+                                  <p:childTnLst>
+                                    <p:set>
+                                      <p:cBhvr>
+                                        <p:cTn id="15" dur="1" fill="hold">
+                                          <p:stCondLst>
+                                            <p:cond delay="0"/>
+                                          </p:stCondLst>
+                                        </p:cTn>
+                                        <p:tgtEl>
+                                          <p:spTgt spid="2">
+                                            <p:txEl>
+                                              <p:pRg st="1" end="1"/>
+                                            </p:txEl>
+                                          </p:spTgt>
+                                        </p:tgtEl>
+                                        <p:attrNameLst>
+                                          <p:attrName>style.visibility</p:attrName>
+                                        </p:attrNameLst>
+                                      </p:cBhvr>
+                                      <p:to>
+                                        <p:strVal val="visible"/>
+                                      </p:to>
+                                    </p:set>
+                                    <p:anim calcmode="lin" valueType="num">
+                                      <p:cBhvr>
+                                        <p:cTn id="16" dur="500" fill="hold"/>
+                                        <p:tgtEl>
+                                          <p:spTgt spid="2">
+                                            <p:txEl>
+                                              <p:pRg st="1" end="1"/>
+                                            </p:txEl>
+                                          </p:spTgt>
+                                        </p:tgtEl>
+                                        <p:attrNameLst>
+                                          <p:attrName>ppt_w</p:attrName>
+                                        </p:attrNameLst>
+                                      </p:cBhvr>
+                                      <p:tavLst>
+                                        <p:tav tm="0">
+                                          <p:val>
+                                            <p:strVal val="#ppt_w*0.05"/>
+                                          </p:val>
+                                        </p:tav>
+                                        <p:tav tm="100000">
+                                          <p:val>
+                                            <p:strVal val="#ppt_w"/>
+                                          </p:val>
+                                        </p:tav>
+                                      </p:tavLst>
+                                    </p:anim>
+                                    <p:anim calcmode="lin" valueType="num">
+                                      <p:cBhvr>
+                                        <p:cTn id="17" dur="500" fill="hold"/>
+                                        <p:tgtEl>
+                                          <p:spTgt spid="2">
+                                            <p:txEl>
+                                              <p:pRg st="1" end="1"/>
+                                            </p:txEl>
+                                          </p:spTgt>
+                                        </p:tgtEl>
+                                        <p:attrNameLst>
+                                          <p:attrName>ppt_h</p:attrName>
+                                        </p:attrNameLst>
+                                      </p:cBhvr>
+                                      <p:tavLst>
+                                        <p:tav tm="0">
+                                          <p:val>
+                                            <p:strVal val="#ppt_h"/>
+                                          </p:val>
+                                        </p:tav>
+                                        <p:tav tm="100000">
+                                          <p:val>
+                                            <p:strVal val="#ppt_h"/>
+                                          </p:val>
+                                        </p:tav>
+                                      </p:tavLst>
+                                    </p:anim>
+                                    <p:anim calcmode="lin" valueType="num">
+                                      <p:cBhvr>
+                                        <p:cTn id="18" dur="500" fill="hold"/>
+                                        <p:tgtEl>
+                                          <p:spTgt spid="2">
+                                            <p:txEl>
+                                              <p:pRg st="1" end="1"/>
+                                            </p:txEl>
+                                          </p:spTgt>
+                                        </p:tgtEl>
+                                        <p:attrNameLst>
+                                          <p:attrName>ppt_x</p:attrName>
+                                        </p:attrNameLst>
+                                      </p:cBhvr>
+                                      <p:tavLst>
+                                        <p:tav tm="0">
+                                          <p:val>
+                                            <p:strVal val="#ppt_x-.2"/>
+                                          </p:val>
+                                        </p:tav>
+                                        <p:tav tm="100000">
+                                          <p:val>
+                                            <p:strVal val="#ppt_x"/>
+                                          </p:val>
+                                        </p:tav>
+                                      </p:tavLst>
+                                    </p:anim>
+                                    <p:anim calcmode="lin" valueType="num">
+                                      <p:cBhvr>
+                                        <p:cTn id="19" dur="500" fill="hold"/>
+                                        <p:tgtEl>
+                                          <p:spTgt spid="2">
+                                            <p:txEl>
+                                              <p:pRg st="1" end="1"/>
+                                            </p:txEl>
+                                          </p:spTgt>
+                                        </p:tgtEl>
+                                        <p:attrNameLst>
+                                          <p:attrName>ppt_y</p:attrName>
+                                        </p:attrNameLst>
+                                      </p:cBhvr>
+                                      <p:tavLst>
+                                        <p:tav tm="0">
+                                          <p:val>
+                                            <p:strVal val="#ppt_y"/>
+                                          </p:val>
+                                        </p:tav>
+                                        <p:tav tm="100000">
+                                          <p:val>
+                                            <p:strVal val="#ppt_y"/>
+                                          </p:val>
+                                        </p:tav>
+                                      </p:tavLst>
+                                    </p:anim>
+                                    <p:animEffect transition="in" filter="fade">
+                                      <p:cBhvr>
+                                        <p:cTn id="20" dur="500"/>
+                                        <p:tgtEl>
+                                          <p:spTgt spid="2">
+                                            <p:txEl>
+                                              <p:pRg st="1" end="1"/>
+                                            </p:txEl>
+                                          </p:spTgt>
+                                        </p:tgtEl>
+                                      </p:cBhvr>
+                                    </p:animEffect>
+                                  </p:childTnLst>
+                                </p:cTn>
+                              </p:par>
+                            </p:childTnLst>
+                          </p:cTn>
+                        </p:par>
+                      </p:childTnLst>
+                    </p:cTn>
+                  </p:par>
+                  <p:par>
+                    <p:cTn id="21" fill="hold">
+                      <p:stCondLst>
+                        <p:cond delay="indefinite"/>
+                      </p:stCondLst>
+                      <p:childTnLst>
+                        <p:par>
+                          <p:cTn id="22" fill="hold">
+                            <p:stCondLst>
+                              <p:cond delay="0"/>
+                            </p:stCondLst>
+                            <p:childTnLst>
+                              <p:par>
+                                <p:cTn id="23" presetID="54" presetClass="entr" presetSubtype="0" accel="100000" fill="hold" grpId="0" nodeType="clickEffect">
+                                  <p:stCondLst>
+                                    <p:cond delay="0"/>
+                                  </p:stCondLst>
+                                  <p:childTnLst>
+                                    <p:set>
+                                      <p:cBhvr>
+                                        <p:cTn id="24" dur="1" fill="hold">
+                                          <p:stCondLst>
+                                            <p:cond delay="0"/>
+                                          </p:stCondLst>
+                                        </p:cTn>
+                                        <p:tgtEl>
+                                          <p:spTgt spid="2">
+                                            <p:txEl>
+                                              <p:pRg st="2" end="2"/>
+                                            </p:txEl>
+                                          </p:spTgt>
+                                        </p:tgtEl>
+                                        <p:attrNameLst>
+                                          <p:attrName>style.visibility</p:attrName>
+                                        </p:attrNameLst>
+                                      </p:cBhvr>
+                                      <p:to>
+                                        <p:strVal val="visible"/>
+                                      </p:to>
+                                    </p:set>
+                                    <p:anim calcmode="lin" valueType="num">
+                                      <p:cBhvr>
+                                        <p:cTn id="25" dur="500" fill="hold"/>
+                                        <p:tgtEl>
+                                          <p:spTgt spid="2">
+                                            <p:txEl>
+                                              <p:pRg st="2" end="2"/>
+                                            </p:txEl>
+                                          </p:spTgt>
+                                        </p:tgtEl>
+                                        <p:attrNameLst>
+                                          <p:attrName>ppt_w</p:attrName>
+                                        </p:attrNameLst>
+                                      </p:cBhvr>
+                                      <p:tavLst>
+                                        <p:tav tm="0">
+                                          <p:val>
+                                            <p:strVal val="#ppt_w*0.05"/>
+                                          </p:val>
+                                        </p:tav>
+                                        <p:tav tm="100000">
+                                          <p:val>
+                                            <p:strVal val="#ppt_w"/>
+                                          </p:val>
+                                        </p:tav>
+                                      </p:tavLst>
+                                    </p:anim>
+                                    <p:anim calcmode="lin" valueType="num">
+                                      <p:cBhvr>
+                                        <p:cTn id="26" dur="500" fill="hold"/>
+                                        <p:tgtEl>
+                                          <p:spTgt spid="2">
+                                            <p:txEl>
+                                              <p:pRg st="2" end="2"/>
+                                            </p:txEl>
+                                          </p:spTgt>
+                                        </p:tgtEl>
+                                        <p:attrNameLst>
+                                          <p:attrName>ppt_h</p:attrName>
+                                        </p:attrNameLst>
+                                      </p:cBhvr>
+                                      <p:tavLst>
+                                        <p:tav tm="0">
+                                          <p:val>
+                                            <p:strVal val="#ppt_h"/>
+                                          </p:val>
+                                        </p:tav>
+                                        <p:tav tm="100000">
+                                          <p:val>
+                                            <p:strVal val="#ppt_h"/>
+                                          </p:val>
+                                        </p:tav>
+                                      </p:tavLst>
+                                    </p:anim>
+                                    <p:anim calcmode="lin" valueType="num">
+                                      <p:cBhvr>
+                                        <p:cTn id="27" dur="500" fill="hold"/>
+                                        <p:tgtEl>
+                                          <p:spTgt spid="2">
+                                            <p:txEl>
+                                              <p:pRg st="2" end="2"/>
+                                            </p:txEl>
+                                          </p:spTgt>
+                                        </p:tgtEl>
+                                        <p:attrNameLst>
+                                          <p:attrName>ppt_x</p:attrName>
+                                        </p:attrNameLst>
+                                      </p:cBhvr>
+                                      <p:tavLst>
+                                        <p:tav tm="0">
+                                          <p:val>
+                                            <p:strVal val="#ppt_x-.2"/>
+                                          </p:val>
+                                        </p:tav>
+                                        <p:tav tm="100000">
+                                          <p:val>
+                                            <p:strVal val="#ppt_x"/>
+                                          </p:val>
+                                        </p:tav>
+                                      </p:tavLst>
+                                    </p:anim>
+                                    <p:anim calcmode="lin" valueType="num">
+                                      <p:cBhvr>
+                                        <p:cTn id="28" dur="500" fill="hold"/>
+                                        <p:tgtEl>
+                                          <p:spTgt spid="2">
+                                            <p:txEl>
+                                              <p:pRg st="2" end="2"/>
+                                            </p:txEl>
+                                          </p:spTgt>
+                                        </p:tgtEl>
+                                        <p:attrNameLst>
+                                          <p:attrName>ppt_y</p:attrName>
+                                        </p:attrNameLst>
+                                      </p:cBhvr>
+                                      <p:tavLst>
+                                        <p:tav tm="0">
+                                          <p:val>
+                                            <p:strVal val="#ppt_y"/>
+                                          </p:val>
+                                        </p:tav>
+                                        <p:tav tm="100000">
+                                          <p:val>
+                                            <p:strVal val="#ppt_y"/>
+                                          </p:val>
+                                        </p:tav>
+                                      </p:tavLst>
+                                    </p:anim>
+                                    <p:animEffect transition="in" filter="fade">
+                                      <p:cBhvr>
+                                        <p:cTn id="29" dur="500"/>
+                                        <p:tgtEl>
+                                          <p:spTgt spid="2">
+                                            <p:txEl>
+                                              <p:pRg st="2" end="2"/>
+                                            </p:txEl>
+                                          </p:spTgt>
+                                        </p:tgtEl>
+                                      </p:cBhvr>
+                                    </p:animEffect>
+                                  </p:childTnLst>
+                                </p:cTn>
+                              </p:par>
+                            </p:childTnLst>
+                          </p:cTn>
+                        </p:par>
+                      </p:childTnLst>
+                    </p:cTn>
+                  </p:par>
+                  <p:par>
+                    <p:cTn id="30" fill="hold">
+                      <p:stCondLst>
+                        <p:cond delay="indefinite"/>
+                      </p:stCondLst>
+                      <p:childTnLst>
+                        <p:par>
+                          <p:cTn id="31" fill="hold">
+                            <p:stCondLst>
+                              <p:cond delay="0"/>
+                            </p:stCondLst>
+                            <p:childTnLst>
+                              <p:par>
+                                <p:cTn id="32" presetID="54" presetClass="entr" presetSubtype="0" accel="100000" fill="hold" grpId="0" nodeType="clickEffect">
+                                  <p:stCondLst>
+                                    <p:cond delay="0"/>
+                                  </p:stCondLst>
+                                  <p:childTnLst>
+                                    <p:set>
+                                      <p:cBhvr>
+                                        <p:cTn id="33" dur="1" fill="hold">
+                                          <p:stCondLst>
+                                            <p:cond delay="0"/>
+                                          </p:stCondLst>
+                                        </p:cTn>
+                                        <p:tgtEl>
+                                          <p:spTgt spid="2">
+                                            <p:txEl>
+                                              <p:pRg st="3" end="3"/>
+                                            </p:txEl>
+                                          </p:spTgt>
+                                        </p:tgtEl>
+                                        <p:attrNameLst>
+                                          <p:attrName>style.visibility</p:attrName>
+                                        </p:attrNameLst>
+                                      </p:cBhvr>
+                                      <p:to>
+                                        <p:strVal val="visible"/>
+                                      </p:to>
+                                    </p:set>
+                                    <p:anim calcmode="lin" valueType="num">
+                                      <p:cBhvr>
+                                        <p:cTn id="34" dur="500" fill="hold"/>
+                                        <p:tgtEl>
+                                          <p:spTgt spid="2">
+                                            <p:txEl>
+                                              <p:pRg st="3" end="3"/>
+                                            </p:txEl>
+                                          </p:spTgt>
+                                        </p:tgtEl>
+                                        <p:attrNameLst>
+                                          <p:attrName>ppt_w</p:attrName>
+                                        </p:attrNameLst>
+                                      </p:cBhvr>
+                                      <p:tavLst>
+                                        <p:tav tm="0">
+                                          <p:val>
+                                            <p:strVal val="#ppt_w*0.05"/>
+                                          </p:val>
+                                        </p:tav>
+                                        <p:tav tm="100000">
+                                          <p:val>
+                                            <p:strVal val="#ppt_w"/>
+                                          </p:val>
+                                        </p:tav>
+                                      </p:tavLst>
+                                    </p:anim>
+                                    <p:anim calcmode="lin" valueType="num">
+                                      <p:cBhvr>
+                                        <p:cTn id="35" dur="500" fill="hold"/>
+                                        <p:tgtEl>
+                                          <p:spTgt spid="2">
+                                            <p:txEl>
+                                              <p:pRg st="3" end="3"/>
+                                            </p:txEl>
+                                          </p:spTgt>
+                                        </p:tgtEl>
+                                        <p:attrNameLst>
+                                          <p:attrName>ppt_h</p:attrName>
+                                        </p:attrNameLst>
+                                      </p:cBhvr>
+                                      <p:tavLst>
+                                        <p:tav tm="0">
+                                          <p:val>
+                                            <p:strVal val="#ppt_h"/>
+                                          </p:val>
+                                        </p:tav>
+                                        <p:tav tm="100000">
+                                          <p:val>
+                                            <p:strVal val="#ppt_h"/>
+                                          </p:val>
+                                        </p:tav>
+                                      </p:tavLst>
+                                    </p:anim>
+                                    <p:anim calcmode="lin" valueType="num">
+                                      <p:cBhvr>
+                                        <p:cTn id="36" dur="500" fill="hold"/>
+                                        <p:tgtEl>
+                                          <p:spTgt spid="2">
+                                            <p:txEl>
+                                              <p:pRg st="3" end="3"/>
+                                            </p:txEl>
+                                          </p:spTgt>
+                                        </p:tgtEl>
+                                        <p:attrNameLst>
+                                          <p:attrName>ppt_x</p:attrName>
+                                        </p:attrNameLst>
+                                      </p:cBhvr>
+                                      <p:tavLst>
+                                        <p:tav tm="0">
+                                          <p:val>
+                                            <p:strVal val="#ppt_x-.2"/>
+                                          </p:val>
+                                        </p:tav>
+                                        <p:tav tm="100000">
+                                          <p:val>
+                                            <p:strVal val="#ppt_x"/>
+                                          </p:val>
+                                        </p:tav>
+                                      </p:tavLst>
+                                    </p:anim>
+                                    <p:anim calcmode="lin" valueType="num">
+                                      <p:cBhvr>
+                                        <p:cTn id="37" dur="500" fill="hold"/>
+                                        <p:tgtEl>
+                                          <p:spTgt spid="2">
+                                            <p:txEl>
+                                              <p:pRg st="3" end="3"/>
+                                            </p:txEl>
+                                          </p:spTgt>
+                                        </p:tgtEl>
+                                        <p:attrNameLst>
+                                          <p:attrName>ppt_y</p:attrName>
+                                        </p:attrNameLst>
+                                      </p:cBhvr>
+                                      <p:tavLst>
+                                        <p:tav tm="0">
+                                          <p:val>
+                                            <p:strVal val="#ppt_y"/>
+                                          </p:val>
+                                        </p:tav>
+                                        <p:tav tm="100000">
+                                          <p:val>
+                                            <p:strVal val="#ppt_y"/>
+                                          </p:val>
+                                        </p:tav>
+                                      </p:tavLst>
+                                    </p:anim>
+                                    <p:animEffect transition="in" filter="fade">
+                                      <p:cBhvr>
+                                        <p:cTn id="38" dur="500"/>
+                                        <p:tgtEl>
+                                          <p:spTgt spid="2">
+                                            <p:txEl>
+                                              <p:pRg st="3" end="3"/>
+                                            </p:txEl>
+                                          </p:spTgt>
+                                        </p:tgtEl>
+                                      </p:cBhvr>
+                                    </p:animEffect>
+                                  </p:childTnLst>
+                                </p:cTn>
+                              </p:par>
+                            </p:childTnLst>
+                          </p:cTn>
+                        </p:par>
+                      </p:childTnLst>
+                    </p:cTn>
+                  </p:par>
+                  <p:par>
+                    <p:cTn id="39" fill="hold">
+                      <p:stCondLst>
+                        <p:cond delay="indefinite"/>
+                      </p:stCondLst>
+                      <p:childTnLst>
+                        <p:par>
+                          <p:cTn id="40" fill="hold">
+                            <p:stCondLst>
+                              <p:cond delay="0"/>
+                            </p:stCondLst>
+                            <p:childTnLst>
+                              <p:par>
+                                <p:cTn id="41" presetID="54" presetClass="entr" presetSubtype="0" accel="100000" fill="hold" grpId="0" nodeType="clickEffect">
+                                  <p:stCondLst>
+                                    <p:cond delay="0"/>
+                                  </p:stCondLst>
+                                  <p:childTnLst>
+                                    <p:set>
+                                      <p:cBhvr>
+                                        <p:cTn id="42" dur="1" fill="hold">
+                                          <p:stCondLst>
+                                            <p:cond delay="0"/>
+                                          </p:stCondLst>
+                                        </p:cTn>
+                                        <p:tgtEl>
+                                          <p:spTgt spid="2">
+                                            <p:txEl>
+                                              <p:pRg st="4" end="4"/>
+                                            </p:txEl>
+                                          </p:spTgt>
+                                        </p:tgtEl>
+                                        <p:attrNameLst>
+                                          <p:attrName>style.visibility</p:attrName>
+                                        </p:attrNameLst>
+                                      </p:cBhvr>
+                                      <p:to>
+                                        <p:strVal val="visible"/>
+                                      </p:to>
+                                    </p:set>
+                                    <p:anim calcmode="lin" valueType="num">
+                                      <p:cBhvr>
+                                        <p:cTn id="43" dur="500" fill="hold"/>
+                                        <p:tgtEl>
+                                          <p:spTgt spid="2">
+                                            <p:txEl>
+                                              <p:pRg st="4" end="4"/>
+                                            </p:txEl>
+                                          </p:spTgt>
+                                        </p:tgtEl>
+                                        <p:attrNameLst>
+                                          <p:attrName>ppt_w</p:attrName>
+                                        </p:attrNameLst>
+                                      </p:cBhvr>
+                                      <p:tavLst>
+                                        <p:tav tm="0">
+                                          <p:val>
+                                            <p:strVal val="#ppt_w*0.05"/>
+                                          </p:val>
+                                        </p:tav>
+                                        <p:tav tm="100000">
+                                          <p:val>
+                                            <p:strVal val="#ppt_w"/>
+                                          </p:val>
+                                        </p:tav>
+                                      </p:tavLst>
+                                    </p:anim>
+                                    <p:anim calcmode="lin" valueType="num">
+                                      <p:cBhvr>
+                                        <p:cTn id="44" dur="500" fill="hold"/>
+                                        <p:tgtEl>
+                                          <p:spTgt spid="2">
+                                            <p:txEl>
+                                              <p:pRg st="4" end="4"/>
+                                            </p:txEl>
+                                          </p:spTgt>
+                                        </p:tgtEl>
+                                        <p:attrNameLst>
+                                          <p:attrName>ppt_h</p:attrName>
+                                        </p:attrNameLst>
+                                      </p:cBhvr>
+                                      <p:tavLst>
+                                        <p:tav tm="0">
+                                          <p:val>
+                                            <p:strVal val="#ppt_h"/>
+                                          </p:val>
+                                        </p:tav>
+                                        <p:tav tm="100000">
+                                          <p:val>
+                                            <p:strVal val="#ppt_h"/>
+                                          </p:val>
+                                        </p:tav>
+                                      </p:tavLst>
+                                    </p:anim>
+                                    <p:anim calcmode="lin" valueType="num">
+                                      <p:cBhvr>
+                                        <p:cTn id="45" dur="500" fill="hold"/>
+                                        <p:tgtEl>
+                                          <p:spTgt spid="2">
+                                            <p:txEl>
+                                              <p:pRg st="4" end="4"/>
+                                            </p:txEl>
+                                          </p:spTgt>
+                                        </p:tgtEl>
+                                        <p:attrNameLst>
+                                          <p:attrName>ppt_x</p:attrName>
+                                        </p:attrNameLst>
+                                      </p:cBhvr>
+                                      <p:tavLst>
+                                        <p:tav tm="0">
+                                          <p:val>
+                                            <p:strVal val="#ppt_x-.2"/>
+                                          </p:val>
+                                        </p:tav>
+                                        <p:tav tm="100000">
+                                          <p:val>
+                                            <p:strVal val="#ppt_x"/>
+                                          </p:val>
+                                        </p:tav>
+                                      </p:tavLst>
+                                    </p:anim>
+                                    <p:anim calcmode="lin" valueType="num">
+                                      <p:cBhvr>
+                                        <p:cTn id="46" dur="500" fill="hold"/>
+                                        <p:tgtEl>
+                                          <p:spTgt spid="2">
+                                            <p:txEl>
+                                              <p:pRg st="4" end="4"/>
+                                            </p:txEl>
+                                          </p:spTgt>
+                                        </p:tgtEl>
+                                        <p:attrNameLst>
+                                          <p:attrName>ppt_y</p:attrName>
+                                        </p:attrNameLst>
+                                      </p:cBhvr>
+                                      <p:tavLst>
+                                        <p:tav tm="0">
+                                          <p:val>
+                                            <p:strVal val="#ppt_y"/>
+                                          </p:val>
+                                        </p:tav>
+                                        <p:tav tm="100000">
+                                          <p:val>
+                                            <p:strVal val="#ppt_y"/>
+                                          </p:val>
+                                        </p:tav>
+                                      </p:tavLst>
+                                    </p:anim>
+                                    <p:animEffect transition="in" filter="fade">
+                                      <p:cBhvr>
+                                        <p:cTn id="47" dur="500"/>
+                                        <p:tgtEl>
+                                          <p:spTgt spid="2">
+                                            <p:txEl>
+                                              <p:pRg st="4" end="4"/>
+                                            </p:txEl>
+                                          </p:spTgt>
+                                        </p:tgtEl>
+                                      </p:cBhvr>
+                                    </p:animEffect>
+                                  </p:childTnLst>
+                                </p:cTn>
+                              </p:par>
+                            </p:childTnLst>
+                          </p:cTn>
+                        </p:par>
+                      </p:childTnLst>
+                    </p:cTn>
+                  </p:par>
+                  <p:par>
+                    <p:cTn id="48" fill="hold">
+                      <p:stCondLst>
+                        <p:cond delay="indefinite"/>
+                      </p:stCondLst>
+                      <p:childTnLst>
+                        <p:par>
+                          <p:cTn id="49" fill="hold">
+                            <p:stCondLst>
+                              <p:cond delay="0"/>
+                            </p:stCondLst>
+                            <p:childTnLst>
+                              <p:par>
+                                <p:cTn id="50" presetID="54" presetClass="entr" presetSubtype="0" accel="100000" fill="hold" grpId="0" nodeType="clickEffect">
+                                  <p:stCondLst>
+                                    <p:cond delay="0"/>
+                                  </p:stCondLst>
+                                  <p:childTnLst>
+                                    <p:set>
+                                      <p:cBhvr>
+                                        <p:cTn id="51" dur="1" fill="hold">
+                                          <p:stCondLst>
+                                            <p:cond delay="0"/>
+                                          </p:stCondLst>
+                                        </p:cTn>
+                                        <p:tgtEl>
+                                          <p:spTgt spid="2">
+                                            <p:txEl>
+                                              <p:pRg st="5" end="5"/>
+                                            </p:txEl>
+                                          </p:spTgt>
+                                        </p:tgtEl>
+                                        <p:attrNameLst>
+                                          <p:attrName>style.visibility</p:attrName>
+                                        </p:attrNameLst>
+                                      </p:cBhvr>
+                                      <p:to>
+                                        <p:strVal val="visible"/>
+                                      </p:to>
+                                    </p:set>
+                                    <p:anim calcmode="lin" valueType="num">
+                                      <p:cBhvr>
+                                        <p:cTn id="52" dur="500" fill="hold"/>
+                                        <p:tgtEl>
+                                          <p:spTgt spid="2">
+                                            <p:txEl>
+                                              <p:pRg st="5" end="5"/>
+                                            </p:txEl>
+                                          </p:spTgt>
+                                        </p:tgtEl>
+                                        <p:attrNameLst>
+                                          <p:attrName>ppt_w</p:attrName>
+                                        </p:attrNameLst>
+                                      </p:cBhvr>
+                                      <p:tavLst>
+                                        <p:tav tm="0">
+                                          <p:val>
+                                            <p:strVal val="#ppt_w*0.05"/>
+                                          </p:val>
+                                        </p:tav>
+                                        <p:tav tm="100000">
+                                          <p:val>
+                                            <p:strVal val="#ppt_w"/>
+                                          </p:val>
+                                        </p:tav>
+                                      </p:tavLst>
+                                    </p:anim>
+                                    <p:anim calcmode="lin" valueType="num">
+                                      <p:cBhvr>
+                                        <p:cTn id="53" dur="500" fill="hold"/>
+                                        <p:tgtEl>
+                                          <p:spTgt spid="2">
+                                            <p:txEl>
+                                              <p:pRg st="5" end="5"/>
+                                            </p:txEl>
+                                          </p:spTgt>
+                                        </p:tgtEl>
+                                        <p:attrNameLst>
+                                          <p:attrName>ppt_h</p:attrName>
+                                        </p:attrNameLst>
+                                      </p:cBhvr>
+                                      <p:tavLst>
+                                        <p:tav tm="0">
+                                          <p:val>
+                                            <p:strVal val="#ppt_h"/>
+                                          </p:val>
+                                        </p:tav>
+                                        <p:tav tm="100000">
+                                          <p:val>
+                                            <p:strVal val="#ppt_h"/>
+                                          </p:val>
+                                        </p:tav>
+                                      </p:tavLst>
+                                    </p:anim>
+                                    <p:anim calcmode="lin" valueType="num">
+                                      <p:cBhvr>
+                                        <p:cTn id="54" dur="500" fill="hold"/>
+                                        <p:tgtEl>
+                                          <p:spTgt spid="2">
+                                            <p:txEl>
+                                              <p:pRg st="5" end="5"/>
+                                            </p:txEl>
+                                          </p:spTgt>
+                                        </p:tgtEl>
+                                        <p:attrNameLst>
+                                          <p:attrName>ppt_x</p:attrName>
+                                        </p:attrNameLst>
+                                      </p:cBhvr>
+                                      <p:tavLst>
+                                        <p:tav tm="0">
+                                          <p:val>
+                                            <p:strVal val="#ppt_x-.2"/>
+                                          </p:val>
+                                        </p:tav>
+                                        <p:tav tm="100000">
+                                          <p:val>
+                                            <p:strVal val="#ppt_x"/>
+                                          </p:val>
+                                        </p:tav>
+                                      </p:tavLst>
+                                    </p:anim>
+                                    <p:anim calcmode="lin" valueType="num">
+                                      <p:cBhvr>
+                                        <p:cTn id="55" dur="500" fill="hold"/>
+                                        <p:tgtEl>
+                                          <p:spTgt spid="2">
+                                            <p:txEl>
+                                              <p:pRg st="5" end="5"/>
+                                            </p:txEl>
+                                          </p:spTgt>
+                                        </p:tgtEl>
+                                        <p:attrNameLst>
+                                          <p:attrName>ppt_y</p:attrName>
+                                        </p:attrNameLst>
+                                      </p:cBhvr>
+                                      <p:tavLst>
+                                        <p:tav tm="0">
+                                          <p:val>
+                                            <p:strVal val="#ppt_y"/>
+                                          </p:val>
+                                        </p:tav>
+                                        <p:tav tm="100000">
+                                          <p:val>
+                                            <p:strVal val="#ppt_y"/>
+                                          </p:val>
+                                        </p:tav>
+                                      </p:tavLst>
+                                    </p:anim>
+                                    <p:animEffect transition="in" filter="fade">
+                                      <p:cBhvr>
+                                        <p:cTn id="56" dur="500"/>
+                                        <p:tgtEl>
+                                          <p:spTgt spid="2">
+                                            <p:txEl>
+                                              <p:pRg st="5" end="5"/>
+                                            </p:txEl>
+                                          </p:spTgt>
+                                        </p:tgtEl>
+                                      </p:cBhvr>
+                                    </p:animEffect>
+                                  </p:childTnLst>
+                                </p:cTn>
+                              </p:par>
+                            </p:childTnLst>
+                          </p:cTn>
+                        </p:par>
+                      </p:childTnLst>
+                    </p:cTn>
+                  </p:par>
+                </p:childTnLst>
+              </p:cTn>
+              <p:prevCondLst>
+                <p:cond evt="onPrev" delay="0">
+                  <p:tgtEl>
+                    <p:sldTgt/>
+                  </p:tgtEl>
+                </p:cond>
+              </p:prevCondLst>
+              <p:nextCondLst>
+                <p:cond evt="onNext" delay="0">
+                  <p:tgtEl>
+                    <p:sldTgt/>
+                  </p:tgtEl>
+                </p:cond>
+              </p:nextCondLst>
+            </p:seq>
+          </p:childTnLst>
+        </p:cTn>
       </p:par>
     </p:tnLst>
+    <p:bldLst>
+      <p:bldP spid="2" grpId="0" uiExpand="1" build="p"/>
+    </p:bldLst>
   </p:timing>
 </p:sld>
 </file>
@@ -6905,24 +9079,47 @@
           <a:lstStyle/>
           <a:p>
             <a:r>
-              <a:rPr lang="fr-FR" dirty="0" smtClean="0">
-                <a:solidFill>
-                  <a:schemeClr val="tx1">
-                    <a:lumMod val="85000"/>
-                    <a:lumOff val="15000"/>
-                  </a:schemeClr>
-                </a:solidFill>
-              </a:rPr>
-              <a:t>A MODIFIER POUR CHACUN	/!\</a:t>
+              <a:rPr lang="fr-FR" dirty="0" smtClean="0"/>
+              <a:t>Connexion à l’AD</a:t>
             </a:r>
-            <a:endParaRPr lang="fr-FR" dirty="0">
-              <a:solidFill>
-                <a:schemeClr val="tx1">
-                  <a:lumMod val="85000"/>
-                  <a:lumOff val="15000"/>
-                </a:schemeClr>
-              </a:solidFill>
-            </a:endParaRPr>
+          </a:p>
+          <a:p>
+            <a:r>
+              <a:rPr lang="fr-FR" dirty="0" smtClean="0"/>
+              <a:t>Finaliser l’intégration de la base de données</a:t>
+            </a:r>
+          </a:p>
+          <a:p>
+            <a:r>
+              <a:rPr lang="fr-FR" dirty="0" smtClean="0"/>
+              <a:t>Creer de nouveaux statuts utilisateurs</a:t>
+            </a:r>
+          </a:p>
+          <a:p>
+            <a:pPr lvl="1"/>
+            <a:r>
+              <a:rPr lang="fr-FR" dirty="0" smtClean="0"/>
+              <a:t>Administrateur</a:t>
+            </a:r>
+          </a:p>
+          <a:p>
+            <a:pPr lvl="1"/>
+            <a:r>
+              <a:rPr lang="fr-FR" dirty="0" smtClean="0"/>
+              <a:t>Invité </a:t>
+            </a:r>
+          </a:p>
+          <a:p>
+            <a:r>
+              <a:rPr lang="fr-FR" dirty="0" smtClean="0"/>
+              <a:t>Creer logo ENT</a:t>
+            </a:r>
+          </a:p>
+          <a:p>
+            <a:pPr>
+              <a:buNone/>
+            </a:pPr>
+            <a:endParaRPr lang="fr-FR" dirty="0" smtClean="0"/>
           </a:p>
         </p:txBody>
       </p:sp>
@@ -6943,7 +9140,11 @@
           <a:p>
             <a:r>
               <a:rPr lang="fr-FR" dirty="0" smtClean="0"/>
-              <a:t>Travail effectué</a:t>
+              <a:t>À</a:t>
+            </a:r>
+            <a:r>
+              <a:rPr lang="fr-FR" dirty="0" smtClean="0"/>
+              <a:t> réaliser</a:t>
             </a:r>
             <a:endParaRPr lang="fr-FR" dirty="0"/>
           </a:p>
@@ -6957,9 +9158,1049 @@
   <p:timing>
     <p:tnLst>
       <p:par>
-        <p:cTn id="1" dur="indefinite" restart="never" nodeType="tmRoot"/>
+        <p:cTn id="1" dur="indefinite" restart="never" nodeType="tmRoot">
+          <p:childTnLst>
+            <p:seq concurrent="1" nextAc="seek">
+              <p:cTn id="2" dur="indefinite" nodeType="mainSeq">
+                <p:childTnLst>
+                  <p:par>
+                    <p:cTn id="3" fill="hold">
+                      <p:stCondLst>
+                        <p:cond delay="indefinite"/>
+                      </p:stCondLst>
+                      <p:childTnLst>
+                        <p:par>
+                          <p:cTn id="4" fill="hold">
+                            <p:stCondLst>
+                              <p:cond delay="0"/>
+                            </p:stCondLst>
+                            <p:childTnLst>
+                              <p:par>
+                                <p:cTn id="5" presetID="54" presetClass="entr" presetSubtype="0" accel="100000" fill="hold" grpId="0" nodeType="clickEffect">
+                                  <p:stCondLst>
+                                    <p:cond delay="0"/>
+                                  </p:stCondLst>
+                                  <p:childTnLst>
+                                    <p:set>
+                                      <p:cBhvr>
+                                        <p:cTn id="6" dur="1" fill="hold">
+                                          <p:stCondLst>
+                                            <p:cond delay="0"/>
+                                          </p:stCondLst>
+                                        </p:cTn>
+                                        <p:tgtEl>
+                                          <p:spTgt spid="2">
+                                            <p:txEl>
+                                              <p:pRg st="0" end="0"/>
+                                            </p:txEl>
+                                          </p:spTgt>
+                                        </p:tgtEl>
+                                        <p:attrNameLst>
+                                          <p:attrName>style.visibility</p:attrName>
+                                        </p:attrNameLst>
+                                      </p:cBhvr>
+                                      <p:to>
+                                        <p:strVal val="visible"/>
+                                      </p:to>
+                                    </p:set>
+                                    <p:anim calcmode="lin" valueType="num">
+                                      <p:cBhvr>
+                                        <p:cTn id="7" dur="500" fill="hold"/>
+                                        <p:tgtEl>
+                                          <p:spTgt spid="2">
+                                            <p:txEl>
+                                              <p:pRg st="0" end="0"/>
+                                            </p:txEl>
+                                          </p:spTgt>
+                                        </p:tgtEl>
+                                        <p:attrNameLst>
+                                          <p:attrName>ppt_w</p:attrName>
+                                        </p:attrNameLst>
+                                      </p:cBhvr>
+                                      <p:tavLst>
+                                        <p:tav tm="0">
+                                          <p:val>
+                                            <p:strVal val="#ppt_w*0.05"/>
+                                          </p:val>
+                                        </p:tav>
+                                        <p:tav tm="100000">
+                                          <p:val>
+                                            <p:strVal val="#ppt_w"/>
+                                          </p:val>
+                                        </p:tav>
+                                      </p:tavLst>
+                                    </p:anim>
+                                    <p:anim calcmode="lin" valueType="num">
+                                      <p:cBhvr>
+                                        <p:cTn id="8" dur="500" fill="hold"/>
+                                        <p:tgtEl>
+                                          <p:spTgt spid="2">
+                                            <p:txEl>
+                                              <p:pRg st="0" end="0"/>
+                                            </p:txEl>
+                                          </p:spTgt>
+                                        </p:tgtEl>
+                                        <p:attrNameLst>
+                                          <p:attrName>ppt_h</p:attrName>
+                                        </p:attrNameLst>
+                                      </p:cBhvr>
+                                      <p:tavLst>
+                                        <p:tav tm="0">
+                                          <p:val>
+                                            <p:strVal val="#ppt_h"/>
+                                          </p:val>
+                                        </p:tav>
+                                        <p:tav tm="100000">
+                                          <p:val>
+                                            <p:strVal val="#ppt_h"/>
+                                          </p:val>
+                                        </p:tav>
+                                      </p:tavLst>
+                                    </p:anim>
+                                    <p:anim calcmode="lin" valueType="num">
+                                      <p:cBhvr>
+                                        <p:cTn id="9" dur="500" fill="hold"/>
+                                        <p:tgtEl>
+                                          <p:spTgt spid="2">
+                                            <p:txEl>
+                                              <p:pRg st="0" end="0"/>
+                                            </p:txEl>
+                                          </p:spTgt>
+                                        </p:tgtEl>
+                                        <p:attrNameLst>
+                                          <p:attrName>ppt_x</p:attrName>
+                                        </p:attrNameLst>
+                                      </p:cBhvr>
+                                      <p:tavLst>
+                                        <p:tav tm="0">
+                                          <p:val>
+                                            <p:strVal val="#ppt_x-.2"/>
+                                          </p:val>
+                                        </p:tav>
+                                        <p:tav tm="100000">
+                                          <p:val>
+                                            <p:strVal val="#ppt_x"/>
+                                          </p:val>
+                                        </p:tav>
+                                      </p:tavLst>
+                                    </p:anim>
+                                    <p:anim calcmode="lin" valueType="num">
+                                      <p:cBhvr>
+                                        <p:cTn id="10" dur="500" fill="hold"/>
+                                        <p:tgtEl>
+                                          <p:spTgt spid="2">
+                                            <p:txEl>
+                                              <p:pRg st="0" end="0"/>
+                                            </p:txEl>
+                                          </p:spTgt>
+                                        </p:tgtEl>
+                                        <p:attrNameLst>
+                                          <p:attrName>ppt_y</p:attrName>
+                                        </p:attrNameLst>
+                                      </p:cBhvr>
+                                      <p:tavLst>
+                                        <p:tav tm="0">
+                                          <p:val>
+                                            <p:strVal val="#ppt_y"/>
+                                          </p:val>
+                                        </p:tav>
+                                        <p:tav tm="100000">
+                                          <p:val>
+                                            <p:strVal val="#ppt_y"/>
+                                          </p:val>
+                                        </p:tav>
+                                      </p:tavLst>
+                                    </p:anim>
+                                    <p:animEffect transition="in" filter="fade">
+                                      <p:cBhvr>
+                                        <p:cTn id="11" dur="500"/>
+                                        <p:tgtEl>
+                                          <p:spTgt spid="2">
+                                            <p:txEl>
+                                              <p:pRg st="0" end="0"/>
+                                            </p:txEl>
+                                          </p:spTgt>
+                                        </p:tgtEl>
+                                      </p:cBhvr>
+                                    </p:animEffect>
+                                  </p:childTnLst>
+                                </p:cTn>
+                              </p:par>
+                            </p:childTnLst>
+                          </p:cTn>
+                        </p:par>
+                      </p:childTnLst>
+                    </p:cTn>
+                  </p:par>
+                  <p:par>
+                    <p:cTn id="12" fill="hold">
+                      <p:stCondLst>
+                        <p:cond delay="indefinite"/>
+                      </p:stCondLst>
+                      <p:childTnLst>
+                        <p:par>
+                          <p:cTn id="13" fill="hold">
+                            <p:stCondLst>
+                              <p:cond delay="0"/>
+                            </p:stCondLst>
+                            <p:childTnLst>
+                              <p:par>
+                                <p:cTn id="14" presetID="54" presetClass="entr" presetSubtype="0" accel="100000" fill="hold" grpId="0" nodeType="clickEffect">
+                                  <p:stCondLst>
+                                    <p:cond delay="0"/>
+                                  </p:stCondLst>
+                                  <p:childTnLst>
+                                    <p:set>
+                                      <p:cBhvr>
+                                        <p:cTn id="15" dur="1" fill="hold">
+                                          <p:stCondLst>
+                                            <p:cond delay="0"/>
+                                          </p:stCondLst>
+                                        </p:cTn>
+                                        <p:tgtEl>
+                                          <p:spTgt spid="2">
+                                            <p:txEl>
+                                              <p:pRg st="1" end="1"/>
+                                            </p:txEl>
+                                          </p:spTgt>
+                                        </p:tgtEl>
+                                        <p:attrNameLst>
+                                          <p:attrName>style.visibility</p:attrName>
+                                        </p:attrNameLst>
+                                      </p:cBhvr>
+                                      <p:to>
+                                        <p:strVal val="visible"/>
+                                      </p:to>
+                                    </p:set>
+                                    <p:anim calcmode="lin" valueType="num">
+                                      <p:cBhvr>
+                                        <p:cTn id="16" dur="500" fill="hold"/>
+                                        <p:tgtEl>
+                                          <p:spTgt spid="2">
+                                            <p:txEl>
+                                              <p:pRg st="1" end="1"/>
+                                            </p:txEl>
+                                          </p:spTgt>
+                                        </p:tgtEl>
+                                        <p:attrNameLst>
+                                          <p:attrName>ppt_w</p:attrName>
+                                        </p:attrNameLst>
+                                      </p:cBhvr>
+                                      <p:tavLst>
+                                        <p:tav tm="0">
+                                          <p:val>
+                                            <p:strVal val="#ppt_w*0.05"/>
+                                          </p:val>
+                                        </p:tav>
+                                        <p:tav tm="100000">
+                                          <p:val>
+                                            <p:strVal val="#ppt_w"/>
+                                          </p:val>
+                                        </p:tav>
+                                      </p:tavLst>
+                                    </p:anim>
+                                    <p:anim calcmode="lin" valueType="num">
+                                      <p:cBhvr>
+                                        <p:cTn id="17" dur="500" fill="hold"/>
+                                        <p:tgtEl>
+                                          <p:spTgt spid="2">
+                                            <p:txEl>
+                                              <p:pRg st="1" end="1"/>
+                                            </p:txEl>
+                                          </p:spTgt>
+                                        </p:tgtEl>
+                                        <p:attrNameLst>
+                                          <p:attrName>ppt_h</p:attrName>
+                                        </p:attrNameLst>
+                                      </p:cBhvr>
+                                      <p:tavLst>
+                                        <p:tav tm="0">
+                                          <p:val>
+                                            <p:strVal val="#ppt_h"/>
+                                          </p:val>
+                                        </p:tav>
+                                        <p:tav tm="100000">
+                                          <p:val>
+                                            <p:strVal val="#ppt_h"/>
+                                          </p:val>
+                                        </p:tav>
+                                      </p:tavLst>
+                                    </p:anim>
+                                    <p:anim calcmode="lin" valueType="num">
+                                      <p:cBhvr>
+                                        <p:cTn id="18" dur="500" fill="hold"/>
+                                        <p:tgtEl>
+                                          <p:spTgt spid="2">
+                                            <p:txEl>
+                                              <p:pRg st="1" end="1"/>
+                                            </p:txEl>
+                                          </p:spTgt>
+                                        </p:tgtEl>
+                                        <p:attrNameLst>
+                                          <p:attrName>ppt_x</p:attrName>
+                                        </p:attrNameLst>
+                                      </p:cBhvr>
+                                      <p:tavLst>
+                                        <p:tav tm="0">
+                                          <p:val>
+                                            <p:strVal val="#ppt_x-.2"/>
+                                          </p:val>
+                                        </p:tav>
+                                        <p:tav tm="100000">
+                                          <p:val>
+                                            <p:strVal val="#ppt_x"/>
+                                          </p:val>
+                                        </p:tav>
+                                      </p:tavLst>
+                                    </p:anim>
+                                    <p:anim calcmode="lin" valueType="num">
+                                      <p:cBhvr>
+                                        <p:cTn id="19" dur="500" fill="hold"/>
+                                        <p:tgtEl>
+                                          <p:spTgt spid="2">
+                                            <p:txEl>
+                                              <p:pRg st="1" end="1"/>
+                                            </p:txEl>
+                                          </p:spTgt>
+                                        </p:tgtEl>
+                                        <p:attrNameLst>
+                                          <p:attrName>ppt_y</p:attrName>
+                                        </p:attrNameLst>
+                                      </p:cBhvr>
+                                      <p:tavLst>
+                                        <p:tav tm="0">
+                                          <p:val>
+                                            <p:strVal val="#ppt_y"/>
+                                          </p:val>
+                                        </p:tav>
+                                        <p:tav tm="100000">
+                                          <p:val>
+                                            <p:strVal val="#ppt_y"/>
+                                          </p:val>
+                                        </p:tav>
+                                      </p:tavLst>
+                                    </p:anim>
+                                    <p:animEffect transition="in" filter="fade">
+                                      <p:cBhvr>
+                                        <p:cTn id="20" dur="500"/>
+                                        <p:tgtEl>
+                                          <p:spTgt spid="2">
+                                            <p:txEl>
+                                              <p:pRg st="1" end="1"/>
+                                            </p:txEl>
+                                          </p:spTgt>
+                                        </p:tgtEl>
+                                      </p:cBhvr>
+                                    </p:animEffect>
+                                  </p:childTnLst>
+                                </p:cTn>
+                              </p:par>
+                            </p:childTnLst>
+                          </p:cTn>
+                        </p:par>
+                      </p:childTnLst>
+                    </p:cTn>
+                  </p:par>
+                  <p:par>
+                    <p:cTn id="21" fill="hold">
+                      <p:stCondLst>
+                        <p:cond delay="indefinite"/>
+                      </p:stCondLst>
+                      <p:childTnLst>
+                        <p:par>
+                          <p:cTn id="22" fill="hold">
+                            <p:stCondLst>
+                              <p:cond delay="0"/>
+                            </p:stCondLst>
+                            <p:childTnLst>
+                              <p:par>
+                                <p:cTn id="23" presetID="54" presetClass="entr" presetSubtype="0" accel="100000" fill="hold" grpId="0" nodeType="clickEffect">
+                                  <p:stCondLst>
+                                    <p:cond delay="0"/>
+                                  </p:stCondLst>
+                                  <p:childTnLst>
+                                    <p:set>
+                                      <p:cBhvr>
+                                        <p:cTn id="24" dur="1" fill="hold">
+                                          <p:stCondLst>
+                                            <p:cond delay="0"/>
+                                          </p:stCondLst>
+                                        </p:cTn>
+                                        <p:tgtEl>
+                                          <p:spTgt spid="2">
+                                            <p:txEl>
+                                              <p:pRg st="2" end="2"/>
+                                            </p:txEl>
+                                          </p:spTgt>
+                                        </p:tgtEl>
+                                        <p:attrNameLst>
+                                          <p:attrName>style.visibility</p:attrName>
+                                        </p:attrNameLst>
+                                      </p:cBhvr>
+                                      <p:to>
+                                        <p:strVal val="visible"/>
+                                      </p:to>
+                                    </p:set>
+                                    <p:anim calcmode="lin" valueType="num">
+                                      <p:cBhvr>
+                                        <p:cTn id="25" dur="500" fill="hold"/>
+                                        <p:tgtEl>
+                                          <p:spTgt spid="2">
+                                            <p:txEl>
+                                              <p:pRg st="2" end="2"/>
+                                            </p:txEl>
+                                          </p:spTgt>
+                                        </p:tgtEl>
+                                        <p:attrNameLst>
+                                          <p:attrName>ppt_w</p:attrName>
+                                        </p:attrNameLst>
+                                      </p:cBhvr>
+                                      <p:tavLst>
+                                        <p:tav tm="0">
+                                          <p:val>
+                                            <p:strVal val="#ppt_w*0.05"/>
+                                          </p:val>
+                                        </p:tav>
+                                        <p:tav tm="100000">
+                                          <p:val>
+                                            <p:strVal val="#ppt_w"/>
+                                          </p:val>
+                                        </p:tav>
+                                      </p:tavLst>
+                                    </p:anim>
+                                    <p:anim calcmode="lin" valueType="num">
+                                      <p:cBhvr>
+                                        <p:cTn id="26" dur="500" fill="hold"/>
+                                        <p:tgtEl>
+                                          <p:spTgt spid="2">
+                                            <p:txEl>
+                                              <p:pRg st="2" end="2"/>
+                                            </p:txEl>
+                                          </p:spTgt>
+                                        </p:tgtEl>
+                                        <p:attrNameLst>
+                                          <p:attrName>ppt_h</p:attrName>
+                                        </p:attrNameLst>
+                                      </p:cBhvr>
+                                      <p:tavLst>
+                                        <p:tav tm="0">
+                                          <p:val>
+                                            <p:strVal val="#ppt_h"/>
+                                          </p:val>
+                                        </p:tav>
+                                        <p:tav tm="100000">
+                                          <p:val>
+                                            <p:strVal val="#ppt_h"/>
+                                          </p:val>
+                                        </p:tav>
+                                      </p:tavLst>
+                                    </p:anim>
+                                    <p:anim calcmode="lin" valueType="num">
+                                      <p:cBhvr>
+                                        <p:cTn id="27" dur="500" fill="hold"/>
+                                        <p:tgtEl>
+                                          <p:spTgt spid="2">
+                                            <p:txEl>
+                                              <p:pRg st="2" end="2"/>
+                                            </p:txEl>
+                                          </p:spTgt>
+                                        </p:tgtEl>
+                                        <p:attrNameLst>
+                                          <p:attrName>ppt_x</p:attrName>
+                                        </p:attrNameLst>
+                                      </p:cBhvr>
+                                      <p:tavLst>
+                                        <p:tav tm="0">
+                                          <p:val>
+                                            <p:strVal val="#ppt_x-.2"/>
+                                          </p:val>
+                                        </p:tav>
+                                        <p:tav tm="100000">
+                                          <p:val>
+                                            <p:strVal val="#ppt_x"/>
+                                          </p:val>
+                                        </p:tav>
+                                      </p:tavLst>
+                                    </p:anim>
+                                    <p:anim calcmode="lin" valueType="num">
+                                      <p:cBhvr>
+                                        <p:cTn id="28" dur="500" fill="hold"/>
+                                        <p:tgtEl>
+                                          <p:spTgt spid="2">
+                                            <p:txEl>
+                                              <p:pRg st="2" end="2"/>
+                                            </p:txEl>
+                                          </p:spTgt>
+                                        </p:tgtEl>
+                                        <p:attrNameLst>
+                                          <p:attrName>ppt_y</p:attrName>
+                                        </p:attrNameLst>
+                                      </p:cBhvr>
+                                      <p:tavLst>
+                                        <p:tav tm="0">
+                                          <p:val>
+                                            <p:strVal val="#ppt_y"/>
+                                          </p:val>
+                                        </p:tav>
+                                        <p:tav tm="100000">
+                                          <p:val>
+                                            <p:strVal val="#ppt_y"/>
+                                          </p:val>
+                                        </p:tav>
+                                      </p:tavLst>
+                                    </p:anim>
+                                    <p:animEffect transition="in" filter="fade">
+                                      <p:cBhvr>
+                                        <p:cTn id="29" dur="500"/>
+                                        <p:tgtEl>
+                                          <p:spTgt spid="2">
+                                            <p:txEl>
+                                              <p:pRg st="2" end="2"/>
+                                            </p:txEl>
+                                          </p:spTgt>
+                                        </p:tgtEl>
+                                      </p:cBhvr>
+                                    </p:animEffect>
+                                  </p:childTnLst>
+                                </p:cTn>
+                              </p:par>
+                            </p:childTnLst>
+                          </p:cTn>
+                        </p:par>
+                      </p:childTnLst>
+                    </p:cTn>
+                  </p:par>
+                  <p:par>
+                    <p:cTn id="30" fill="hold">
+                      <p:stCondLst>
+                        <p:cond delay="indefinite"/>
+                      </p:stCondLst>
+                      <p:childTnLst>
+                        <p:par>
+                          <p:cTn id="31" fill="hold">
+                            <p:stCondLst>
+                              <p:cond delay="0"/>
+                            </p:stCondLst>
+                            <p:childTnLst>
+                              <p:par>
+                                <p:cTn id="32" presetID="54" presetClass="entr" presetSubtype="0" accel="100000" fill="hold" grpId="0" nodeType="clickEffect">
+                                  <p:stCondLst>
+                                    <p:cond delay="0"/>
+                                  </p:stCondLst>
+                                  <p:childTnLst>
+                                    <p:set>
+                                      <p:cBhvr>
+                                        <p:cTn id="33" dur="1" fill="hold">
+                                          <p:stCondLst>
+                                            <p:cond delay="0"/>
+                                          </p:stCondLst>
+                                        </p:cTn>
+                                        <p:tgtEl>
+                                          <p:spTgt spid="2">
+                                            <p:txEl>
+                                              <p:pRg st="3" end="3"/>
+                                            </p:txEl>
+                                          </p:spTgt>
+                                        </p:tgtEl>
+                                        <p:attrNameLst>
+                                          <p:attrName>style.visibility</p:attrName>
+                                        </p:attrNameLst>
+                                      </p:cBhvr>
+                                      <p:to>
+                                        <p:strVal val="visible"/>
+                                      </p:to>
+                                    </p:set>
+                                    <p:anim calcmode="lin" valueType="num">
+                                      <p:cBhvr>
+                                        <p:cTn id="34" dur="500" fill="hold"/>
+                                        <p:tgtEl>
+                                          <p:spTgt spid="2">
+                                            <p:txEl>
+                                              <p:pRg st="3" end="3"/>
+                                            </p:txEl>
+                                          </p:spTgt>
+                                        </p:tgtEl>
+                                        <p:attrNameLst>
+                                          <p:attrName>ppt_w</p:attrName>
+                                        </p:attrNameLst>
+                                      </p:cBhvr>
+                                      <p:tavLst>
+                                        <p:tav tm="0">
+                                          <p:val>
+                                            <p:strVal val="#ppt_w*0.05"/>
+                                          </p:val>
+                                        </p:tav>
+                                        <p:tav tm="100000">
+                                          <p:val>
+                                            <p:strVal val="#ppt_w"/>
+                                          </p:val>
+                                        </p:tav>
+                                      </p:tavLst>
+                                    </p:anim>
+                                    <p:anim calcmode="lin" valueType="num">
+                                      <p:cBhvr>
+                                        <p:cTn id="35" dur="500" fill="hold"/>
+                                        <p:tgtEl>
+                                          <p:spTgt spid="2">
+                                            <p:txEl>
+                                              <p:pRg st="3" end="3"/>
+                                            </p:txEl>
+                                          </p:spTgt>
+                                        </p:tgtEl>
+                                        <p:attrNameLst>
+                                          <p:attrName>ppt_h</p:attrName>
+                                        </p:attrNameLst>
+                                      </p:cBhvr>
+                                      <p:tavLst>
+                                        <p:tav tm="0">
+                                          <p:val>
+                                            <p:strVal val="#ppt_h"/>
+                                          </p:val>
+                                        </p:tav>
+                                        <p:tav tm="100000">
+                                          <p:val>
+                                            <p:strVal val="#ppt_h"/>
+                                          </p:val>
+                                        </p:tav>
+                                      </p:tavLst>
+                                    </p:anim>
+                                    <p:anim calcmode="lin" valueType="num">
+                                      <p:cBhvr>
+                                        <p:cTn id="36" dur="500" fill="hold"/>
+                                        <p:tgtEl>
+                                          <p:spTgt spid="2">
+                                            <p:txEl>
+                                              <p:pRg st="3" end="3"/>
+                                            </p:txEl>
+                                          </p:spTgt>
+                                        </p:tgtEl>
+                                        <p:attrNameLst>
+                                          <p:attrName>ppt_x</p:attrName>
+                                        </p:attrNameLst>
+                                      </p:cBhvr>
+                                      <p:tavLst>
+                                        <p:tav tm="0">
+                                          <p:val>
+                                            <p:strVal val="#ppt_x-.2"/>
+                                          </p:val>
+                                        </p:tav>
+                                        <p:tav tm="100000">
+                                          <p:val>
+                                            <p:strVal val="#ppt_x"/>
+                                          </p:val>
+                                        </p:tav>
+                                      </p:tavLst>
+                                    </p:anim>
+                                    <p:anim calcmode="lin" valueType="num">
+                                      <p:cBhvr>
+                                        <p:cTn id="37" dur="500" fill="hold"/>
+                                        <p:tgtEl>
+                                          <p:spTgt spid="2">
+                                            <p:txEl>
+                                              <p:pRg st="3" end="3"/>
+                                            </p:txEl>
+                                          </p:spTgt>
+                                        </p:tgtEl>
+                                        <p:attrNameLst>
+                                          <p:attrName>ppt_y</p:attrName>
+                                        </p:attrNameLst>
+                                      </p:cBhvr>
+                                      <p:tavLst>
+                                        <p:tav tm="0">
+                                          <p:val>
+                                            <p:strVal val="#ppt_y"/>
+                                          </p:val>
+                                        </p:tav>
+                                        <p:tav tm="100000">
+                                          <p:val>
+                                            <p:strVal val="#ppt_y"/>
+                                          </p:val>
+                                        </p:tav>
+                                      </p:tavLst>
+                                    </p:anim>
+                                    <p:animEffect transition="in" filter="fade">
+                                      <p:cBhvr>
+                                        <p:cTn id="38" dur="500"/>
+                                        <p:tgtEl>
+                                          <p:spTgt spid="2">
+                                            <p:txEl>
+                                              <p:pRg st="3" end="3"/>
+                                            </p:txEl>
+                                          </p:spTgt>
+                                        </p:tgtEl>
+                                      </p:cBhvr>
+                                    </p:animEffect>
+                                  </p:childTnLst>
+                                </p:cTn>
+                              </p:par>
+                            </p:childTnLst>
+                          </p:cTn>
+                        </p:par>
+                      </p:childTnLst>
+                    </p:cTn>
+                  </p:par>
+                  <p:par>
+                    <p:cTn id="39" fill="hold">
+                      <p:stCondLst>
+                        <p:cond delay="indefinite"/>
+                      </p:stCondLst>
+                      <p:childTnLst>
+                        <p:par>
+                          <p:cTn id="40" fill="hold">
+                            <p:stCondLst>
+                              <p:cond delay="0"/>
+                            </p:stCondLst>
+                            <p:childTnLst>
+                              <p:par>
+                                <p:cTn id="41" presetID="54" presetClass="entr" presetSubtype="0" accel="100000" fill="hold" grpId="0" nodeType="clickEffect">
+                                  <p:stCondLst>
+                                    <p:cond delay="0"/>
+                                  </p:stCondLst>
+                                  <p:childTnLst>
+                                    <p:set>
+                                      <p:cBhvr>
+                                        <p:cTn id="42" dur="1" fill="hold">
+                                          <p:stCondLst>
+                                            <p:cond delay="0"/>
+                                          </p:stCondLst>
+                                        </p:cTn>
+                                        <p:tgtEl>
+                                          <p:spTgt spid="2">
+                                            <p:txEl>
+                                              <p:pRg st="4" end="4"/>
+                                            </p:txEl>
+                                          </p:spTgt>
+                                        </p:tgtEl>
+                                        <p:attrNameLst>
+                                          <p:attrName>style.visibility</p:attrName>
+                                        </p:attrNameLst>
+                                      </p:cBhvr>
+                                      <p:to>
+                                        <p:strVal val="visible"/>
+                                      </p:to>
+                                    </p:set>
+                                    <p:anim calcmode="lin" valueType="num">
+                                      <p:cBhvr>
+                                        <p:cTn id="43" dur="500" fill="hold"/>
+                                        <p:tgtEl>
+                                          <p:spTgt spid="2">
+                                            <p:txEl>
+                                              <p:pRg st="4" end="4"/>
+                                            </p:txEl>
+                                          </p:spTgt>
+                                        </p:tgtEl>
+                                        <p:attrNameLst>
+                                          <p:attrName>ppt_w</p:attrName>
+                                        </p:attrNameLst>
+                                      </p:cBhvr>
+                                      <p:tavLst>
+                                        <p:tav tm="0">
+                                          <p:val>
+                                            <p:strVal val="#ppt_w*0.05"/>
+                                          </p:val>
+                                        </p:tav>
+                                        <p:tav tm="100000">
+                                          <p:val>
+                                            <p:strVal val="#ppt_w"/>
+                                          </p:val>
+                                        </p:tav>
+                                      </p:tavLst>
+                                    </p:anim>
+                                    <p:anim calcmode="lin" valueType="num">
+                                      <p:cBhvr>
+                                        <p:cTn id="44" dur="500" fill="hold"/>
+                                        <p:tgtEl>
+                                          <p:spTgt spid="2">
+                                            <p:txEl>
+                                              <p:pRg st="4" end="4"/>
+                                            </p:txEl>
+                                          </p:spTgt>
+                                        </p:tgtEl>
+                                        <p:attrNameLst>
+                                          <p:attrName>ppt_h</p:attrName>
+                                        </p:attrNameLst>
+                                      </p:cBhvr>
+                                      <p:tavLst>
+                                        <p:tav tm="0">
+                                          <p:val>
+                                            <p:strVal val="#ppt_h"/>
+                                          </p:val>
+                                        </p:tav>
+                                        <p:tav tm="100000">
+                                          <p:val>
+                                            <p:strVal val="#ppt_h"/>
+                                          </p:val>
+                                        </p:tav>
+                                      </p:tavLst>
+                                    </p:anim>
+                                    <p:anim calcmode="lin" valueType="num">
+                                      <p:cBhvr>
+                                        <p:cTn id="45" dur="500" fill="hold"/>
+                                        <p:tgtEl>
+                                          <p:spTgt spid="2">
+                                            <p:txEl>
+                                              <p:pRg st="4" end="4"/>
+                                            </p:txEl>
+                                          </p:spTgt>
+                                        </p:tgtEl>
+                                        <p:attrNameLst>
+                                          <p:attrName>ppt_x</p:attrName>
+                                        </p:attrNameLst>
+                                      </p:cBhvr>
+                                      <p:tavLst>
+                                        <p:tav tm="0">
+                                          <p:val>
+                                            <p:strVal val="#ppt_x-.2"/>
+                                          </p:val>
+                                        </p:tav>
+                                        <p:tav tm="100000">
+                                          <p:val>
+                                            <p:strVal val="#ppt_x"/>
+                                          </p:val>
+                                        </p:tav>
+                                      </p:tavLst>
+                                    </p:anim>
+                                    <p:anim calcmode="lin" valueType="num">
+                                      <p:cBhvr>
+                                        <p:cTn id="46" dur="500" fill="hold"/>
+                                        <p:tgtEl>
+                                          <p:spTgt spid="2">
+                                            <p:txEl>
+                                              <p:pRg st="4" end="4"/>
+                                            </p:txEl>
+                                          </p:spTgt>
+                                        </p:tgtEl>
+                                        <p:attrNameLst>
+                                          <p:attrName>ppt_y</p:attrName>
+                                        </p:attrNameLst>
+                                      </p:cBhvr>
+                                      <p:tavLst>
+                                        <p:tav tm="0">
+                                          <p:val>
+                                            <p:strVal val="#ppt_y"/>
+                                          </p:val>
+                                        </p:tav>
+                                        <p:tav tm="100000">
+                                          <p:val>
+                                            <p:strVal val="#ppt_y"/>
+                                          </p:val>
+                                        </p:tav>
+                                      </p:tavLst>
+                                    </p:anim>
+                                    <p:animEffect transition="in" filter="fade">
+                                      <p:cBhvr>
+                                        <p:cTn id="47" dur="500"/>
+                                        <p:tgtEl>
+                                          <p:spTgt spid="2">
+                                            <p:txEl>
+                                              <p:pRg st="4" end="4"/>
+                                            </p:txEl>
+                                          </p:spTgt>
+                                        </p:tgtEl>
+                                      </p:cBhvr>
+                                    </p:animEffect>
+                                  </p:childTnLst>
+                                </p:cTn>
+                              </p:par>
+                            </p:childTnLst>
+                          </p:cTn>
+                        </p:par>
+                      </p:childTnLst>
+                    </p:cTn>
+                  </p:par>
+                  <p:par>
+                    <p:cTn id="48" fill="hold">
+                      <p:stCondLst>
+                        <p:cond delay="indefinite"/>
+                      </p:stCondLst>
+                      <p:childTnLst>
+                        <p:par>
+                          <p:cTn id="49" fill="hold">
+                            <p:stCondLst>
+                              <p:cond delay="0"/>
+                            </p:stCondLst>
+                            <p:childTnLst>
+                              <p:par>
+                                <p:cTn id="50" presetID="54" presetClass="entr" presetSubtype="0" accel="100000" fill="hold" grpId="0" nodeType="clickEffect">
+                                  <p:stCondLst>
+                                    <p:cond delay="0"/>
+                                  </p:stCondLst>
+                                  <p:childTnLst>
+                                    <p:set>
+                                      <p:cBhvr>
+                                        <p:cTn id="51" dur="1" fill="hold">
+                                          <p:stCondLst>
+                                            <p:cond delay="0"/>
+                                          </p:stCondLst>
+                                        </p:cTn>
+                                        <p:tgtEl>
+                                          <p:spTgt spid="2">
+                                            <p:txEl>
+                                              <p:pRg st="5" end="5"/>
+                                            </p:txEl>
+                                          </p:spTgt>
+                                        </p:tgtEl>
+                                        <p:attrNameLst>
+                                          <p:attrName>style.visibility</p:attrName>
+                                        </p:attrNameLst>
+                                      </p:cBhvr>
+                                      <p:to>
+                                        <p:strVal val="visible"/>
+                                      </p:to>
+                                    </p:set>
+                                    <p:anim calcmode="lin" valueType="num">
+                                      <p:cBhvr>
+                                        <p:cTn id="52" dur="500" fill="hold"/>
+                                        <p:tgtEl>
+                                          <p:spTgt spid="2">
+                                            <p:txEl>
+                                              <p:pRg st="5" end="5"/>
+                                            </p:txEl>
+                                          </p:spTgt>
+                                        </p:tgtEl>
+                                        <p:attrNameLst>
+                                          <p:attrName>ppt_w</p:attrName>
+                                        </p:attrNameLst>
+                                      </p:cBhvr>
+                                      <p:tavLst>
+                                        <p:tav tm="0">
+                                          <p:val>
+                                            <p:strVal val="#ppt_w*0.05"/>
+                                          </p:val>
+                                        </p:tav>
+                                        <p:tav tm="100000">
+                                          <p:val>
+                                            <p:strVal val="#ppt_w"/>
+                                          </p:val>
+                                        </p:tav>
+                                      </p:tavLst>
+                                    </p:anim>
+                                    <p:anim calcmode="lin" valueType="num">
+                                      <p:cBhvr>
+                                        <p:cTn id="53" dur="500" fill="hold"/>
+                                        <p:tgtEl>
+                                          <p:spTgt spid="2">
+                                            <p:txEl>
+                                              <p:pRg st="5" end="5"/>
+                                            </p:txEl>
+                                          </p:spTgt>
+                                        </p:tgtEl>
+                                        <p:attrNameLst>
+                                          <p:attrName>ppt_h</p:attrName>
+                                        </p:attrNameLst>
+                                      </p:cBhvr>
+                                      <p:tavLst>
+                                        <p:tav tm="0">
+                                          <p:val>
+                                            <p:strVal val="#ppt_h"/>
+                                          </p:val>
+                                        </p:tav>
+                                        <p:tav tm="100000">
+                                          <p:val>
+                                            <p:strVal val="#ppt_h"/>
+                                          </p:val>
+                                        </p:tav>
+                                      </p:tavLst>
+                                    </p:anim>
+                                    <p:anim calcmode="lin" valueType="num">
+                                      <p:cBhvr>
+                                        <p:cTn id="54" dur="500" fill="hold"/>
+                                        <p:tgtEl>
+                                          <p:spTgt spid="2">
+                                            <p:txEl>
+                                              <p:pRg st="5" end="5"/>
+                                            </p:txEl>
+                                          </p:spTgt>
+                                        </p:tgtEl>
+                                        <p:attrNameLst>
+                                          <p:attrName>ppt_x</p:attrName>
+                                        </p:attrNameLst>
+                                      </p:cBhvr>
+                                      <p:tavLst>
+                                        <p:tav tm="0">
+                                          <p:val>
+                                            <p:strVal val="#ppt_x-.2"/>
+                                          </p:val>
+                                        </p:tav>
+                                        <p:tav tm="100000">
+                                          <p:val>
+                                            <p:strVal val="#ppt_x"/>
+                                          </p:val>
+                                        </p:tav>
+                                      </p:tavLst>
+                                    </p:anim>
+                                    <p:anim calcmode="lin" valueType="num">
+                                      <p:cBhvr>
+                                        <p:cTn id="55" dur="500" fill="hold"/>
+                                        <p:tgtEl>
+                                          <p:spTgt spid="2">
+                                            <p:txEl>
+                                              <p:pRg st="5" end="5"/>
+                                            </p:txEl>
+                                          </p:spTgt>
+                                        </p:tgtEl>
+                                        <p:attrNameLst>
+                                          <p:attrName>ppt_y</p:attrName>
+                                        </p:attrNameLst>
+                                      </p:cBhvr>
+                                      <p:tavLst>
+                                        <p:tav tm="0">
+                                          <p:val>
+                                            <p:strVal val="#ppt_y"/>
+                                          </p:val>
+                                        </p:tav>
+                                        <p:tav tm="100000">
+                                          <p:val>
+                                            <p:strVal val="#ppt_y"/>
+                                          </p:val>
+                                        </p:tav>
+                                      </p:tavLst>
+                                    </p:anim>
+                                    <p:animEffect transition="in" filter="fade">
+                                      <p:cBhvr>
+                                        <p:cTn id="56" dur="500"/>
+                                        <p:tgtEl>
+                                          <p:spTgt spid="2">
+                                            <p:txEl>
+                                              <p:pRg st="5" end="5"/>
+                                            </p:txEl>
+                                          </p:spTgt>
+                                        </p:tgtEl>
+                                      </p:cBhvr>
+                                    </p:animEffect>
+                                  </p:childTnLst>
+                                </p:cTn>
+                              </p:par>
+                            </p:childTnLst>
+                          </p:cTn>
+                        </p:par>
+                      </p:childTnLst>
+                    </p:cTn>
+                  </p:par>
+                </p:childTnLst>
+              </p:cTn>
+              <p:prevCondLst>
+                <p:cond evt="onPrev" delay="0">
+                  <p:tgtEl>
+                    <p:sldTgt/>
+                  </p:tgtEl>
+                </p:cond>
+              </p:prevCondLst>
+              <p:nextCondLst>
+                <p:cond evt="onNext" delay="0">
+                  <p:tgtEl>
+                    <p:sldTgt/>
+                  </p:tgtEl>
+                </p:cond>
+              </p:nextCondLst>
+            </p:seq>
+          </p:childTnLst>
+        </p:cTn>
       </p:par>
     </p:tnLst>
+    <p:bldLst>
+      <p:bldP spid="2" grpId="0" build="p"/>
+    </p:bldLst>
   </p:timing>
 </p:sld>
 </file>
@@ -6983,51 +10224,6 @@
       </p:grpSpPr>
       <p:sp>
         <p:nvSpPr>
-          <p:cNvPr id="2" name="Espace réservé du contenu 1"/>
-          <p:cNvSpPr>
-            <a:spLocks noGrp="1"/>
-          </p:cNvSpPr>
-          <p:nvPr>
-            <p:ph idx="1"/>
-          </p:nvPr>
-        </p:nvSpPr>
-        <p:spPr>
-          <a:xfrm>
-            <a:off x="457200" y="1371600"/>
-            <a:ext cx="8229600" cy="4525963"/>
-          </a:xfrm>
-        </p:spPr>
-        <p:txBody>
-          <a:bodyPr/>
-          <a:lstStyle/>
-          <a:p>
-            <a:endParaRPr lang="fr-FR" dirty="0" smtClean="0"/>
-          </a:p>
-          <a:p>
-            <a:r>
-              <a:rPr lang="fr-FR" dirty="0" smtClean="0">
-                <a:solidFill>
-                  <a:schemeClr val="tx1">
-                    <a:lumMod val="85000"/>
-                    <a:lumOff val="15000"/>
-                  </a:schemeClr>
-                </a:solidFill>
-              </a:rPr>
-              <a:t>A marquer ce soir. /!\</a:t>
-            </a:r>
-            <a:endParaRPr lang="fr-FR" dirty="0">
-              <a:solidFill>
-                <a:schemeClr val="tx1">
-                  <a:lumMod val="85000"/>
-                  <a:lumOff val="15000"/>
-                </a:schemeClr>
-              </a:solidFill>
-            </a:endParaRPr>
-          </a:p>
-        </p:txBody>
-      </p:sp>
-      <p:sp>
-        <p:nvSpPr>
           <p:cNvPr id="3" name="Titre 2"/>
           <p:cNvSpPr>
             <a:spLocks noGrp="1"/>
@@ -7036,16 +10232,26 @@
             <p:ph type="title"/>
           </p:nvPr>
         </p:nvSpPr>
-        <p:spPr/>
+        <p:spPr>
+          <a:xfrm>
+            <a:off x="457200" y="1524000"/>
+            <a:ext cx="8229600" cy="3200400"/>
+          </a:xfrm>
+        </p:spPr>
         <p:txBody>
-          <a:bodyPr>
-            <a:normAutofit/>
-          </a:bodyPr>
+          <a:bodyPr/>
           <a:lstStyle/>
           <a:p>
+            <a:pPr algn="ctr"/>
             <a:r>
               <a:rPr lang="fr-FR" dirty="0" smtClean="0"/>
-              <a:t>Conclusion</a:t>
+              <a:t>Merci </a:t>
+            </a:r>
+            <a:r>
+              <a:rPr lang="fr-FR" dirty="0" smtClean="0">
+                <a:sym typeface="Wingdings" pitchFamily="2" charset="2"/>
+              </a:rPr>
+              <a:t></a:t>
             </a:r>
             <a:endParaRPr lang="fr-FR" dirty="0"/>
           </a:p>
@@ -7069,7 +10275,7 @@
 <file path=ppt/theme/theme1.xml><?xml version="1.0" encoding="utf-8"?>
 <a:theme xmlns:a="http://schemas.openxmlformats.org/drawingml/2006/main" name="Rotonde">
   <a:themeElements>
-    <a:clrScheme name="Rotonde">
+    <a:clrScheme name="Débit">
       <a:dk1>
         <a:sysClr val="windowText" lastClr="000000"/>
       </a:dk1>
@@ -7077,34 +10283,34 @@
         <a:sysClr val="window" lastClr="FFFFFF"/>
       </a:lt1>
       <a:dk2>
-        <a:srgbClr val="464646"/>
+        <a:srgbClr val="04617B"/>
       </a:dk2>
       <a:lt2>
-        <a:srgbClr val="DEF5FA"/>
+        <a:srgbClr val="DBF5F9"/>
       </a:lt2>
       <a:accent1>
-        <a:srgbClr val="2DA2BF"/>
+        <a:srgbClr val="0F6FC6"/>
       </a:accent1>
       <a:accent2>
-        <a:srgbClr val="DA1F28"/>
+        <a:srgbClr val="009DD9"/>
       </a:accent2>
       <a:accent3>
-        <a:srgbClr val="EB641B"/>
+        <a:srgbClr val="0BD0D9"/>
       </a:accent3>
       <a:accent4>
-        <a:srgbClr val="39639D"/>
+        <a:srgbClr val="10CF9B"/>
       </a:accent4>
       <a:accent5>
-        <a:srgbClr val="474B78"/>
+        <a:srgbClr val="7CCA62"/>
       </a:accent5>
       <a:accent6>
-        <a:srgbClr val="7D3C4A"/>
+        <a:srgbClr val="A5C249"/>
       </a:accent6>
       <a:hlink>
-        <a:srgbClr val="FF8119"/>
+        <a:srgbClr val="E2D700"/>
       </a:hlink>
       <a:folHlink>
-        <a:srgbClr val="44B9E8"/>
+        <a:srgbClr val="85DFD0"/>
       </a:folHlink>
     </a:clrScheme>
     <a:fontScheme name="Rotonde">
